--- a/Students flow.pptx
+++ b/Students flow.pptx
@@ -249,7 +249,7 @@
           <a:p>
             <a:fld id="{244407FF-88D8-4799-B8FC-E0203F3B8DD7}" type="datetimeFigureOut">
               <a:rPr lang="fr-FR" smtClean="0"/>
-              <a:t>24/09/2014</a:t>
+              <a:t>03/10/2014</a:t>
             </a:fld>
             <a:endParaRPr lang="fr-FR"/>
           </a:p>
@@ -419,7 +419,7 @@
           <a:p>
             <a:fld id="{244407FF-88D8-4799-B8FC-E0203F3B8DD7}" type="datetimeFigureOut">
               <a:rPr lang="fr-FR" smtClean="0"/>
-              <a:t>24/09/2014</a:t>
+              <a:t>03/10/2014</a:t>
             </a:fld>
             <a:endParaRPr lang="fr-FR"/>
           </a:p>
@@ -599,7 +599,7 @@
           <a:p>
             <a:fld id="{244407FF-88D8-4799-B8FC-E0203F3B8DD7}" type="datetimeFigureOut">
               <a:rPr lang="fr-FR" smtClean="0"/>
-              <a:t>24/09/2014</a:t>
+              <a:t>03/10/2014</a:t>
             </a:fld>
             <a:endParaRPr lang="fr-FR"/>
           </a:p>
@@ -769,7 +769,7 @@
           <a:p>
             <a:fld id="{244407FF-88D8-4799-B8FC-E0203F3B8DD7}" type="datetimeFigureOut">
               <a:rPr lang="fr-FR" smtClean="0"/>
-              <a:t>24/09/2014</a:t>
+              <a:t>03/10/2014</a:t>
             </a:fld>
             <a:endParaRPr lang="fr-FR"/>
           </a:p>
@@ -1015,7 +1015,7 @@
           <a:p>
             <a:fld id="{244407FF-88D8-4799-B8FC-E0203F3B8DD7}" type="datetimeFigureOut">
               <a:rPr lang="fr-FR" smtClean="0"/>
-              <a:t>24/09/2014</a:t>
+              <a:t>03/10/2014</a:t>
             </a:fld>
             <a:endParaRPr lang="fr-FR"/>
           </a:p>
@@ -1247,7 +1247,7 @@
           <a:p>
             <a:fld id="{244407FF-88D8-4799-B8FC-E0203F3B8DD7}" type="datetimeFigureOut">
               <a:rPr lang="fr-FR" smtClean="0"/>
-              <a:t>24/09/2014</a:t>
+              <a:t>03/10/2014</a:t>
             </a:fld>
             <a:endParaRPr lang="fr-FR"/>
           </a:p>
@@ -1614,7 +1614,7 @@
           <a:p>
             <a:fld id="{244407FF-88D8-4799-B8FC-E0203F3B8DD7}" type="datetimeFigureOut">
               <a:rPr lang="fr-FR" smtClean="0"/>
-              <a:t>24/09/2014</a:t>
+              <a:t>03/10/2014</a:t>
             </a:fld>
             <a:endParaRPr lang="fr-FR"/>
           </a:p>
@@ -1732,7 +1732,7 @@
           <a:p>
             <a:fld id="{244407FF-88D8-4799-B8FC-E0203F3B8DD7}" type="datetimeFigureOut">
               <a:rPr lang="fr-FR" smtClean="0"/>
-              <a:t>24/09/2014</a:t>
+              <a:t>03/10/2014</a:t>
             </a:fld>
             <a:endParaRPr lang="fr-FR"/>
           </a:p>
@@ -1827,7 +1827,7 @@
           <a:p>
             <a:fld id="{244407FF-88D8-4799-B8FC-E0203F3B8DD7}" type="datetimeFigureOut">
               <a:rPr lang="fr-FR" smtClean="0"/>
-              <a:t>24/09/2014</a:t>
+              <a:t>03/10/2014</a:t>
             </a:fld>
             <a:endParaRPr lang="fr-FR"/>
           </a:p>
@@ -2104,7 +2104,7 @@
           <a:p>
             <a:fld id="{244407FF-88D8-4799-B8FC-E0203F3B8DD7}" type="datetimeFigureOut">
               <a:rPr lang="fr-FR" smtClean="0"/>
-              <a:t>24/09/2014</a:t>
+              <a:t>03/10/2014</a:t>
             </a:fld>
             <a:endParaRPr lang="fr-FR"/>
           </a:p>
@@ -2357,7 +2357,7 @@
           <a:p>
             <a:fld id="{244407FF-88D8-4799-B8FC-E0203F3B8DD7}" type="datetimeFigureOut">
               <a:rPr lang="fr-FR" smtClean="0"/>
-              <a:t>24/09/2014</a:t>
+              <a:t>03/10/2014</a:t>
             </a:fld>
             <a:endParaRPr lang="fr-FR"/>
           </a:p>
@@ -2570,7 +2570,7 @@
           <a:p>
             <a:fld id="{244407FF-88D8-4799-B8FC-E0203F3B8DD7}" type="datetimeFigureOut">
               <a:rPr lang="fr-FR" smtClean="0"/>
-              <a:t>24/09/2014</a:t>
+              <a:t>03/10/2014</a:t>
             </a:fld>
             <a:endParaRPr lang="fr-FR"/>
           </a:p>
@@ -3074,7 +3074,7 @@
         </p:nvSpPr>
         <p:spPr>
           <a:xfrm>
-            <a:off x="3178319" y="3962245"/>
+            <a:off x="7446892" y="1351633"/>
             <a:ext cx="1597152" cy="755904"/>
           </a:xfrm>
           <a:prstGeom prst="rect">
@@ -3130,8 +3130,8 @@
         </p:nvSpPr>
         <p:spPr>
           <a:xfrm>
-            <a:off x="7498081" y="3882997"/>
-            <a:ext cx="2036064" cy="914400"/>
+            <a:off x="9678444" y="2801700"/>
+            <a:ext cx="2175576" cy="1063752"/>
           </a:xfrm>
           <a:prstGeom prst="rect">
             <a:avLst/>
@@ -3160,79 +3160,27 @@
             <a:pPr algn="ctr"/>
             <a:r>
               <a:rPr lang="fr-FR" dirty="0" smtClean="0"/>
-              <a:t>Input email/</a:t>
-            </a:r>
-            <a:r>
-              <a:rPr lang="fr-FR" dirty="0" err="1" smtClean="0"/>
-              <a:t>access</a:t>
-            </a:r>
-            <a:r>
-              <a:rPr lang="fr-FR" dirty="0" smtClean="0"/>
-              <a:t> code</a:t>
-            </a:r>
-            <a:endParaRPr lang="fr-FR" dirty="0"/>
-          </a:p>
-        </p:txBody>
-      </p:sp>
-      <p:sp>
-        <p:nvSpPr>
-          <p:cNvPr id="8" name="Rectangle 7"/>
-          <p:cNvSpPr/>
-          <p:nvPr/>
-        </p:nvSpPr>
-        <p:spPr>
-          <a:xfrm>
-            <a:off x="10135754" y="3882997"/>
-            <a:ext cx="1560576" cy="914400"/>
-          </a:xfrm>
-          <a:prstGeom prst="rect">
-            <a:avLst/>
-          </a:prstGeom>
-        </p:spPr>
-        <p:style>
-          <a:lnRef idx="2">
-            <a:schemeClr val="accent1">
-              <a:shade val="50000"/>
-            </a:schemeClr>
-          </a:lnRef>
-          <a:fillRef idx="1">
-            <a:schemeClr val="accent1"/>
-          </a:fillRef>
-          <a:effectRef idx="0">
-            <a:schemeClr val="accent1"/>
-          </a:effectRef>
-          <a:fontRef idx="minor">
-            <a:schemeClr val="lt1"/>
-          </a:fontRef>
-        </p:style>
-        <p:txBody>
-          <a:bodyPr rtlCol="0" anchor="ctr"/>
-          <a:lstStyle/>
-          <a:p>
-            <a:pPr algn="ctr"/>
-            <a:r>
-              <a:rPr lang="fr-FR" dirty="0" smtClean="0"/>
               <a:t>Input </a:t>
             </a:r>
             <a:r>
-              <a:rPr lang="fr-FR" dirty="0" err="1" smtClean="0"/>
-              <a:t>chinese</a:t>
-            </a:r>
-            <a:r>
-              <a:rPr lang="fr-FR" dirty="0" smtClean="0"/>
-              <a:t> </a:t>
+              <a:rPr lang="fr-FR" altLang="zh-CN" dirty="0" err="1" smtClean="0"/>
+              <a:t>username</a:t>
+            </a:r>
+            <a:r>
+              <a:rPr lang="fr-FR" dirty="0" smtClean="0"/>
+              <a:t>/</a:t>
+            </a:r>
+            <a:r>
+              <a:rPr lang="fr-FR" dirty="0" err="1" smtClean="0"/>
+              <a:t>pwd</a:t>
+            </a:r>
+            <a:r>
+              <a:rPr lang="fr-FR" dirty="0" smtClean="0"/>
+              <a:t>/first and last </a:t>
             </a:r>
             <a:r>
               <a:rPr lang="fr-FR" dirty="0" err="1" smtClean="0"/>
               <a:t>name</a:t>
-            </a:r>
-            <a:r>
-              <a:rPr lang="fr-FR" dirty="0" smtClean="0"/>
-              <a:t> and set </a:t>
-            </a:r>
-            <a:r>
-              <a:rPr lang="fr-FR" dirty="0" err="1" smtClean="0"/>
-              <a:t>password</a:t>
             </a:r>
             <a:endParaRPr lang="fr-FR" dirty="0"/>
           </a:p>
@@ -3246,7 +3194,7 @@
         </p:nvSpPr>
         <p:spPr>
           <a:xfrm>
-            <a:off x="262601" y="3733645"/>
+            <a:off x="4242514" y="1135148"/>
             <a:ext cx="2520764" cy="1213104"/>
           </a:xfrm>
           <a:prstGeom prst="rect">
@@ -3331,8 +3279,8 @@
         </p:nvSpPr>
         <p:spPr>
           <a:xfrm>
-            <a:off x="307001" y="5989010"/>
-            <a:ext cx="5370124" cy="646331"/>
+            <a:off x="350959" y="5784794"/>
+            <a:ext cx="6220998" cy="923330"/>
           </a:xfrm>
           <a:prstGeom prst="rect">
             <a:avLst/>
@@ -3371,11 +3319,7 @@
             </a:r>
             <a:r>
               <a:rPr lang="fr-FR" dirty="0" smtClean="0"/>
-              <a:t> code </a:t>
-            </a:r>
-            <a:r>
-              <a:rPr lang="fr-FR" dirty="0" smtClean="0"/>
-              <a:t>or QBR </a:t>
+              <a:t> code or QBR </a:t>
             </a:r>
             <a:r>
               <a:rPr lang="fr-FR" dirty="0" err="1" smtClean="0"/>
@@ -3383,53 +3327,104 @@
             </a:r>
             <a:r>
               <a:rPr lang="fr-FR" dirty="0" smtClean="0"/>
+              <a:t> email or at class</a:t>
+            </a:r>
+          </a:p>
+          <a:p>
+            <a:r>
+              <a:rPr lang="fr-FR" dirty="0" smtClean="0"/>
+              <a:t>*</a:t>
+            </a:r>
+            <a:r>
+              <a:rPr lang="fr-FR" dirty="0" err="1" smtClean="0"/>
+              <a:t>we</a:t>
+            </a:r>
+            <a:r>
+              <a:rPr lang="fr-FR" dirty="0" smtClean="0"/>
               <a:t> </a:t>
             </a:r>
             <a:r>
-              <a:rPr lang="fr-FR" dirty="0" smtClean="0"/>
-              <a:t>email or at class</a:t>
-            </a:r>
-          </a:p>
-          <a:p>
-            <a:r>
-              <a:rPr lang="fr-FR" dirty="0" smtClean="0"/>
+              <a:rPr lang="fr-FR" dirty="0" err="1" smtClean="0"/>
+              <a:t>will</a:t>
+            </a:r>
+            <a:r>
+              <a:rPr lang="fr-FR" dirty="0" smtClean="0"/>
+              <a:t> display </a:t>
+            </a:r>
+            <a:r>
+              <a:rPr lang="fr-FR" dirty="0" err="1" smtClean="0"/>
+              <a:t>student</a:t>
+            </a:r>
+            <a:r>
+              <a:rPr lang="fr-FR" dirty="0" smtClean="0"/>
+              <a:t> </a:t>
+            </a:r>
+            <a:r>
+              <a:rPr lang="fr-FR" dirty="0" err="1" smtClean="0"/>
+              <a:t>name</a:t>
+            </a:r>
+            <a:r>
+              <a:rPr lang="fr-FR" dirty="0" smtClean="0"/>
+              <a:t> at the </a:t>
+            </a:r>
+            <a:r>
+              <a:rPr lang="fr-FR" dirty="0" err="1" smtClean="0"/>
+              <a:t>app</a:t>
+            </a:r>
+            <a:endParaRPr lang="fr-FR" dirty="0" smtClean="0"/>
+          </a:p>
+          <a:p>
+            <a:r>
+              <a:rPr lang="zh-CN" altLang="fr-FR" dirty="0" smtClean="0"/>
               <a:t>*</a:t>
             </a:r>
             <a:r>
-              <a:rPr lang="fr-FR" dirty="0" err="1" smtClean="0"/>
-              <a:t>we</a:t>
-            </a:r>
-            <a:r>
-              <a:rPr lang="fr-FR" dirty="0" smtClean="0"/>
+              <a:rPr lang="fr-FR" altLang="zh-CN" dirty="0" err="1" smtClean="0"/>
+              <a:t>username</a:t>
+            </a:r>
+            <a:r>
+              <a:rPr lang="fr-FR" altLang="zh-CN" dirty="0" smtClean="0"/>
               <a:t> </a:t>
             </a:r>
             <a:r>
-              <a:rPr lang="fr-FR" dirty="0" err="1" smtClean="0"/>
-              <a:t>will</a:t>
-            </a:r>
-            <a:r>
-              <a:rPr lang="fr-FR" dirty="0" smtClean="0"/>
-              <a:t> display </a:t>
-            </a:r>
-            <a:r>
-              <a:rPr lang="fr-FR" dirty="0" err="1" smtClean="0"/>
-              <a:t>student</a:t>
-            </a:r>
-            <a:r>
-              <a:rPr lang="fr-FR" dirty="0" smtClean="0"/>
+              <a:rPr lang="fr-FR" altLang="zh-CN" dirty="0" err="1" smtClean="0"/>
+              <a:t>can</a:t>
+            </a:r>
+            <a:r>
+              <a:rPr lang="fr-FR" altLang="zh-CN" dirty="0" smtClean="0"/>
               <a:t> </a:t>
             </a:r>
             <a:r>
-              <a:rPr lang="fr-FR" dirty="0" err="1" smtClean="0"/>
-              <a:t>name</a:t>
-            </a:r>
-            <a:r>
-              <a:rPr lang="fr-FR" dirty="0" smtClean="0"/>
-              <a:t> at the </a:t>
-            </a:r>
-            <a:r>
-              <a:rPr lang="fr-FR" dirty="0" err="1" smtClean="0"/>
-              <a:t>app</a:t>
+              <a:rPr lang="fr-FR" altLang="zh-CN" dirty="0" err="1" smtClean="0"/>
+              <a:t>be</a:t>
+            </a:r>
+            <a:r>
+              <a:rPr lang="fr-FR" altLang="zh-CN" dirty="0" smtClean="0"/>
+              <a:t> </a:t>
+            </a:r>
+            <a:r>
+              <a:rPr lang="fr-FR" altLang="zh-CN" dirty="0" err="1" smtClean="0"/>
+              <a:t>either</a:t>
+            </a:r>
+            <a:r>
+              <a:rPr lang="fr-FR" altLang="zh-CN" dirty="0" smtClean="0"/>
+              <a:t> mobile # or email </a:t>
+            </a:r>
+            <a:r>
+              <a:rPr lang="fr-FR" altLang="zh-CN" dirty="0" err="1" smtClean="0"/>
+              <a:t>address</a:t>
+            </a:r>
+            <a:r>
+              <a:rPr lang="fr-FR" altLang="zh-CN" dirty="0" smtClean="0"/>
+              <a:t> or </a:t>
+            </a:r>
+            <a:r>
+              <a:rPr lang="fr-FR" altLang="zh-CN" dirty="0" err="1" smtClean="0"/>
+              <a:t>any</a:t>
+            </a:r>
+            <a:r>
+              <a:rPr lang="fr-FR" altLang="zh-CN" dirty="0" smtClean="0"/>
+              <a:t> string</a:t>
             </a:r>
             <a:endParaRPr lang="fr-FR" dirty="0"/>
           </a:p>
@@ -3443,7 +3438,7 @@
         </p:nvSpPr>
         <p:spPr>
           <a:xfrm>
-            <a:off x="218643" y="2060448"/>
+            <a:off x="307001" y="1182624"/>
             <a:ext cx="2609088" cy="1093922"/>
           </a:xfrm>
           <a:prstGeom prst="rect">
@@ -3522,15 +3517,15 @@
         <p:nvCxnSpPr>
           <p:cNvPr id="14" name="Straight Arrow Connector 13"/>
           <p:cNvCxnSpPr>
-            <a:stCxn id="12" idx="2"/>
-            <a:endCxn id="9" idx="0"/>
+            <a:stCxn id="12" idx="3"/>
+            <a:endCxn id="9" idx="1"/>
           </p:cNvCxnSpPr>
           <p:nvPr/>
         </p:nvCxnSpPr>
         <p:spPr>
-          <a:xfrm flipH="1">
-            <a:off x="1522983" y="3154370"/>
-            <a:ext cx="204" cy="579275"/>
+          <a:xfrm>
+            <a:off x="2916089" y="1729585"/>
+            <a:ext cx="1326425" cy="12115"/>
           </a:xfrm>
           <a:prstGeom prst="straightConnector1">
             <a:avLst/>
@@ -3564,9 +3559,9 @@
           <p:nvPr/>
         </p:nvCxnSpPr>
         <p:spPr>
-          <a:xfrm>
-            <a:off x="2783365" y="4340197"/>
-            <a:ext cx="394954" cy="0"/>
+          <a:xfrm flipV="1">
+            <a:off x="6763278" y="1729585"/>
+            <a:ext cx="683614" cy="12115"/>
           </a:xfrm>
           <a:prstGeom prst="straightConnector1">
             <a:avLst/>
@@ -3600,45 +3595,9 @@
           <p:nvPr/>
         </p:nvCxnSpPr>
         <p:spPr>
-          <a:xfrm>
-            <a:off x="4775471" y="4340197"/>
-            <a:ext cx="523849" cy="0"/>
-          </a:xfrm>
-          <a:prstGeom prst="straightConnector1">
-            <a:avLst/>
-          </a:prstGeom>
-          <a:ln>
-            <a:tailEnd type="triangle"/>
-          </a:ln>
-        </p:spPr>
-        <p:style>
-          <a:lnRef idx="1">
-            <a:schemeClr val="accent1"/>
-          </a:lnRef>
-          <a:fillRef idx="0">
-            <a:schemeClr val="accent1"/>
-          </a:fillRef>
-          <a:effectRef idx="0">
-            <a:schemeClr val="accent1"/>
-          </a:effectRef>
-          <a:fontRef idx="minor">
-            <a:schemeClr val="tx1"/>
-          </a:fontRef>
-        </p:style>
-      </p:cxnSp>
-      <p:cxnSp>
-        <p:nvCxnSpPr>
-          <p:cNvPr id="20" name="Straight Arrow Connector 19"/>
-          <p:cNvCxnSpPr>
-            <a:stCxn id="6" idx="3"/>
-            <a:endCxn id="8" idx="1"/>
-          </p:cNvCxnSpPr>
-          <p:nvPr/>
-        </p:nvCxnSpPr>
-        <p:spPr>
-          <a:xfrm>
-            <a:off x="9534145" y="4340197"/>
-            <a:ext cx="601609" cy="0"/>
+          <a:xfrm flipV="1">
+            <a:off x="9044044" y="1723257"/>
+            <a:ext cx="923612" cy="6328"/>
           </a:xfrm>
           <a:prstGeom prst="straightConnector1">
             <a:avLst/>
@@ -3700,14 +3659,14 @@
       </p:sp>
       <p:sp>
         <p:nvSpPr>
-          <p:cNvPr id="29" name="Rectangle 28"/>
+          <p:cNvPr id="40" name="Rectangle 39"/>
           <p:cNvSpPr/>
           <p:nvPr/>
         </p:nvSpPr>
         <p:spPr>
           <a:xfrm>
-            <a:off x="10182964" y="5315634"/>
-            <a:ext cx="1473338" cy="902286"/>
+            <a:off x="9967656" y="1345305"/>
+            <a:ext cx="1597152" cy="755904"/>
           </a:xfrm>
           <a:prstGeom prst="rect">
             <a:avLst/>
@@ -3735,20 +3694,16 @@
           <a:p>
             <a:pPr algn="ctr"/>
             <a:r>
-              <a:rPr lang="fr-FR" dirty="0" err="1" smtClean="0"/>
-              <a:t>Get</a:t>
-            </a:r>
-            <a:r>
-              <a:rPr lang="fr-FR" dirty="0" smtClean="0"/>
-              <a:t> </a:t>
-            </a:r>
-            <a:r>
-              <a:rPr lang="fr-FR" dirty="0" err="1" smtClean="0"/>
-              <a:t>into</a:t>
-            </a:r>
-            <a:r>
-              <a:rPr lang="fr-FR" dirty="0" smtClean="0"/>
-              <a:t> main UI</a:t>
+              <a:rPr lang="fr-FR" dirty="0" smtClean="0"/>
+              <a:t>Select </a:t>
+            </a:r>
+            <a:r>
+              <a:rPr lang="fr-FR" dirty="0" err="1" smtClean="0"/>
+              <a:t>Sign</a:t>
+            </a:r>
+            <a:r>
+              <a:rPr lang="fr-FR" dirty="0" smtClean="0"/>
+              <a:t>-up</a:t>
             </a:r>
             <a:endParaRPr lang="fr-FR" dirty="0"/>
           </a:p>
@@ -3756,17 +3711,17 @@
       </p:sp>
       <p:cxnSp>
         <p:nvCxnSpPr>
-          <p:cNvPr id="31" name="Straight Arrow Connector 30"/>
+          <p:cNvPr id="50" name="Straight Arrow Connector 49"/>
           <p:cNvCxnSpPr>
-            <a:stCxn id="8" idx="2"/>
-            <a:endCxn id="29" idx="0"/>
+            <a:stCxn id="40" idx="2"/>
+            <a:endCxn id="6" idx="0"/>
           </p:cNvCxnSpPr>
           <p:nvPr/>
         </p:nvCxnSpPr>
         <p:spPr>
           <a:xfrm>
-            <a:off x="10916042" y="4797397"/>
-            <a:ext cx="3591" cy="518237"/>
+            <a:off x="10766232" y="2101209"/>
+            <a:ext cx="0" cy="700491"/>
           </a:xfrm>
           <a:prstGeom prst="straightConnector1">
             <a:avLst/>
@@ -3792,16 +3747,16 @@
       </p:cxnSp>
       <p:sp>
         <p:nvSpPr>
-          <p:cNvPr id="40" name="Rectangle 39"/>
+          <p:cNvPr id="2" name="Diamond 1"/>
           <p:cNvSpPr/>
           <p:nvPr/>
         </p:nvSpPr>
         <p:spPr>
           <a:xfrm>
-            <a:off x="5299320" y="3962245"/>
-            <a:ext cx="1597152" cy="755904"/>
-          </a:xfrm>
-          <a:prstGeom prst="rect">
+            <a:off x="6326044" y="2587126"/>
+            <a:ext cx="2241696" cy="1566671"/>
+          </a:xfrm>
+          <a:prstGeom prst="diamond">
             <a:avLst/>
           </a:prstGeom>
         </p:spPr>
@@ -3828,15 +3783,11 @@
             <a:pPr algn="ctr"/>
             <a:r>
               <a:rPr lang="fr-FR" dirty="0" smtClean="0"/>
-              <a:t>Select </a:t>
-            </a:r>
-            <a:r>
-              <a:rPr lang="fr-FR" dirty="0" err="1" smtClean="0"/>
-              <a:t>Sign</a:t>
-            </a:r>
-            <a:r>
-              <a:rPr lang="fr-FR" dirty="0" smtClean="0"/>
-              <a:t>-up</a:t>
+              <a:t>Access </a:t>
+            </a:r>
+            <a:r>
+              <a:rPr lang="fr-FR" dirty="0" smtClean="0"/>
+              <a:t>code?</a:t>
             </a:r>
             <a:endParaRPr lang="fr-FR" dirty="0"/>
           </a:p>
@@ -3844,17 +3795,177 @@
       </p:sp>
       <p:cxnSp>
         <p:nvCxnSpPr>
-          <p:cNvPr id="50" name="Straight Arrow Connector 49"/>
+          <p:cNvPr id="49" name="Straight Arrow Connector 48"/>
           <p:cNvCxnSpPr>
-            <a:stCxn id="40" idx="3"/>
-            <a:endCxn id="6" idx="1"/>
+            <a:stCxn id="6" idx="1"/>
+            <a:endCxn id="2" idx="3"/>
           </p:cNvCxnSpPr>
           <p:nvPr/>
         </p:nvCxnSpPr>
         <p:spPr>
-          <a:xfrm>
-            <a:off x="6896472" y="4340197"/>
-            <a:ext cx="601609" cy="0"/>
+          <a:xfrm flipH="1">
+            <a:off x="8567740" y="3333576"/>
+            <a:ext cx="1110704" cy="36886"/>
+          </a:xfrm>
+          <a:prstGeom prst="straightConnector1">
+            <a:avLst/>
+          </a:prstGeom>
+          <a:ln>
+            <a:tailEnd type="triangle"/>
+          </a:ln>
+        </p:spPr>
+        <p:style>
+          <a:lnRef idx="1">
+            <a:schemeClr val="accent1"/>
+          </a:lnRef>
+          <a:fillRef idx="0">
+            <a:schemeClr val="accent1"/>
+          </a:fillRef>
+          <a:effectRef idx="0">
+            <a:schemeClr val="accent1"/>
+          </a:effectRef>
+          <a:fontRef idx="minor">
+            <a:schemeClr val="tx1"/>
+          </a:fontRef>
+        </p:style>
+      </p:cxnSp>
+      <p:sp>
+        <p:nvSpPr>
+          <p:cNvPr id="56" name="Rectangle 55"/>
+          <p:cNvSpPr/>
+          <p:nvPr/>
+        </p:nvSpPr>
+        <p:spPr>
+          <a:xfrm>
+            <a:off x="3282882" y="2967831"/>
+            <a:ext cx="2220014" cy="805260"/>
+          </a:xfrm>
+          <a:prstGeom prst="rect">
+            <a:avLst/>
+          </a:prstGeom>
+        </p:spPr>
+        <p:style>
+          <a:lnRef idx="2">
+            <a:schemeClr val="accent1">
+              <a:shade val="50000"/>
+            </a:schemeClr>
+          </a:lnRef>
+          <a:fillRef idx="1">
+            <a:schemeClr val="accent1"/>
+          </a:fillRef>
+          <a:effectRef idx="0">
+            <a:schemeClr val="accent1"/>
+          </a:effectRef>
+          <a:fontRef idx="minor">
+            <a:schemeClr val="lt1"/>
+          </a:fontRef>
+        </p:style>
+        <p:txBody>
+          <a:bodyPr rtlCol="0" anchor="ctr"/>
+          <a:lstStyle/>
+          <a:p>
+            <a:pPr algn="ctr"/>
+            <a:r>
+              <a:rPr lang="en-US" dirty="0" smtClean="0"/>
+              <a:t>Show all messages in Inbox and title of tests</a:t>
+            </a:r>
+            <a:endParaRPr lang="fr-FR" dirty="0"/>
+          </a:p>
+        </p:txBody>
+      </p:sp>
+      <p:cxnSp>
+        <p:nvCxnSpPr>
+          <p:cNvPr id="58" name="Straight Arrow Connector 57"/>
+          <p:cNvCxnSpPr>
+            <a:stCxn id="2" idx="1"/>
+            <a:endCxn id="56" idx="3"/>
+          </p:cNvCxnSpPr>
+          <p:nvPr/>
+        </p:nvCxnSpPr>
+        <p:spPr>
+          <a:xfrm flipH="1" flipV="1">
+            <a:off x="5502896" y="3370461"/>
+            <a:ext cx="823148" cy="1"/>
+          </a:xfrm>
+          <a:prstGeom prst="straightConnector1">
+            <a:avLst/>
+          </a:prstGeom>
+          <a:ln>
+            <a:tailEnd type="triangle"/>
+          </a:ln>
+        </p:spPr>
+        <p:style>
+          <a:lnRef idx="1">
+            <a:schemeClr val="accent1"/>
+          </a:lnRef>
+          <a:fillRef idx="0">
+            <a:schemeClr val="accent1"/>
+          </a:fillRef>
+          <a:effectRef idx="0">
+            <a:schemeClr val="accent1"/>
+          </a:effectRef>
+          <a:fontRef idx="minor">
+            <a:schemeClr val="tx1"/>
+          </a:fontRef>
+        </p:style>
+      </p:cxnSp>
+      <p:sp>
+        <p:nvSpPr>
+          <p:cNvPr id="59" name="Rectangle 58"/>
+          <p:cNvSpPr/>
+          <p:nvPr/>
+        </p:nvSpPr>
+        <p:spPr>
+          <a:xfrm>
+            <a:off x="6347726" y="4676335"/>
+            <a:ext cx="2220014" cy="805260"/>
+          </a:xfrm>
+          <a:prstGeom prst="rect">
+            <a:avLst/>
+          </a:prstGeom>
+        </p:spPr>
+        <p:style>
+          <a:lnRef idx="2">
+            <a:schemeClr val="accent1">
+              <a:shade val="50000"/>
+            </a:schemeClr>
+          </a:lnRef>
+          <a:fillRef idx="1">
+            <a:schemeClr val="accent1"/>
+          </a:fillRef>
+          <a:effectRef idx="0">
+            <a:schemeClr val="accent1"/>
+          </a:effectRef>
+          <a:fontRef idx="minor">
+            <a:schemeClr val="lt1"/>
+          </a:fontRef>
+        </p:style>
+        <p:txBody>
+          <a:bodyPr rtlCol="0" anchor="ctr"/>
+          <a:lstStyle/>
+          <a:p>
+            <a:pPr algn="ctr"/>
+            <a:r>
+              <a:rPr lang="en-US" dirty="0" smtClean="0"/>
+              <a:t>Show list of classes to apply for</a:t>
+            </a:r>
+            <a:endParaRPr lang="fr-FR" dirty="0"/>
+          </a:p>
+        </p:txBody>
+      </p:sp>
+      <p:cxnSp>
+        <p:nvCxnSpPr>
+          <p:cNvPr id="62" name="Straight Arrow Connector 61"/>
+          <p:cNvCxnSpPr>
+            <a:stCxn id="2" idx="2"/>
+            <a:endCxn id="59" idx="0"/>
+          </p:cNvCxnSpPr>
+          <p:nvPr/>
+        </p:nvCxnSpPr>
+        <p:spPr>
+          <a:xfrm>
+            <a:off x="7446892" y="4153797"/>
+            <a:ext cx="10841" cy="522538"/>
           </a:xfrm>
           <a:prstGeom prst="straightConnector1">
             <a:avLst/>
@@ -4456,8 +4567,8 @@
           <a:p>
             <a:pPr algn="ctr"/>
             <a:r>
-              <a:rPr lang="fr-FR" dirty="0" err="1" smtClean="0"/>
-              <a:t>Exercises</a:t>
+              <a:rPr lang="fr-FR" dirty="0" smtClean="0"/>
+              <a:t>Test</a:t>
             </a:r>
             <a:endParaRPr lang="fr-FR" dirty="0"/>
           </a:p>
@@ -4697,7 +4808,7 @@
             <a:pPr algn="ctr"/>
             <a:r>
               <a:rPr lang="fr-FR" altLang="zh-CN" dirty="0" smtClean="0"/>
-              <a:t>FAQ</a:t>
+              <a:t>Q &amp; A</a:t>
             </a:r>
             <a:endParaRPr lang="fr-FR" dirty="0"/>
           </a:p>
@@ -4792,12 +4903,8 @@
           <a:lstStyle/>
           <a:p>
             <a:r>
-              <a:rPr lang="fr-FR" dirty="0" err="1" smtClean="0"/>
-              <a:t>Exercises</a:t>
-            </a:r>
-            <a:r>
-              <a:rPr lang="fr-FR" dirty="0" smtClean="0"/>
-              <a:t> flow</a:t>
+              <a:rPr lang="fr-FR" dirty="0" smtClean="0"/>
+              <a:t>Test flow</a:t>
             </a:r>
             <a:endParaRPr lang="fr-FR" dirty="0"/>
           </a:p>
@@ -4844,12 +4951,8 @@
               <a:t>Select </a:t>
             </a:r>
             <a:r>
-              <a:rPr lang="fr-FR" dirty="0" err="1" smtClean="0"/>
-              <a:t>Exercises</a:t>
-            </a:r>
-            <a:r>
-              <a:rPr lang="fr-FR" dirty="0" smtClean="0"/>
-              <a:t> tab</a:t>
+              <a:rPr lang="fr-FR" dirty="0" smtClean="0"/>
+              <a:t>Test tab</a:t>
             </a:r>
             <a:endParaRPr lang="fr-FR" dirty="0"/>
           </a:p>
@@ -4863,8 +4966,8 @@
         </p:nvSpPr>
         <p:spPr>
           <a:xfrm>
-            <a:off x="3041870" y="2413954"/>
-            <a:ext cx="1597152" cy="755904"/>
+            <a:off x="3007632" y="2292127"/>
+            <a:ext cx="1871506" cy="1024066"/>
           </a:xfrm>
           <a:prstGeom prst="rect">
             <a:avLst/>
@@ -4892,12 +4995,24 @@
           <a:p>
             <a:pPr algn="ctr"/>
             <a:r>
-              <a:rPr lang="fr-FR" dirty="0" err="1" smtClean="0"/>
-              <a:t>Pick</a:t>
-            </a:r>
-            <a:r>
-              <a:rPr lang="fr-FR" dirty="0" smtClean="0"/>
-              <a:t> a group</a:t>
+              <a:rPr lang="fr-FR" dirty="0" smtClean="0"/>
+              <a:t>Select a </a:t>
+            </a:r>
+            <a:r>
+              <a:rPr lang="fr-FR" dirty="0" err="1" smtClean="0"/>
+              <a:t>sequence</a:t>
+            </a:r>
+            <a:r>
+              <a:rPr lang="fr-FR" dirty="0" smtClean="0"/>
+              <a:t> of </a:t>
+            </a:r>
+            <a:r>
+              <a:rPr lang="fr-FR" dirty="0" err="1" smtClean="0"/>
+              <a:t>exercises</a:t>
+            </a:r>
+            <a:r>
+              <a:rPr lang="fr-FR" dirty="0" smtClean="0"/>
+              <a:t> or an exam </a:t>
             </a:r>
             <a:endParaRPr lang="fr-FR" dirty="0"/>
           </a:p>
@@ -5125,7 +5240,11 @@
             <a:pPr algn="ctr"/>
             <a:r>
               <a:rPr lang="fr-FR" dirty="0" smtClean="0"/>
-              <a:t>Check score and </a:t>
+              <a:t>Check </a:t>
+            </a:r>
+            <a:r>
+              <a:rPr lang="fr-FR" dirty="0" smtClean="0"/>
+              <a:t>score and </a:t>
             </a:r>
             <a:r>
               <a:rPr lang="fr-FR" dirty="0" err="1" smtClean="0"/>
@@ -5147,7 +5266,7 @@
         <p:spPr>
           <a:xfrm>
             <a:off x="2435352" y="2785555"/>
-            <a:ext cx="606518" cy="6351"/>
+            <a:ext cx="572280" cy="18605"/>
           </a:xfrm>
           <a:prstGeom prst="straightConnector1">
             <a:avLst/>
@@ -5181,9 +5300,9 @@
           <p:nvPr/>
         </p:nvCxnSpPr>
         <p:spPr>
-          <a:xfrm>
-            <a:off x="4639022" y="2791906"/>
-            <a:ext cx="635508" cy="0"/>
+          <a:xfrm flipV="1">
+            <a:off x="4879138" y="2791906"/>
+            <a:ext cx="395392" cy="12254"/>
           </a:xfrm>
           <a:prstGeom prst="straightConnector1">
             <a:avLst/>
@@ -5392,18 +5511,18 @@
           <p:cNvPr id="68" name="Elbow Connector 67"/>
           <p:cNvCxnSpPr>
             <a:stCxn id="9" idx="0"/>
-            <a:endCxn id="5" idx="0"/>
+            <a:endCxn id="4" idx="0"/>
           </p:cNvCxnSpPr>
           <p:nvPr/>
         </p:nvCxnSpPr>
         <p:spPr>
           <a:xfrm rot="16200000" flipV="1">
-            <a:off x="8573228" y="-86168"/>
-            <a:ext cx="12700" cy="5000244"/>
+            <a:off x="7447455" y="-1211942"/>
+            <a:ext cx="121827" cy="7129965"/>
           </a:xfrm>
           <a:prstGeom prst="bentConnector3">
             <a:avLst>
-              <a:gd name="adj1" fmla="val 4872000"/>
+              <a:gd name="adj1" fmla="val 487796"/>
             </a:avLst>
           </a:prstGeom>
           <a:ln>
@@ -5496,7 +5615,7 @@
             </a:r>
             <a:r>
               <a:rPr lang="fr-FR" sz="3600" dirty="0" smtClean="0"/>
-              <a:t> Pri1, </a:t>
+              <a:t>, </a:t>
             </a:r>
             <a:r>
               <a:rPr lang="fr-FR" sz="3600" dirty="0" err="1" smtClean="0"/>
@@ -5504,7 +5623,19 @@
             </a:r>
             <a:r>
               <a:rPr lang="fr-FR" sz="3600" dirty="0" smtClean="0"/>
-              <a:t> Pri2</a:t>
+              <a:t> </a:t>
+            </a:r>
+            <a:r>
+              <a:rPr lang="fr-FR" sz="3600" dirty="0" smtClean="0"/>
+              <a:t>(no </a:t>
+            </a:r>
+            <a:r>
+              <a:rPr lang="fr-FR" sz="3600" dirty="0" err="1" smtClean="0"/>
+              <a:t>reply</a:t>
+            </a:r>
+            <a:r>
+              <a:rPr lang="fr-FR" sz="3600" dirty="0" smtClean="0"/>
+              <a:t>)</a:t>
             </a:r>
             <a:endParaRPr lang="fr-FR" sz="3600" dirty="0"/>
           </a:p>
@@ -5518,7 +5649,7 @@
         </p:nvSpPr>
         <p:spPr>
           <a:xfrm>
-            <a:off x="1070038" y="2834640"/>
+            <a:off x="1155382" y="3468624"/>
             <a:ext cx="1826895" cy="1194816"/>
           </a:xfrm>
           <a:prstGeom prst="rect">
@@ -5570,7 +5701,7 @@
         </p:nvSpPr>
         <p:spPr>
           <a:xfrm>
-            <a:off x="4260342" y="2834640"/>
+            <a:off x="4345686" y="3468624"/>
             <a:ext cx="2458593" cy="1194816"/>
           </a:xfrm>
           <a:prstGeom prst="rect">
@@ -5653,7 +5784,7 @@
         </p:nvCxnSpPr>
         <p:spPr>
           <a:xfrm>
-            <a:off x="2896933" y="3432048"/>
+            <a:off x="2982277" y="4066032"/>
             <a:ext cx="1363409" cy="0"/>
           </a:xfrm>
           <a:prstGeom prst="straightConnector1">
@@ -5686,12 +5817,15 @@
         </p:nvSpPr>
         <p:spPr>
           <a:xfrm>
-            <a:off x="8995791" y="2523744"/>
+            <a:off x="9081135" y="3694176"/>
             <a:ext cx="1645920" cy="908304"/>
           </a:xfrm>
           <a:prstGeom prst="rect">
             <a:avLst/>
           </a:prstGeom>
+          <a:solidFill>
+            <a:srgbClr val="FF0000"/>
+          </a:solidFill>
         </p:spPr>
         <p:style>
           <a:lnRef idx="2">
@@ -5738,12 +5872,15 @@
         </p:nvSpPr>
         <p:spPr>
           <a:xfrm>
-            <a:off x="8995791" y="3785616"/>
+            <a:off x="9081135" y="4899088"/>
             <a:ext cx="1645920" cy="908304"/>
           </a:xfrm>
           <a:prstGeom prst="rect">
             <a:avLst/>
           </a:prstGeom>
+          <a:solidFill>
+            <a:srgbClr val="FF0000"/>
+          </a:solidFill>
         </p:spPr>
         <p:style>
           <a:lnRef idx="2">
@@ -5792,9 +5929,9 @@
           <p:nvPr/>
         </p:nvCxnSpPr>
         <p:spPr>
-          <a:xfrm flipV="1">
-            <a:off x="6718935" y="2977896"/>
-            <a:ext cx="2276856" cy="454152"/>
+          <a:xfrm>
+            <a:off x="6804279" y="4066032"/>
+            <a:ext cx="2276856" cy="82296"/>
           </a:xfrm>
           <a:prstGeom prst="straightConnector1">
             <a:avLst/>
@@ -5829,8 +5966,96 @@
         </p:nvCxnSpPr>
         <p:spPr>
           <a:xfrm>
-            <a:off x="6718935" y="3432048"/>
-            <a:ext cx="2276856" cy="807720"/>
+            <a:off x="6804279" y="4066032"/>
+            <a:ext cx="2276856" cy="1287208"/>
+          </a:xfrm>
+          <a:prstGeom prst="straightConnector1">
+            <a:avLst/>
+          </a:prstGeom>
+          <a:ln>
+            <a:tailEnd type="triangle"/>
+          </a:ln>
+        </p:spPr>
+        <p:style>
+          <a:lnRef idx="1">
+            <a:schemeClr val="accent1"/>
+          </a:lnRef>
+          <a:fillRef idx="0">
+            <a:schemeClr val="accent1"/>
+          </a:fillRef>
+          <a:effectRef idx="0">
+            <a:schemeClr val="accent1"/>
+          </a:effectRef>
+          <a:fontRef idx="minor">
+            <a:schemeClr val="tx1"/>
+          </a:fontRef>
+        </p:style>
+      </p:cxnSp>
+      <p:sp>
+        <p:nvSpPr>
+          <p:cNvPr id="10" name="Rectangle 9"/>
+          <p:cNvSpPr/>
+          <p:nvPr/>
+        </p:nvSpPr>
+        <p:spPr>
+          <a:xfrm>
+            <a:off x="9081135" y="2072640"/>
+            <a:ext cx="1645920" cy="908304"/>
+          </a:xfrm>
+          <a:prstGeom prst="rect">
+            <a:avLst/>
+          </a:prstGeom>
+        </p:spPr>
+        <p:style>
+          <a:lnRef idx="2">
+            <a:schemeClr val="accent1">
+              <a:shade val="50000"/>
+            </a:schemeClr>
+          </a:lnRef>
+          <a:fillRef idx="1">
+            <a:schemeClr val="accent1"/>
+          </a:fillRef>
+          <a:effectRef idx="0">
+            <a:schemeClr val="accent1"/>
+          </a:effectRef>
+          <a:fontRef idx="minor">
+            <a:schemeClr val="lt1"/>
+          </a:fontRef>
+        </p:style>
+        <p:txBody>
+          <a:bodyPr rtlCol="0" anchor="ctr"/>
+          <a:lstStyle/>
+          <a:p>
+            <a:pPr algn="ctr"/>
+            <a:r>
+              <a:rPr lang="fr-FR" dirty="0" smtClean="0"/>
+              <a:t>Flag a message </a:t>
+            </a:r>
+            <a:r>
+              <a:rPr lang="en-US" dirty="0" smtClean="0"/>
+              <a:t>as high priority to </a:t>
+            </a:r>
+            <a:r>
+              <a:rPr lang="zh-CN" altLang="fr-FR" dirty="0" smtClean="0"/>
+              <a:t>置顶</a:t>
+            </a:r>
+            <a:endParaRPr lang="fr-FR" dirty="0"/>
+          </a:p>
+        </p:txBody>
+      </p:sp>
+      <p:cxnSp>
+        <p:nvCxnSpPr>
+          <p:cNvPr id="14" name="Straight Arrow Connector 13"/>
+          <p:cNvCxnSpPr>
+            <a:stCxn id="5" idx="3"/>
+            <a:endCxn id="10" idx="1"/>
+          </p:cNvCxnSpPr>
+          <p:nvPr/>
+        </p:nvCxnSpPr>
+        <p:spPr>
+          <a:xfrm flipV="1">
+            <a:off x="6804279" y="2526792"/>
+            <a:ext cx="2276856" cy="1539240"/>
           </a:xfrm>
           <a:prstGeom prst="straightConnector1">
             <a:avLst/>
@@ -5913,7 +6138,11 @@
           <a:p>
             <a:r>
               <a:rPr lang="fr-FR" dirty="0" smtClean="0"/>
-              <a:t>Class info – Pri2</a:t>
+              <a:t>Clas</a:t>
+            </a:r>
+            <a:r>
+              <a:rPr lang="fr-FR" altLang="zh-CN" dirty="0" smtClean="0"/>
+              <a:t>s</a:t>
             </a:r>
             <a:endParaRPr lang="fr-FR" dirty="0"/>
           </a:p>
@@ -5958,70 +6187,6 @@
             <a:r>
               <a:rPr lang="fr-FR" dirty="0" smtClean="0"/>
               <a:t>Select Class tab</a:t>
-            </a:r>
-            <a:endParaRPr lang="fr-FR" dirty="0"/>
-          </a:p>
-        </p:txBody>
-      </p:sp>
-      <p:sp>
-        <p:nvSpPr>
-          <p:cNvPr id="5" name="Rectangle 4"/>
-          <p:cNvSpPr/>
-          <p:nvPr/>
-        </p:nvSpPr>
-        <p:spPr>
-          <a:xfrm>
-            <a:off x="4477512" y="2445630"/>
-            <a:ext cx="1994916" cy="1194816"/>
-          </a:xfrm>
-          <a:prstGeom prst="rect">
-            <a:avLst/>
-          </a:prstGeom>
-        </p:spPr>
-        <p:style>
-          <a:lnRef idx="2">
-            <a:schemeClr val="accent1">
-              <a:shade val="50000"/>
-            </a:schemeClr>
-          </a:lnRef>
-          <a:fillRef idx="1">
-            <a:schemeClr val="accent1"/>
-          </a:fillRef>
-          <a:effectRef idx="0">
-            <a:schemeClr val="accent1"/>
-          </a:effectRef>
-          <a:fontRef idx="minor">
-            <a:schemeClr val="lt1"/>
-          </a:fontRef>
-        </p:style>
-        <p:txBody>
-          <a:bodyPr rtlCol="0" anchor="ctr"/>
-          <a:lstStyle/>
-          <a:p>
-            <a:pPr algn="ctr"/>
-            <a:r>
-              <a:rPr lang="fr-FR" dirty="0" err="1" smtClean="0"/>
-              <a:t>View</a:t>
-            </a:r>
-            <a:r>
-              <a:rPr lang="fr-FR" dirty="0" smtClean="0"/>
-              <a:t> </a:t>
-            </a:r>
-            <a:r>
-              <a:rPr lang="fr-FR" dirty="0" err="1" smtClean="0"/>
-              <a:t>list</a:t>
-            </a:r>
-            <a:r>
-              <a:rPr lang="fr-FR" dirty="0" smtClean="0"/>
-              <a:t> of classes (public and </a:t>
-            </a:r>
-            <a:r>
-              <a:rPr lang="fr-FR" dirty="0" err="1" smtClean="0"/>
-              <a:t>private</a:t>
-            </a:r>
-            <a:r>
-              <a:rPr lang="fr-FR" dirty="0" smtClean="0"/>
-              <a:t>)</a:t>
             </a:r>
             <a:endParaRPr lang="fr-FR" dirty="0"/>
           </a:p>
@@ -6038,8 +6203,8 @@
         </p:nvCxnSpPr>
         <p:spPr>
           <a:xfrm flipV="1">
-            <a:off x="1881378" y="3043039"/>
-            <a:ext cx="500634" cy="3485"/>
+            <a:off x="1881378" y="3036964"/>
+            <a:ext cx="445962" cy="9560"/>
           </a:xfrm>
           <a:prstGeom prst="straightConnector1">
             <a:avLst/>
@@ -6071,7 +6236,7 @@
         </p:nvSpPr>
         <p:spPr>
           <a:xfrm>
-            <a:off x="7543038" y="1778968"/>
+            <a:off x="4690111" y="3298914"/>
             <a:ext cx="1994916" cy="1194816"/>
           </a:xfrm>
           <a:prstGeom prst="rect">
@@ -6101,27 +6266,31 @@
             <a:pPr algn="ctr"/>
             <a:r>
               <a:rPr lang="fr-FR" altLang="zh-CN" dirty="0" smtClean="0"/>
-              <a:t>For public classes, show </a:t>
+              <a:t>For </a:t>
+            </a:r>
+            <a:r>
+              <a:rPr lang="fr-FR" altLang="zh-CN" dirty="0" smtClean="0"/>
+              <a:t>classes </a:t>
             </a:r>
             <a:r>
               <a:rPr lang="fr-FR" altLang="zh-CN" dirty="0" err="1" smtClean="0"/>
-              <a:t>teacher</a:t>
+              <a:t>joined</a:t>
             </a:r>
             <a:r>
               <a:rPr lang="fr-FR" altLang="zh-CN" dirty="0" smtClean="0"/>
-              <a:t> and </a:t>
+              <a:t>, show </a:t>
             </a:r>
             <a:r>
               <a:rPr lang="fr-FR" altLang="zh-CN" dirty="0" err="1" smtClean="0"/>
-              <a:t>list</a:t>
+              <a:t>joined</a:t>
             </a:r>
             <a:r>
               <a:rPr lang="fr-FR" altLang="zh-CN" dirty="0" smtClean="0"/>
-              <a:t> of </a:t>
+              <a:t> </a:t>
             </a:r>
             <a:r>
               <a:rPr lang="fr-FR" altLang="zh-CN" dirty="0" err="1" smtClean="0"/>
-              <a:t>students</a:t>
+              <a:t>status</a:t>
             </a:r>
             <a:endParaRPr lang="fr-FR" dirty="0"/>
           </a:p>
@@ -6131,15 +6300,15 @@
         <p:nvCxnSpPr>
           <p:cNvPr id="8" name="Straight Arrow Connector 7"/>
           <p:cNvCxnSpPr>
-            <a:stCxn id="5" idx="3"/>
+            <a:stCxn id="28" idx="3"/>
             <a:endCxn id="6" idx="1"/>
           </p:cNvCxnSpPr>
           <p:nvPr/>
         </p:nvCxnSpPr>
         <p:spPr>
-          <a:xfrm flipV="1">
-            <a:off x="6472428" y="2376376"/>
-            <a:ext cx="1070610" cy="666662"/>
+          <a:xfrm>
+            <a:off x="3894393" y="3036964"/>
+            <a:ext cx="795718" cy="859358"/>
           </a:xfrm>
           <a:prstGeom prst="straightConnector1">
             <a:avLst/>
@@ -6171,7 +6340,7 @@
         </p:nvSpPr>
         <p:spPr>
           <a:xfrm>
-            <a:off x="7522464" y="3396933"/>
+            <a:off x="4879278" y="1504897"/>
             <a:ext cx="1994916" cy="1194816"/>
           </a:xfrm>
           <a:prstGeom prst="rect">
@@ -6204,16 +6373,32 @@
               <a:t>For </a:t>
             </a:r>
             <a:r>
+              <a:rPr lang="fr-FR" altLang="zh-CN" dirty="0" smtClean="0"/>
+              <a:t>classes NOT </a:t>
+            </a:r>
+            <a:r>
               <a:rPr lang="fr-FR" altLang="zh-CN" dirty="0" err="1" smtClean="0"/>
-              <a:t>privtae</a:t>
+              <a:t>joined</a:t>
             </a:r>
             <a:r>
               <a:rPr lang="fr-FR" altLang="zh-CN" dirty="0" smtClean="0"/>
-              <a:t> classes, show </a:t>
+              <a:t>, </a:t>
             </a:r>
             <a:r>
               <a:rPr lang="fr-FR" altLang="zh-CN" dirty="0" err="1" smtClean="0"/>
-              <a:t>teacher</a:t>
+              <a:t>ask</a:t>
+            </a:r>
+            <a:r>
+              <a:rPr lang="fr-FR" altLang="zh-CN" dirty="0" smtClean="0"/>
+              <a:t> for </a:t>
+            </a:r>
+            <a:r>
+              <a:rPr lang="fr-FR" altLang="zh-CN" dirty="0" err="1" smtClean="0"/>
+              <a:t>access</a:t>
+            </a:r>
+            <a:r>
+              <a:rPr lang="fr-FR" altLang="zh-CN" dirty="0" smtClean="0"/>
+              <a:t> code</a:t>
             </a:r>
             <a:endParaRPr lang="fr-FR" dirty="0"/>
           </a:p>
@@ -6223,15 +6408,15 @@
         <p:nvCxnSpPr>
           <p:cNvPr id="14" name="Straight Arrow Connector 13"/>
           <p:cNvCxnSpPr>
-            <a:stCxn id="5" idx="3"/>
+            <a:stCxn id="28" idx="3"/>
             <a:endCxn id="12" idx="1"/>
           </p:cNvCxnSpPr>
           <p:nvPr/>
         </p:nvCxnSpPr>
         <p:spPr>
-          <a:xfrm>
-            <a:off x="6472428" y="3043038"/>
-            <a:ext cx="1050036" cy="951303"/>
+          <a:xfrm flipV="1">
+            <a:off x="3894393" y="2102305"/>
+            <a:ext cx="984885" cy="934659"/>
           </a:xfrm>
           <a:prstGeom prst="straightConnector1">
             <a:avLst/>
@@ -6263,8 +6448,8 @@
         </p:nvSpPr>
         <p:spPr>
           <a:xfrm>
-            <a:off x="2382012" y="2696511"/>
-            <a:ext cx="1594866" cy="693055"/>
+            <a:off x="2327340" y="2595325"/>
+            <a:ext cx="1567053" cy="883277"/>
           </a:xfrm>
           <a:prstGeom prst="rect">
             <a:avLst/>
@@ -6297,70 +6482,42 @@
             </a:r>
             <a:r>
               <a:rPr lang="fr-FR" dirty="0" err="1" smtClean="0"/>
-              <a:t>my</a:t>
+              <a:t>list</a:t>
+            </a:r>
+            <a:r>
+              <a:rPr lang="fr-FR" dirty="0" smtClean="0"/>
+              <a:t> o</a:t>
+            </a:r>
+            <a:r>
+              <a:rPr lang="fr-FR" dirty="0" smtClean="0"/>
+              <a:t>f </a:t>
+            </a:r>
+            <a:r>
+              <a:rPr lang="fr-FR" dirty="0" err="1" smtClean="0"/>
+              <a:t>available</a:t>
             </a:r>
             <a:r>
               <a:rPr lang="fr-FR" dirty="0" smtClean="0"/>
               <a:t> </a:t>
             </a:r>
             <a:r>
-              <a:rPr lang="fr-FR" dirty="0" err="1" smtClean="0"/>
-              <a:t>joined</a:t>
-            </a:r>
-            <a:r>
-              <a:rPr lang="fr-FR" dirty="0" smtClean="0"/>
-              <a:t> classes</a:t>
+              <a:rPr lang="fr-FR" dirty="0" smtClean="0"/>
+              <a:t>classes</a:t>
             </a:r>
             <a:endParaRPr lang="fr-FR" dirty="0"/>
           </a:p>
         </p:txBody>
       </p:sp>
-      <p:cxnSp>
-        <p:nvCxnSpPr>
-          <p:cNvPr id="33" name="Straight Arrow Connector 32"/>
-          <p:cNvCxnSpPr>
-            <a:stCxn id="28" idx="3"/>
-            <a:endCxn id="5" idx="1"/>
-          </p:cNvCxnSpPr>
-          <p:nvPr/>
-        </p:nvCxnSpPr>
-        <p:spPr>
-          <a:xfrm flipV="1">
-            <a:off x="3976878" y="3043038"/>
-            <a:ext cx="500634" cy="1"/>
-          </a:xfrm>
-          <a:prstGeom prst="straightConnector1">
-            <a:avLst/>
-          </a:prstGeom>
-          <a:ln>
-            <a:tailEnd type="triangle"/>
-          </a:ln>
-        </p:spPr>
-        <p:style>
-          <a:lnRef idx="1">
-            <a:schemeClr val="accent1"/>
-          </a:lnRef>
-          <a:fillRef idx="0">
-            <a:schemeClr val="accent1"/>
-          </a:fillRef>
-          <a:effectRef idx="0">
-            <a:schemeClr val="accent1"/>
-          </a:effectRef>
-          <a:fontRef idx="minor">
-            <a:schemeClr val="tx1"/>
-          </a:fontRef>
-        </p:style>
-      </p:cxnSp>
-      <p:sp>
-        <p:nvSpPr>
-          <p:cNvPr id="53" name="Rectangle 52"/>
+      <p:sp>
+        <p:nvSpPr>
+          <p:cNvPr id="64" name="Rectangle 63"/>
           <p:cNvSpPr/>
           <p:nvPr/>
         </p:nvSpPr>
         <p:spPr>
           <a:xfrm>
-            <a:off x="10338816" y="2077672"/>
-            <a:ext cx="1621536" cy="597408"/>
+            <a:off x="9674545" y="2367816"/>
+            <a:ext cx="1816608" cy="1020557"/>
           </a:xfrm>
           <a:prstGeom prst="rect">
             <a:avLst/>
@@ -6388,160 +6545,24 @@
           <a:p>
             <a:pPr algn="ctr"/>
             <a:r>
-              <a:rPr lang="fr-FR" dirty="0" smtClean="0"/>
-              <a:t>Auto-</a:t>
+              <a:rPr lang="fr-FR" dirty="0" err="1" smtClean="0"/>
+              <a:t>Send</a:t>
+            </a:r>
+            <a:r>
+              <a:rPr lang="fr-FR" dirty="0" smtClean="0"/>
+              <a:t> </a:t>
+            </a:r>
+            <a:r>
+              <a:rPr lang="fr-FR" dirty="0" err="1" smtClean="0"/>
+              <a:t>request</a:t>
+            </a:r>
+            <a:r>
+              <a:rPr lang="fr-FR" dirty="0" smtClean="0"/>
+              <a:t> to </a:t>
             </a:r>
             <a:r>
               <a:rPr lang="fr-FR" dirty="0" err="1" smtClean="0"/>
               <a:t>join</a:t>
-            </a:r>
-            <a:endParaRPr lang="fr-FR" dirty="0"/>
-          </a:p>
-        </p:txBody>
-      </p:sp>
-      <p:cxnSp>
-        <p:nvCxnSpPr>
-          <p:cNvPr id="55" name="Straight Arrow Connector 54"/>
-          <p:cNvCxnSpPr>
-            <a:stCxn id="6" idx="3"/>
-            <a:endCxn id="53" idx="1"/>
-          </p:cNvCxnSpPr>
-          <p:nvPr/>
-        </p:nvCxnSpPr>
-        <p:spPr>
-          <a:xfrm>
-            <a:off x="9537954" y="2376376"/>
-            <a:ext cx="800862" cy="0"/>
-          </a:xfrm>
-          <a:prstGeom prst="straightConnector1">
-            <a:avLst/>
-          </a:prstGeom>
-          <a:ln>
-            <a:tailEnd type="triangle"/>
-          </a:ln>
-        </p:spPr>
-        <p:style>
-          <a:lnRef idx="1">
-            <a:schemeClr val="accent1"/>
-          </a:lnRef>
-          <a:fillRef idx="0">
-            <a:schemeClr val="accent1"/>
-          </a:fillRef>
-          <a:effectRef idx="0">
-            <a:schemeClr val="accent1"/>
-          </a:effectRef>
-          <a:fontRef idx="minor">
-            <a:schemeClr val="tx1"/>
-          </a:fontRef>
-        </p:style>
-      </p:cxnSp>
-      <p:sp>
-        <p:nvSpPr>
-          <p:cNvPr id="64" name="Rectangle 63"/>
-          <p:cNvSpPr/>
-          <p:nvPr/>
-        </p:nvSpPr>
-        <p:spPr>
-          <a:xfrm>
-            <a:off x="10217659" y="3426349"/>
-            <a:ext cx="1816608" cy="1020557"/>
-          </a:xfrm>
-          <a:prstGeom prst="rect">
-            <a:avLst/>
-          </a:prstGeom>
-        </p:spPr>
-        <p:style>
-          <a:lnRef idx="2">
-            <a:schemeClr val="accent1">
-              <a:shade val="50000"/>
-            </a:schemeClr>
-          </a:lnRef>
-          <a:fillRef idx="1">
-            <a:schemeClr val="accent1"/>
-          </a:fillRef>
-          <a:effectRef idx="0">
-            <a:schemeClr val="accent1"/>
-          </a:effectRef>
-          <a:fontRef idx="minor">
-            <a:schemeClr val="lt1"/>
-          </a:fontRef>
-        </p:style>
-        <p:txBody>
-          <a:bodyPr rtlCol="0" anchor="ctr"/>
-          <a:lstStyle/>
-          <a:p>
-            <a:pPr algn="ctr"/>
-            <a:r>
-              <a:rPr lang="fr-FR" dirty="0" err="1" smtClean="0"/>
-              <a:t>Send</a:t>
-            </a:r>
-            <a:r>
-              <a:rPr lang="fr-FR" dirty="0" smtClean="0"/>
-              <a:t> </a:t>
-            </a:r>
-            <a:r>
-              <a:rPr lang="fr-FR" dirty="0" err="1" smtClean="0"/>
-              <a:t>join</a:t>
-            </a:r>
-            <a:r>
-              <a:rPr lang="fr-FR" dirty="0" smtClean="0"/>
-              <a:t> </a:t>
-            </a:r>
-            <a:r>
-              <a:rPr lang="fr-FR" dirty="0" err="1" smtClean="0"/>
-              <a:t>request</a:t>
-            </a:r>
-            <a:r>
-              <a:rPr lang="fr-FR" dirty="0" smtClean="0"/>
-              <a:t> to </a:t>
-            </a:r>
-            <a:r>
-              <a:rPr lang="fr-FR" dirty="0" err="1" smtClean="0"/>
-              <a:t>teacher</a:t>
-            </a:r>
-            <a:r>
-              <a:rPr lang="fr-FR" dirty="0" smtClean="0"/>
-              <a:t> </a:t>
-            </a:r>
-            <a:r>
-              <a:rPr lang="fr-FR" dirty="0" smtClean="0">
-                <a:solidFill>
-                  <a:srgbClr val="FF0000"/>
-                </a:solidFill>
-              </a:rPr>
-              <a:t>(no </a:t>
-            </a:r>
-            <a:r>
-              <a:rPr lang="fr-FR" dirty="0" err="1" smtClean="0">
-                <a:solidFill>
-                  <a:srgbClr val="FF0000"/>
-                </a:solidFill>
-              </a:rPr>
-              <a:t>access</a:t>
-            </a:r>
-            <a:r>
-              <a:rPr lang="fr-FR" dirty="0" smtClean="0">
-                <a:solidFill>
-                  <a:srgbClr val="FF0000"/>
-                </a:solidFill>
-              </a:rPr>
-              <a:t> code </a:t>
-            </a:r>
-            <a:r>
-              <a:rPr lang="fr-FR" dirty="0" err="1" smtClean="0">
-                <a:solidFill>
-                  <a:srgbClr val="FF0000"/>
-                </a:solidFill>
-              </a:rPr>
-              <a:t>needed</a:t>
-            </a:r>
-            <a:r>
-              <a:rPr lang="fr-FR" dirty="0" smtClean="0">
-                <a:solidFill>
-                  <a:srgbClr val="FF0000"/>
-                </a:solidFill>
-              </a:rPr>
-              <a:t>?)</a:t>
             </a:r>
             <a:endParaRPr lang="fr-FR" dirty="0">
               <a:solidFill>
@@ -6559,7 +6580,7 @@
         </p:nvSpPr>
         <p:spPr>
           <a:xfrm>
-            <a:off x="10189464" y="5313601"/>
+            <a:off x="9674545" y="4055752"/>
             <a:ext cx="1816608" cy="597408"/>
           </a:xfrm>
           <a:prstGeom prst="rect">
@@ -6594,6 +6615,22 @@
             <a:r>
               <a:rPr lang="fr-FR" dirty="0" err="1" smtClean="0"/>
               <a:t>approves</a:t>
+            </a:r>
+            <a:r>
+              <a:rPr lang="fr-FR" dirty="0" smtClean="0"/>
+              <a:t> </a:t>
+            </a:r>
+            <a:r>
+              <a:rPr lang="fr-FR" dirty="0" err="1" smtClean="0"/>
+              <a:t>thru</a:t>
+            </a:r>
+            <a:r>
+              <a:rPr lang="fr-FR" dirty="0" smtClean="0"/>
+              <a:t> admin </a:t>
+            </a:r>
+            <a:r>
+              <a:rPr lang="fr-FR" dirty="0" err="1" smtClean="0"/>
+              <a:t>tool</a:t>
             </a:r>
             <a:r>
               <a:rPr lang="fr-FR" dirty="0" smtClean="0"/>
@@ -6608,14 +6645,14 @@
           <p:cNvPr id="67" name="Straight Arrow Connector 66"/>
           <p:cNvCxnSpPr>
             <a:stCxn id="12" idx="3"/>
-            <a:endCxn id="64" idx="1"/>
+            <a:endCxn id="21" idx="1"/>
           </p:cNvCxnSpPr>
           <p:nvPr/>
         </p:nvCxnSpPr>
         <p:spPr>
           <a:xfrm flipV="1">
-            <a:off x="9517380" y="3936628"/>
-            <a:ext cx="700279" cy="57713"/>
+            <a:off x="6874194" y="2074095"/>
+            <a:ext cx="432054" cy="28210"/>
           </a:xfrm>
           <a:prstGeom prst="straightConnector1">
             <a:avLst/>
@@ -6649,9 +6686,9 @@
           <p:nvPr/>
         </p:nvCxnSpPr>
         <p:spPr>
-          <a:xfrm flipH="1">
-            <a:off x="11097768" y="4446906"/>
-            <a:ext cx="28195" cy="866695"/>
+          <a:xfrm>
+            <a:off x="10582849" y="3388373"/>
+            <a:ext cx="0" cy="667379"/>
           </a:xfrm>
           <a:prstGeom prst="straightConnector1">
             <a:avLst/>
@@ -6675,21 +6712,438 @@
           </a:fontRef>
         </p:style>
       </p:cxnSp>
+      <p:sp>
+        <p:nvSpPr>
+          <p:cNvPr id="21" name="Diamond 20"/>
+          <p:cNvSpPr/>
+          <p:nvPr/>
+        </p:nvSpPr>
+        <p:spPr>
+          <a:xfrm>
+            <a:off x="7306248" y="1490857"/>
+            <a:ext cx="1732027" cy="1166475"/>
+          </a:xfrm>
+          <a:prstGeom prst="diamond">
+            <a:avLst/>
+          </a:prstGeom>
+        </p:spPr>
+        <p:style>
+          <a:lnRef idx="2">
+            <a:schemeClr val="accent1">
+              <a:shade val="50000"/>
+            </a:schemeClr>
+          </a:lnRef>
+          <a:fillRef idx="1">
+            <a:schemeClr val="accent1"/>
+          </a:fillRef>
+          <a:effectRef idx="0">
+            <a:schemeClr val="accent1"/>
+          </a:effectRef>
+          <a:fontRef idx="minor">
+            <a:schemeClr val="lt1"/>
+          </a:fontRef>
+        </p:style>
+        <p:txBody>
+          <a:bodyPr rtlCol="0" anchor="ctr"/>
+          <a:lstStyle/>
+          <a:p>
+            <a:pPr algn="ctr"/>
+            <a:r>
+              <a:rPr lang="fr-FR" dirty="0" err="1" smtClean="0"/>
+              <a:t>With</a:t>
+            </a:r>
+            <a:r>
+              <a:rPr lang="fr-FR" dirty="0" smtClean="0"/>
+              <a:t> </a:t>
+            </a:r>
+            <a:r>
+              <a:rPr lang="fr-FR" dirty="0" err="1" smtClean="0"/>
+              <a:t>access</a:t>
+            </a:r>
+            <a:r>
+              <a:rPr lang="fr-FR" dirty="0" smtClean="0"/>
+              <a:t> cde?</a:t>
+            </a:r>
+            <a:endParaRPr lang="fr-FR" dirty="0"/>
+          </a:p>
+        </p:txBody>
+      </p:sp>
+      <p:sp>
+        <p:nvSpPr>
+          <p:cNvPr id="22" name="Rectangle 21"/>
+          <p:cNvSpPr/>
+          <p:nvPr/>
+        </p:nvSpPr>
+        <p:spPr>
+          <a:xfrm>
+            <a:off x="9644445" y="832710"/>
+            <a:ext cx="1846708" cy="1175478"/>
+          </a:xfrm>
+          <a:prstGeom prst="rect">
+            <a:avLst/>
+          </a:prstGeom>
+        </p:spPr>
+        <p:style>
+          <a:lnRef idx="2">
+            <a:schemeClr val="accent1">
+              <a:shade val="50000"/>
+            </a:schemeClr>
+          </a:lnRef>
+          <a:fillRef idx="1">
+            <a:schemeClr val="accent1"/>
+          </a:fillRef>
+          <a:effectRef idx="0">
+            <a:schemeClr val="accent1"/>
+          </a:effectRef>
+          <a:fontRef idx="minor">
+            <a:schemeClr val="lt1"/>
+          </a:fontRef>
+        </p:style>
+        <p:txBody>
+          <a:bodyPr rtlCol="0" anchor="ctr"/>
+          <a:lstStyle/>
+          <a:p>
+            <a:pPr algn="ctr"/>
+            <a:r>
+              <a:rPr lang="fr-FR" dirty="0" smtClean="0"/>
+              <a:t>Change to </a:t>
+            </a:r>
+            <a:r>
+              <a:rPr lang="fr-FR" dirty="0" err="1" smtClean="0"/>
+              <a:t>Joined</a:t>
+            </a:r>
+            <a:r>
+              <a:rPr lang="fr-FR" dirty="0" smtClean="0"/>
+              <a:t> </a:t>
+            </a:r>
+            <a:r>
+              <a:rPr lang="fr-FR" dirty="0" err="1" smtClean="0"/>
+              <a:t>status</a:t>
+            </a:r>
+            <a:r>
+              <a:rPr lang="fr-FR" dirty="0" smtClean="0"/>
+              <a:t> and </a:t>
+            </a:r>
+            <a:r>
+              <a:rPr lang="fr-FR" dirty="0" err="1" smtClean="0"/>
+              <a:t>download</a:t>
+            </a:r>
+            <a:r>
+              <a:rPr lang="fr-FR" dirty="0" smtClean="0"/>
+              <a:t> </a:t>
+            </a:r>
+            <a:r>
+              <a:rPr lang="fr-FR" dirty="0" err="1" smtClean="0"/>
+              <a:t>list</a:t>
+            </a:r>
+            <a:r>
+              <a:rPr lang="fr-FR" dirty="0" smtClean="0"/>
+              <a:t> of test </a:t>
+            </a:r>
+            <a:r>
+              <a:rPr lang="fr-FR" dirty="0" err="1" smtClean="0"/>
+              <a:t>titles</a:t>
+            </a:r>
+            <a:endParaRPr lang="fr-FR" dirty="0"/>
+          </a:p>
+        </p:txBody>
+      </p:sp>
       <p:cxnSp>
         <p:nvCxnSpPr>
-          <p:cNvPr id="73" name="Elbow Connector 72"/>
+          <p:cNvPr id="36" name="Straight Arrow Connector 35"/>
           <p:cNvCxnSpPr>
-            <a:stCxn id="65" idx="1"/>
-            <a:endCxn id="28" idx="2"/>
+            <a:stCxn id="21" idx="3"/>
+            <a:endCxn id="22" idx="1"/>
           </p:cNvCxnSpPr>
           <p:nvPr/>
         </p:nvCxnSpPr>
         <p:spPr>
-          <a:xfrm rot="10800000">
-            <a:off x="3179446" y="3389567"/>
-            <a:ext cx="7010019" cy="2222739"/>
-          </a:xfrm>
-          <a:prstGeom prst="bentConnector2">
+          <a:xfrm flipV="1">
+            <a:off x="9038275" y="1420449"/>
+            <a:ext cx="606170" cy="653646"/>
+          </a:xfrm>
+          <a:prstGeom prst="straightConnector1">
+            <a:avLst/>
+          </a:prstGeom>
+          <a:ln>
+            <a:tailEnd type="triangle"/>
+          </a:ln>
+        </p:spPr>
+        <p:style>
+          <a:lnRef idx="1">
+            <a:schemeClr val="accent1"/>
+          </a:lnRef>
+          <a:fillRef idx="0">
+            <a:schemeClr val="accent1"/>
+          </a:fillRef>
+          <a:effectRef idx="0">
+            <a:schemeClr val="accent1"/>
+          </a:effectRef>
+          <a:fontRef idx="minor">
+            <a:schemeClr val="tx1"/>
+          </a:fontRef>
+        </p:style>
+      </p:cxnSp>
+      <p:cxnSp>
+        <p:nvCxnSpPr>
+          <p:cNvPr id="38" name="Straight Arrow Connector 37"/>
+          <p:cNvCxnSpPr>
+            <a:stCxn id="21" idx="3"/>
+            <a:endCxn id="64" idx="1"/>
+          </p:cNvCxnSpPr>
+          <p:nvPr/>
+        </p:nvCxnSpPr>
+        <p:spPr>
+          <a:xfrm>
+            <a:off x="9038275" y="2074095"/>
+            <a:ext cx="636270" cy="804000"/>
+          </a:xfrm>
+          <a:prstGeom prst="straightConnector1">
+            <a:avLst/>
+          </a:prstGeom>
+          <a:ln>
+            <a:tailEnd type="triangle"/>
+          </a:ln>
+        </p:spPr>
+        <p:style>
+          <a:lnRef idx="1">
+            <a:schemeClr val="accent1"/>
+          </a:lnRef>
+          <a:fillRef idx="0">
+            <a:schemeClr val="accent1"/>
+          </a:fillRef>
+          <a:effectRef idx="0">
+            <a:schemeClr val="accent1"/>
+          </a:effectRef>
+          <a:fontRef idx="minor">
+            <a:schemeClr val="tx1"/>
+          </a:fontRef>
+        </p:style>
+      </p:cxnSp>
+      <p:cxnSp>
+        <p:nvCxnSpPr>
+          <p:cNvPr id="80" name="Elbow Connector 79"/>
+          <p:cNvCxnSpPr>
+            <a:stCxn id="65" idx="3"/>
+            <a:endCxn id="22" idx="3"/>
+          </p:cNvCxnSpPr>
+          <p:nvPr/>
+        </p:nvCxnSpPr>
+        <p:spPr>
+          <a:xfrm flipV="1">
+            <a:off x="11491153" y="1420449"/>
+            <a:ext cx="12700" cy="2934007"/>
+          </a:xfrm>
+          <a:prstGeom prst="bentConnector3">
+            <a:avLst>
+              <a:gd name="adj1" fmla="val 1800000"/>
+            </a:avLst>
+          </a:prstGeom>
+          <a:ln>
+            <a:tailEnd type="triangle"/>
+          </a:ln>
+        </p:spPr>
+        <p:style>
+          <a:lnRef idx="1">
+            <a:schemeClr val="accent1"/>
+          </a:lnRef>
+          <a:fillRef idx="0">
+            <a:schemeClr val="accent1"/>
+          </a:fillRef>
+          <a:effectRef idx="0">
+            <a:schemeClr val="accent1"/>
+          </a:effectRef>
+          <a:fontRef idx="minor">
+            <a:schemeClr val="tx1"/>
+          </a:fontRef>
+        </p:style>
+      </p:cxnSp>
+      <p:cxnSp>
+        <p:nvCxnSpPr>
+          <p:cNvPr id="82" name="Straight Arrow Connector 81"/>
+          <p:cNvCxnSpPr>
+            <a:stCxn id="65" idx="2"/>
+          </p:cNvCxnSpPr>
+          <p:nvPr/>
+        </p:nvCxnSpPr>
+        <p:spPr>
+          <a:xfrm>
+            <a:off x="10582849" y="4653160"/>
+            <a:ext cx="0" cy="796664"/>
+          </a:xfrm>
+          <a:prstGeom prst="straightConnector1">
+            <a:avLst/>
+          </a:prstGeom>
+          <a:ln>
+            <a:tailEnd type="triangle"/>
+          </a:ln>
+        </p:spPr>
+        <p:style>
+          <a:lnRef idx="1">
+            <a:schemeClr val="accent1"/>
+          </a:lnRef>
+          <a:fillRef idx="0">
+            <a:schemeClr val="accent1"/>
+          </a:fillRef>
+          <a:effectRef idx="0">
+            <a:schemeClr val="accent1"/>
+          </a:effectRef>
+          <a:fontRef idx="minor">
+            <a:schemeClr val="tx1"/>
+          </a:fontRef>
+        </p:style>
+      </p:cxnSp>
+      <p:sp>
+        <p:nvSpPr>
+          <p:cNvPr id="83" name="Rectangle 82"/>
+          <p:cNvSpPr/>
+          <p:nvPr/>
+        </p:nvSpPr>
+        <p:spPr>
+          <a:xfrm>
+            <a:off x="9418513" y="5261584"/>
+            <a:ext cx="2328672" cy="1147707"/>
+          </a:xfrm>
+          <a:prstGeom prst="rect">
+            <a:avLst/>
+          </a:prstGeom>
+        </p:spPr>
+        <p:style>
+          <a:lnRef idx="2">
+            <a:schemeClr val="accent1">
+              <a:shade val="50000"/>
+            </a:schemeClr>
+          </a:lnRef>
+          <a:fillRef idx="1">
+            <a:schemeClr val="accent1"/>
+          </a:fillRef>
+          <a:effectRef idx="0">
+            <a:schemeClr val="accent1"/>
+          </a:effectRef>
+          <a:fontRef idx="minor">
+            <a:schemeClr val="lt1"/>
+          </a:fontRef>
+        </p:style>
+        <p:txBody>
+          <a:bodyPr rtlCol="0" anchor="ctr"/>
+          <a:lstStyle/>
+          <a:p>
+            <a:pPr algn="ctr"/>
+            <a:r>
+              <a:rPr lang="fr-FR" dirty="0" smtClean="0"/>
+              <a:t>Admin </a:t>
+            </a:r>
+            <a:r>
+              <a:rPr lang="fr-FR" dirty="0" err="1" smtClean="0"/>
+              <a:t>tool</a:t>
+            </a:r>
+            <a:r>
+              <a:rPr lang="fr-FR" dirty="0" smtClean="0"/>
+              <a:t> </a:t>
+            </a:r>
+            <a:r>
+              <a:rPr lang="fr-FR" dirty="0" err="1" smtClean="0"/>
+              <a:t>sends</a:t>
+            </a:r>
+            <a:r>
+              <a:rPr lang="fr-FR" dirty="0" smtClean="0"/>
+              <a:t> a </a:t>
+            </a:r>
+            <a:r>
+              <a:rPr lang="fr-FR" dirty="0" err="1" smtClean="0"/>
+              <a:t>private</a:t>
+            </a:r>
+            <a:r>
+              <a:rPr lang="fr-FR" dirty="0" smtClean="0"/>
+              <a:t> message to the </a:t>
+            </a:r>
+            <a:r>
+              <a:rPr lang="fr-FR" dirty="0" err="1" smtClean="0"/>
+              <a:t>student</a:t>
+            </a:r>
+            <a:endParaRPr lang="fr-FR" dirty="0"/>
+          </a:p>
+        </p:txBody>
+      </p:sp>
+      <p:sp>
+        <p:nvSpPr>
+          <p:cNvPr id="84" name="Rectangle 83"/>
+          <p:cNvSpPr/>
+          <p:nvPr/>
+        </p:nvSpPr>
+        <p:spPr>
+          <a:xfrm>
+            <a:off x="7306248" y="3447328"/>
+            <a:ext cx="1881377" cy="1046402"/>
+          </a:xfrm>
+          <a:prstGeom prst="rect">
+            <a:avLst/>
+          </a:prstGeom>
+        </p:spPr>
+        <p:style>
+          <a:lnRef idx="2">
+            <a:schemeClr val="accent1">
+              <a:shade val="50000"/>
+            </a:schemeClr>
+          </a:lnRef>
+          <a:fillRef idx="1">
+            <a:schemeClr val="accent1"/>
+          </a:fillRef>
+          <a:effectRef idx="0">
+            <a:schemeClr val="accent1"/>
+          </a:effectRef>
+          <a:fontRef idx="minor">
+            <a:schemeClr val="lt1"/>
+          </a:fontRef>
+        </p:style>
+        <p:txBody>
+          <a:bodyPr rtlCol="0" anchor="ctr"/>
+          <a:lstStyle/>
+          <a:p>
+            <a:pPr algn="ctr"/>
+            <a:r>
+              <a:rPr lang="fr-FR" dirty="0" smtClean="0"/>
+              <a:t>Class </a:t>
+            </a:r>
+            <a:r>
+              <a:rPr lang="fr-FR" dirty="0" err="1" smtClean="0"/>
+              <a:t>status</a:t>
+            </a:r>
+            <a:r>
+              <a:rPr lang="fr-FR" dirty="0" smtClean="0"/>
+              <a:t> changes to </a:t>
+            </a:r>
+            <a:r>
+              <a:rPr lang="fr-FR" dirty="0" err="1" smtClean="0"/>
+              <a:t>Pending</a:t>
+            </a:r>
+            <a:r>
+              <a:rPr lang="fr-FR" dirty="0" smtClean="0"/>
+              <a:t> </a:t>
+            </a:r>
+            <a:r>
+              <a:rPr lang="fr-FR" dirty="0" err="1" smtClean="0"/>
+              <a:t>approval</a:t>
+            </a:r>
+            <a:endParaRPr lang="fr-FR" dirty="0"/>
+          </a:p>
+        </p:txBody>
+      </p:sp>
+      <p:cxnSp>
+        <p:nvCxnSpPr>
+          <p:cNvPr id="86" name="Straight Arrow Connector 85"/>
+          <p:cNvCxnSpPr>
+            <a:stCxn id="64" idx="1"/>
+            <a:endCxn id="84" idx="0"/>
+          </p:cNvCxnSpPr>
+          <p:nvPr/>
+        </p:nvCxnSpPr>
+        <p:spPr>
+          <a:xfrm flipH="1">
+            <a:off x="8246937" y="2878095"/>
+            <a:ext cx="1427608" cy="569233"/>
+          </a:xfrm>
+          <a:prstGeom prst="straightConnector1">
             <a:avLst/>
           </a:prstGeom>
           <a:ln>
@@ -6765,7 +7219,15 @@
           <a:p>
             <a:r>
               <a:rPr lang="fr-FR" dirty="0" smtClean="0"/>
-              <a:t>FAQ flow – Pri2</a:t>
+              <a:t>Q&amp;A </a:t>
+            </a:r>
+            <a:r>
+              <a:rPr lang="fr-FR" dirty="0" smtClean="0"/>
+              <a:t>flow </a:t>
+            </a:r>
+            <a:r>
+              <a:rPr lang="fr-FR" dirty="0" smtClean="0"/>
+              <a:t>– Pri2</a:t>
             </a:r>
             <a:endParaRPr lang="fr-FR" dirty="0"/>
           </a:p>
@@ -6809,7 +7271,11 @@
             <a:pPr algn="ctr"/>
             <a:r>
               <a:rPr lang="fr-FR" dirty="0" smtClean="0"/>
-              <a:t>Select FAQ tab</a:t>
+              <a:t>Select </a:t>
+            </a:r>
+            <a:r>
+              <a:rPr lang="fr-FR" dirty="0" smtClean="0"/>
+              <a:t>Q &amp;A tab</a:t>
             </a:r>
             <a:endParaRPr lang="fr-FR" dirty="0"/>
           </a:p>
@@ -6900,12 +7366,20 @@
           <a:p>
             <a:pPr algn="ctr"/>
             <a:r>
-              <a:rPr lang="fr-FR" dirty="0" smtClean="0"/>
-              <a:t>Compose question and </a:t>
+              <a:rPr lang="fr-FR" dirty="0" err="1" smtClean="0"/>
+              <a:t>Choose</a:t>
+            </a:r>
+            <a:r>
+              <a:rPr lang="fr-FR" dirty="0" smtClean="0"/>
+              <a:t> to </a:t>
             </a:r>
             <a:r>
               <a:rPr lang="fr-FR" dirty="0" err="1" smtClean="0"/>
               <a:t>submit</a:t>
+            </a:r>
+            <a:r>
+              <a:rPr lang="fr-FR" dirty="0" smtClean="0"/>
+              <a:t> a question</a:t>
             </a:r>
             <a:endParaRPr lang="fr-FR" dirty="0"/>
           </a:p>
@@ -7185,6 +7659,14 @@
               <a:rPr lang="fr-FR" dirty="0" err="1" smtClean="0"/>
               <a:t>Inbox</a:t>
             </a:r>
+            <a:r>
+              <a:rPr lang="fr-FR" dirty="0" smtClean="0"/>
+              <a:t> - </a:t>
+            </a:r>
+            <a:r>
+              <a:rPr lang="fr-FR" dirty="0" err="1" smtClean="0"/>
+              <a:t>Private</a:t>
+            </a:r>
             <a:endParaRPr lang="fr-FR" dirty="0"/>
           </a:p>
         </p:txBody>
@@ -7233,8 +7715,8 @@
         </p:nvSpPr>
         <p:spPr>
           <a:xfrm>
-            <a:off x="2423922" y="3476121"/>
-            <a:ext cx="2203670" cy="850082"/>
+            <a:off x="2267712" y="3411954"/>
+            <a:ext cx="2359880" cy="1034919"/>
           </a:xfrm>
           <a:prstGeom prst="rect">
             <a:avLst/>
@@ -7266,15 +7748,31 @@
             <a:pPr algn="ctr"/>
             <a:r>
               <a:rPr lang="fr-FR" dirty="0" smtClean="0"/>
-              <a:t>Teacher notices to </a:t>
-            </a:r>
-            <a:r>
-              <a:rPr lang="fr-FR" dirty="0" err="1" smtClean="0"/>
-              <a:t>recieve</a:t>
-            </a:r>
-            <a:r>
-              <a:rPr lang="fr-FR" dirty="0" smtClean="0"/>
-              <a:t> a question at </a:t>
+              <a:t>Teacher notices </a:t>
+            </a:r>
+            <a:r>
+              <a:rPr lang="fr-FR" dirty="0" smtClean="0"/>
+              <a:t>a </a:t>
+            </a:r>
+            <a:r>
+              <a:rPr lang="fr-FR" dirty="0" smtClean="0"/>
+              <a:t>question </a:t>
+            </a:r>
+            <a:r>
+              <a:rPr lang="fr-FR" dirty="0" err="1" smtClean="0"/>
+              <a:t>from</a:t>
+            </a:r>
+            <a:r>
+              <a:rPr lang="fr-FR" dirty="0" smtClean="0"/>
+              <a:t> </a:t>
+            </a:r>
+            <a:r>
+              <a:rPr lang="fr-FR" dirty="0" err="1" smtClean="0"/>
+              <a:t>student</a:t>
+            </a:r>
+            <a:r>
+              <a:rPr lang="fr-FR" dirty="0" smtClean="0"/>
+              <a:t> at </a:t>
             </a:r>
             <a:r>
               <a:rPr lang="fr-FR" dirty="0" err="1" smtClean="0"/>
@@ -7282,7 +7780,19 @@
             </a:r>
             <a:r>
               <a:rPr lang="fr-FR" dirty="0" smtClean="0"/>
-              <a:t> at admin </a:t>
+              <a:t> </a:t>
+            </a:r>
+            <a:r>
+              <a:rPr lang="fr-FR" dirty="0" err="1" smtClean="0"/>
+              <a:t>from</a:t>
+            </a:r>
+            <a:r>
+              <a:rPr lang="fr-FR" dirty="0" smtClean="0"/>
+              <a:t> </a:t>
+            </a:r>
+            <a:r>
+              <a:rPr lang="fr-FR" dirty="0" smtClean="0"/>
+              <a:t>admin </a:t>
             </a:r>
             <a:r>
               <a:rPr lang="fr-FR" dirty="0" err="1" smtClean="0"/>
@@ -7300,7 +7810,7 @@
         </p:nvSpPr>
         <p:spPr>
           <a:xfrm>
-            <a:off x="6096000" y="3472245"/>
+            <a:off x="6096000" y="3504372"/>
             <a:ext cx="2203670" cy="850082"/>
           </a:xfrm>
           <a:prstGeom prst="rect">
@@ -7336,24 +7846,8 @@
               <a:t>Teacher </a:t>
             </a:r>
             <a:r>
-              <a:rPr lang="fr-FR" dirty="0" err="1" smtClean="0"/>
-              <a:t>answers</a:t>
-            </a:r>
-            <a:r>
-              <a:rPr lang="fr-FR" dirty="0" smtClean="0"/>
-              <a:t> the question and </a:t>
-            </a:r>
-            <a:r>
-              <a:rPr lang="fr-FR" dirty="0" err="1" smtClean="0"/>
-              <a:t>sends</a:t>
-            </a:r>
-            <a:r>
-              <a:rPr lang="fr-FR" dirty="0" smtClean="0"/>
-              <a:t> to </a:t>
-            </a:r>
-            <a:r>
-              <a:rPr lang="fr-FR" dirty="0" err="1" smtClean="0"/>
-              <a:t>Inbox</a:t>
+              <a:rPr lang="fr-FR" dirty="0" smtClean="0"/>
+              <a:t>replies back the question</a:t>
             </a:r>
             <a:endParaRPr lang="fr-FR" dirty="0"/>
           </a:p>
@@ -7370,8 +7864,8 @@
         </p:nvCxnSpPr>
         <p:spPr>
           <a:xfrm flipV="1">
-            <a:off x="4627592" y="3897286"/>
-            <a:ext cx="1468408" cy="3876"/>
+            <a:off x="4627592" y="3929413"/>
+            <a:ext cx="1468408" cy="1"/>
           </a:xfrm>
           <a:prstGeom prst="straightConnector1">
             <a:avLst/>
@@ -7405,9 +7899,9 @@
           <p:nvPr/>
         </p:nvCxnSpPr>
         <p:spPr>
-          <a:xfrm>
+          <a:xfrm flipV="1">
             <a:off x="8299670" y="3897286"/>
-            <a:ext cx="1583504" cy="0"/>
+            <a:ext cx="1583504" cy="32127"/>
           </a:xfrm>
           <a:prstGeom prst="straightConnector1">
             <a:avLst/>
@@ -7446,7 +7940,7 @@
             <a:avLst/>
           </a:prstGeom>
           <a:solidFill>
-            <a:schemeClr val="accent6"/>
+            <a:srgbClr val="FF0000"/>
           </a:solidFill>
         </p:spPr>
         <p:style>
@@ -7577,8 +8071,8 @@
         </p:nvCxnSpPr>
         <p:spPr>
           <a:xfrm>
-            <a:off x="7197835" y="4322327"/>
-            <a:ext cx="13682" cy="421164"/>
+            <a:off x="7197835" y="4354454"/>
+            <a:ext cx="13682" cy="389037"/>
           </a:xfrm>
           <a:prstGeom prst="straightConnector1">
             <a:avLst/>

--- a/Students flow.pptx
+++ b/Students flow.pptx
@@ -249,7 +249,7 @@
           <a:p>
             <a:fld id="{244407FF-88D8-4799-B8FC-E0203F3B8DD7}" type="datetimeFigureOut">
               <a:rPr lang="fr-FR" smtClean="0"/>
-              <a:t>03/10/2014</a:t>
+              <a:t>04/10/2014</a:t>
             </a:fld>
             <a:endParaRPr lang="fr-FR"/>
           </a:p>
@@ -419,7 +419,7 @@
           <a:p>
             <a:fld id="{244407FF-88D8-4799-B8FC-E0203F3B8DD7}" type="datetimeFigureOut">
               <a:rPr lang="fr-FR" smtClean="0"/>
-              <a:t>03/10/2014</a:t>
+              <a:t>04/10/2014</a:t>
             </a:fld>
             <a:endParaRPr lang="fr-FR"/>
           </a:p>
@@ -599,7 +599,7 @@
           <a:p>
             <a:fld id="{244407FF-88D8-4799-B8FC-E0203F3B8DD7}" type="datetimeFigureOut">
               <a:rPr lang="fr-FR" smtClean="0"/>
-              <a:t>03/10/2014</a:t>
+              <a:t>04/10/2014</a:t>
             </a:fld>
             <a:endParaRPr lang="fr-FR"/>
           </a:p>
@@ -769,7 +769,7 @@
           <a:p>
             <a:fld id="{244407FF-88D8-4799-B8FC-E0203F3B8DD7}" type="datetimeFigureOut">
               <a:rPr lang="fr-FR" smtClean="0"/>
-              <a:t>03/10/2014</a:t>
+              <a:t>04/10/2014</a:t>
             </a:fld>
             <a:endParaRPr lang="fr-FR"/>
           </a:p>
@@ -1015,7 +1015,7 @@
           <a:p>
             <a:fld id="{244407FF-88D8-4799-B8FC-E0203F3B8DD7}" type="datetimeFigureOut">
               <a:rPr lang="fr-FR" smtClean="0"/>
-              <a:t>03/10/2014</a:t>
+              <a:t>04/10/2014</a:t>
             </a:fld>
             <a:endParaRPr lang="fr-FR"/>
           </a:p>
@@ -1247,7 +1247,7 @@
           <a:p>
             <a:fld id="{244407FF-88D8-4799-B8FC-E0203F3B8DD7}" type="datetimeFigureOut">
               <a:rPr lang="fr-FR" smtClean="0"/>
-              <a:t>03/10/2014</a:t>
+              <a:t>04/10/2014</a:t>
             </a:fld>
             <a:endParaRPr lang="fr-FR"/>
           </a:p>
@@ -1614,7 +1614,7 @@
           <a:p>
             <a:fld id="{244407FF-88D8-4799-B8FC-E0203F3B8DD7}" type="datetimeFigureOut">
               <a:rPr lang="fr-FR" smtClean="0"/>
-              <a:t>03/10/2014</a:t>
+              <a:t>04/10/2014</a:t>
             </a:fld>
             <a:endParaRPr lang="fr-FR"/>
           </a:p>
@@ -1732,7 +1732,7 @@
           <a:p>
             <a:fld id="{244407FF-88D8-4799-B8FC-E0203F3B8DD7}" type="datetimeFigureOut">
               <a:rPr lang="fr-FR" smtClean="0"/>
-              <a:t>03/10/2014</a:t>
+              <a:t>04/10/2014</a:t>
             </a:fld>
             <a:endParaRPr lang="fr-FR"/>
           </a:p>
@@ -1827,7 +1827,7 @@
           <a:p>
             <a:fld id="{244407FF-88D8-4799-B8FC-E0203F3B8DD7}" type="datetimeFigureOut">
               <a:rPr lang="fr-FR" smtClean="0"/>
-              <a:t>03/10/2014</a:t>
+              <a:t>04/10/2014</a:t>
             </a:fld>
             <a:endParaRPr lang="fr-FR"/>
           </a:p>
@@ -2104,7 +2104,7 @@
           <a:p>
             <a:fld id="{244407FF-88D8-4799-B8FC-E0203F3B8DD7}" type="datetimeFigureOut">
               <a:rPr lang="fr-FR" smtClean="0"/>
-              <a:t>03/10/2014</a:t>
+              <a:t>04/10/2014</a:t>
             </a:fld>
             <a:endParaRPr lang="fr-FR"/>
           </a:p>
@@ -2357,7 +2357,7 @@
           <a:p>
             <a:fld id="{244407FF-88D8-4799-B8FC-E0203F3B8DD7}" type="datetimeFigureOut">
               <a:rPr lang="fr-FR" smtClean="0"/>
-              <a:t>03/10/2014</a:t>
+              <a:t>04/10/2014</a:t>
             </a:fld>
             <a:endParaRPr lang="fr-FR"/>
           </a:p>
@@ -2570,7 +2570,7 @@
           <a:p>
             <a:fld id="{244407FF-88D8-4799-B8FC-E0203F3B8DD7}" type="datetimeFigureOut">
               <a:rPr lang="fr-FR" smtClean="0"/>
-              <a:t>03/10/2014</a:t>
+              <a:t>04/10/2014</a:t>
             </a:fld>
             <a:endParaRPr lang="fr-FR"/>
           </a:p>
@@ -3194,7 +3194,7 @@
         </p:nvSpPr>
         <p:spPr>
           <a:xfrm>
-            <a:off x="4242514" y="1135148"/>
+            <a:off x="3714665" y="1116705"/>
             <a:ext cx="2520764" cy="1213104"/>
           </a:xfrm>
           <a:prstGeom prst="rect">
@@ -3523,9 +3523,9 @@
           <p:nvPr/>
         </p:nvCxnSpPr>
         <p:spPr>
-          <a:xfrm>
-            <a:off x="2916089" y="1729585"/>
-            <a:ext cx="1326425" cy="12115"/>
+          <a:xfrm flipV="1">
+            <a:off x="2916089" y="1723257"/>
+            <a:ext cx="798576" cy="6328"/>
           </a:xfrm>
           <a:prstGeom prst="straightConnector1">
             <a:avLst/>
@@ -3559,9 +3559,9 @@
           <p:nvPr/>
         </p:nvCxnSpPr>
         <p:spPr>
-          <a:xfrm flipV="1">
-            <a:off x="6763278" y="1729585"/>
-            <a:ext cx="683614" cy="12115"/>
+          <a:xfrm>
+            <a:off x="6235429" y="1723257"/>
+            <a:ext cx="1211463" cy="6328"/>
           </a:xfrm>
           <a:prstGeom prst="straightConnector1">
             <a:avLst/>
@@ -3651,7 +3651,23 @@
             </a:r>
             <a:r>
               <a:rPr lang="fr-FR" dirty="0" smtClean="0"/>
-              <a:t> flow</a:t>
+              <a:t> </a:t>
+            </a:r>
+            <a:r>
+              <a:rPr lang="fr-FR" dirty="0" smtClean="0"/>
+              <a:t>flow </a:t>
+            </a:r>
+            <a:r>
+              <a:rPr lang="fr-FR" altLang="zh-CN" dirty="0" smtClean="0"/>
+              <a:t>– </a:t>
+            </a:r>
+            <a:r>
+              <a:rPr lang="fr-FR" altLang="zh-CN" dirty="0" err="1" smtClean="0"/>
+              <a:t>sign</a:t>
+            </a:r>
+            <a:r>
+              <a:rPr lang="fr-FR" altLang="zh-CN" dirty="0" smtClean="0"/>
+              <a:t> up</a:t>
             </a:r>
             <a:endParaRPr lang="fr-FR" dirty="0"/>
           </a:p>
@@ -3783,11 +3799,7 @@
             <a:pPr algn="ctr"/>
             <a:r>
               <a:rPr lang="fr-FR" dirty="0" smtClean="0"/>
-              <a:t>Access </a:t>
-            </a:r>
-            <a:r>
-              <a:rPr lang="fr-FR" dirty="0" smtClean="0"/>
-              <a:t>code?</a:t>
+              <a:t>Access code?</a:t>
             </a:r>
             <a:endParaRPr lang="fr-FR" dirty="0"/>
           </a:p>
@@ -3867,7 +3879,11 @@
             <a:pPr algn="ctr"/>
             <a:r>
               <a:rPr lang="en-US" dirty="0" smtClean="0"/>
-              <a:t>Show all messages in Inbox and title of tests</a:t>
+              <a:t>Show </a:t>
+            </a:r>
+            <a:r>
+              <a:rPr lang="en-US" dirty="0" smtClean="0"/>
+              <a:t>Test tab</a:t>
             </a:r>
             <a:endParaRPr lang="fr-FR" dirty="0"/>
           </a:p>
@@ -3947,7 +3963,11 @@
             <a:pPr algn="ctr"/>
             <a:r>
               <a:rPr lang="en-US" dirty="0" smtClean="0"/>
-              <a:t>Show list of classes to apply for</a:t>
+              <a:t>Show </a:t>
+            </a:r>
+            <a:r>
+              <a:rPr lang="en-US" dirty="0" smtClean="0"/>
+              <a:t>Class tab</a:t>
             </a:r>
             <a:endParaRPr lang="fr-FR" dirty="0"/>
           </a:p>
@@ -4948,11 +4968,7 @@
             <a:pPr algn="ctr"/>
             <a:r>
               <a:rPr lang="fr-FR" dirty="0" smtClean="0"/>
-              <a:t>Select </a:t>
-            </a:r>
-            <a:r>
-              <a:rPr lang="fr-FR" dirty="0" smtClean="0"/>
-              <a:t>Test tab</a:t>
+              <a:t>Select Test tab</a:t>
             </a:r>
             <a:endParaRPr lang="fr-FR" dirty="0"/>
           </a:p>
@@ -5240,11 +5256,7 @@
             <a:pPr algn="ctr"/>
             <a:r>
               <a:rPr lang="fr-FR" dirty="0" smtClean="0"/>
-              <a:t>Check </a:t>
-            </a:r>
-            <a:r>
-              <a:rPr lang="fr-FR" dirty="0" smtClean="0"/>
-              <a:t>score and </a:t>
+              <a:t>Check score and </a:t>
             </a:r>
             <a:r>
               <a:rPr lang="fr-FR" dirty="0" err="1" smtClean="0"/>
@@ -5623,11 +5635,7 @@
             </a:r>
             <a:r>
               <a:rPr lang="fr-FR" sz="3600" dirty="0" smtClean="0"/>
-              <a:t> </a:t>
-            </a:r>
-            <a:r>
-              <a:rPr lang="fr-FR" sz="3600" dirty="0" smtClean="0"/>
-              <a:t>(no </a:t>
+              <a:t> (no </a:t>
             </a:r>
             <a:r>
               <a:rPr lang="fr-FR" sz="3600" dirty="0" err="1" smtClean="0"/>
@@ -6266,11 +6274,7 @@
             <a:pPr algn="ctr"/>
             <a:r>
               <a:rPr lang="fr-FR" altLang="zh-CN" dirty="0" smtClean="0"/>
-              <a:t>For </a:t>
-            </a:r>
-            <a:r>
-              <a:rPr lang="fr-FR" altLang="zh-CN" dirty="0" smtClean="0"/>
-              <a:t>classes </a:t>
+              <a:t>For classes </a:t>
             </a:r>
             <a:r>
               <a:rPr lang="fr-FR" altLang="zh-CN" dirty="0" err="1" smtClean="0"/>
@@ -6370,11 +6374,7 @@
             <a:pPr algn="ctr"/>
             <a:r>
               <a:rPr lang="fr-FR" altLang="zh-CN" dirty="0" smtClean="0"/>
-              <a:t>For </a:t>
-            </a:r>
-            <a:r>
-              <a:rPr lang="fr-FR" altLang="zh-CN" dirty="0" smtClean="0"/>
-              <a:t>classes NOT </a:t>
+              <a:t>For classes NOT </a:t>
             </a:r>
             <a:r>
               <a:rPr lang="fr-FR" altLang="zh-CN" dirty="0" err="1" smtClean="0"/>
@@ -6486,11 +6486,7 @@
             </a:r>
             <a:r>
               <a:rPr lang="fr-FR" dirty="0" smtClean="0"/>
-              <a:t> o</a:t>
-            </a:r>
-            <a:r>
-              <a:rPr lang="fr-FR" dirty="0" smtClean="0"/>
-              <a:t>f </a:t>
+              <a:t> of </a:t>
             </a:r>
             <a:r>
               <a:rPr lang="fr-FR" dirty="0" err="1" smtClean="0"/>
@@ -6498,11 +6494,7 @@
             </a:r>
             <a:r>
               <a:rPr lang="fr-FR" dirty="0" smtClean="0"/>
-              <a:t> </a:t>
-            </a:r>
-            <a:r>
-              <a:rPr lang="fr-FR" dirty="0" smtClean="0"/>
-              <a:t>classes</a:t>
+              <a:t> classes</a:t>
             </a:r>
             <a:endParaRPr lang="fr-FR" dirty="0"/>
           </a:p>
@@ -7219,15 +7211,7 @@
           <a:p>
             <a:r>
               <a:rPr lang="fr-FR" dirty="0" smtClean="0"/>
-              <a:t>Q&amp;A </a:t>
-            </a:r>
-            <a:r>
-              <a:rPr lang="fr-FR" dirty="0" smtClean="0"/>
-              <a:t>flow </a:t>
-            </a:r>
-            <a:r>
-              <a:rPr lang="fr-FR" dirty="0" smtClean="0"/>
-              <a:t>– Pri2</a:t>
+              <a:t>Q&amp;A flow – Pri2</a:t>
             </a:r>
             <a:endParaRPr lang="fr-FR" dirty="0"/>
           </a:p>
@@ -7271,11 +7255,7 @@
             <a:pPr algn="ctr"/>
             <a:r>
               <a:rPr lang="fr-FR" dirty="0" smtClean="0"/>
-              <a:t>Select </a:t>
-            </a:r>
-            <a:r>
-              <a:rPr lang="fr-FR" dirty="0" smtClean="0"/>
-              <a:t>Q &amp;A tab</a:t>
+              <a:t>Select Q &amp;A tab</a:t>
             </a:r>
             <a:endParaRPr lang="fr-FR" dirty="0"/>
           </a:p>
@@ -7748,15 +7728,7 @@
             <a:pPr algn="ctr"/>
             <a:r>
               <a:rPr lang="fr-FR" dirty="0" smtClean="0"/>
-              <a:t>Teacher notices </a:t>
-            </a:r>
-            <a:r>
-              <a:rPr lang="fr-FR" dirty="0" smtClean="0"/>
-              <a:t>a </a:t>
-            </a:r>
-            <a:r>
-              <a:rPr lang="fr-FR" dirty="0" smtClean="0"/>
-              <a:t>question </a:t>
+              <a:t>Teacher notices a question </a:t>
             </a:r>
             <a:r>
               <a:rPr lang="fr-FR" dirty="0" err="1" smtClean="0"/>
@@ -7788,11 +7760,7 @@
             </a:r>
             <a:r>
               <a:rPr lang="fr-FR" dirty="0" smtClean="0"/>
-              <a:t> </a:t>
-            </a:r>
-            <a:r>
-              <a:rPr lang="fr-FR" dirty="0" smtClean="0"/>
-              <a:t>admin </a:t>
+              <a:t> admin </a:t>
             </a:r>
             <a:r>
               <a:rPr lang="fr-FR" dirty="0" err="1" smtClean="0"/>
@@ -7843,11 +7811,7 @@
             <a:pPr algn="ctr"/>
             <a:r>
               <a:rPr lang="fr-FR" dirty="0" smtClean="0"/>
-              <a:t>Teacher </a:t>
-            </a:r>
-            <a:r>
-              <a:rPr lang="fr-FR" dirty="0" smtClean="0"/>
-              <a:t>replies back the question</a:t>
+              <a:t>Teacher replies back the question</a:t>
             </a:r>
             <a:endParaRPr lang="fr-FR" dirty="0"/>
           </a:p>

--- a/Students flow.pptx
+++ b/Students flow.pptx
@@ -7,11 +7,13 @@
   <p:sldIdLst>
     <p:sldId id="256" r:id="rId2"/>
     <p:sldId id="257" r:id="rId3"/>
-    <p:sldId id="258" r:id="rId4"/>
-    <p:sldId id="259" r:id="rId5"/>
-    <p:sldId id="261" r:id="rId6"/>
-    <p:sldId id="262" r:id="rId7"/>
-    <p:sldId id="263" r:id="rId8"/>
+    <p:sldId id="265" r:id="rId4"/>
+    <p:sldId id="264" r:id="rId5"/>
+    <p:sldId id="258" r:id="rId6"/>
+    <p:sldId id="261" r:id="rId7"/>
+    <p:sldId id="259" r:id="rId8"/>
+    <p:sldId id="262" r:id="rId9"/>
+    <p:sldId id="263" r:id="rId10"/>
   </p:sldIdLst>
   <p:sldSz cx="12192000" cy="6858000"/>
   <p:notesSz cx="6858000" cy="9144000"/>
@@ -118,6 +120,18 @@
 </p:presentation>
 </file>
 
+<file path=ppt/commentAuthors.xml><?xml version="1.0" encoding="utf-8"?>
+<p:cmAuthorLst xmlns:a="http://schemas.openxmlformats.org/drawingml/2006/main" xmlns:r="http://schemas.openxmlformats.org/officeDocument/2006/relationships" xmlns:p="http://schemas.openxmlformats.org/presentationml/2006/main">
+  <p:cmAuthor id="1" name="吴斐" initials="吴斐" lastIdx="2" clrIdx="0">
+    <p:extLst>
+      <p:ext uri="{19B8F6BF-5375-455C-9EA6-DF929625EA0E}">
+        <p15:presenceInfo xmlns:p15="http://schemas.microsoft.com/office/powerpoint/2012/main" userId="1e7981b67800a0b4" providerId="Windows Live"/>
+      </p:ext>
+    </p:extLst>
+  </p:cmAuthor>
+</p:cmAuthorLst>
+</file>
+
 <file path=ppt/slideLayouts/slideLayout1.xml><?xml version="1.0" encoding="utf-8"?>
 <p:sldLayout xmlns:a="http://schemas.openxmlformats.org/drawingml/2006/main" xmlns:r="http://schemas.openxmlformats.org/officeDocument/2006/relationships" xmlns:p="http://schemas.openxmlformats.org/presentationml/2006/main" type="title" preserve="1">
   <p:cSld name="Title Slide">
@@ -249,7 +263,7 @@
           <a:p>
             <a:fld id="{244407FF-88D8-4799-B8FC-E0203F3B8DD7}" type="datetimeFigureOut">
               <a:rPr lang="fr-FR" smtClean="0"/>
-              <a:t>04/10/2014</a:t>
+              <a:t>05/10/2014</a:t>
             </a:fld>
             <a:endParaRPr lang="fr-FR"/>
           </a:p>
@@ -419,7 +433,7 @@
           <a:p>
             <a:fld id="{244407FF-88D8-4799-B8FC-E0203F3B8DD7}" type="datetimeFigureOut">
               <a:rPr lang="fr-FR" smtClean="0"/>
-              <a:t>04/10/2014</a:t>
+              <a:t>05/10/2014</a:t>
             </a:fld>
             <a:endParaRPr lang="fr-FR"/>
           </a:p>
@@ -599,7 +613,7 @@
           <a:p>
             <a:fld id="{244407FF-88D8-4799-B8FC-E0203F3B8DD7}" type="datetimeFigureOut">
               <a:rPr lang="fr-FR" smtClean="0"/>
-              <a:t>04/10/2014</a:t>
+              <a:t>05/10/2014</a:t>
             </a:fld>
             <a:endParaRPr lang="fr-FR"/>
           </a:p>
@@ -769,7 +783,7 @@
           <a:p>
             <a:fld id="{244407FF-88D8-4799-B8FC-E0203F3B8DD7}" type="datetimeFigureOut">
               <a:rPr lang="fr-FR" smtClean="0"/>
-              <a:t>04/10/2014</a:t>
+              <a:t>05/10/2014</a:t>
             </a:fld>
             <a:endParaRPr lang="fr-FR"/>
           </a:p>
@@ -1015,7 +1029,7 @@
           <a:p>
             <a:fld id="{244407FF-88D8-4799-B8FC-E0203F3B8DD7}" type="datetimeFigureOut">
               <a:rPr lang="fr-FR" smtClean="0"/>
-              <a:t>04/10/2014</a:t>
+              <a:t>05/10/2014</a:t>
             </a:fld>
             <a:endParaRPr lang="fr-FR"/>
           </a:p>
@@ -1247,7 +1261,7 @@
           <a:p>
             <a:fld id="{244407FF-88D8-4799-B8FC-E0203F3B8DD7}" type="datetimeFigureOut">
               <a:rPr lang="fr-FR" smtClean="0"/>
-              <a:t>04/10/2014</a:t>
+              <a:t>05/10/2014</a:t>
             </a:fld>
             <a:endParaRPr lang="fr-FR"/>
           </a:p>
@@ -1614,7 +1628,7 @@
           <a:p>
             <a:fld id="{244407FF-88D8-4799-B8FC-E0203F3B8DD7}" type="datetimeFigureOut">
               <a:rPr lang="fr-FR" smtClean="0"/>
-              <a:t>04/10/2014</a:t>
+              <a:t>05/10/2014</a:t>
             </a:fld>
             <a:endParaRPr lang="fr-FR"/>
           </a:p>
@@ -1732,7 +1746,7 @@
           <a:p>
             <a:fld id="{244407FF-88D8-4799-B8FC-E0203F3B8DD7}" type="datetimeFigureOut">
               <a:rPr lang="fr-FR" smtClean="0"/>
-              <a:t>04/10/2014</a:t>
+              <a:t>05/10/2014</a:t>
             </a:fld>
             <a:endParaRPr lang="fr-FR"/>
           </a:p>
@@ -1827,7 +1841,7 @@
           <a:p>
             <a:fld id="{244407FF-88D8-4799-B8FC-E0203F3B8DD7}" type="datetimeFigureOut">
               <a:rPr lang="fr-FR" smtClean="0"/>
-              <a:t>04/10/2014</a:t>
+              <a:t>05/10/2014</a:t>
             </a:fld>
             <a:endParaRPr lang="fr-FR"/>
           </a:p>
@@ -2104,7 +2118,7 @@
           <a:p>
             <a:fld id="{244407FF-88D8-4799-B8FC-E0203F3B8DD7}" type="datetimeFigureOut">
               <a:rPr lang="fr-FR" smtClean="0"/>
-              <a:t>04/10/2014</a:t>
+              <a:t>05/10/2014</a:t>
             </a:fld>
             <a:endParaRPr lang="fr-FR"/>
           </a:p>
@@ -2357,7 +2371,7 @@
           <a:p>
             <a:fld id="{244407FF-88D8-4799-B8FC-E0203F3B8DD7}" type="datetimeFigureOut">
               <a:rPr lang="fr-FR" smtClean="0"/>
-              <a:t>04/10/2014</a:t>
+              <a:t>05/10/2014</a:t>
             </a:fld>
             <a:endParaRPr lang="fr-FR"/>
           </a:p>
@@ -2570,7 +2584,7 @@
           <a:p>
             <a:fld id="{244407FF-88D8-4799-B8FC-E0203F3B8DD7}" type="datetimeFigureOut">
               <a:rPr lang="fr-FR" smtClean="0"/>
-              <a:t>04/10/2014</a:t>
+              <a:t>05/10/2014</a:t>
             </a:fld>
             <a:endParaRPr lang="fr-FR"/>
           </a:p>
@@ -3074,8 +3088,8 @@
         </p:nvSpPr>
         <p:spPr>
           <a:xfrm>
-            <a:off x="7446892" y="1351633"/>
-            <a:ext cx="1597152" cy="755904"/>
+            <a:off x="7523345" y="1581834"/>
+            <a:ext cx="1722189" cy="924913"/>
           </a:xfrm>
           <a:prstGeom prst="rect">
             <a:avLst/>
@@ -3104,7 +3118,7 @@
             <a:pPr algn="ctr"/>
             <a:r>
               <a:rPr lang="fr-FR" dirty="0" smtClean="0"/>
-              <a:t>Install/</a:t>
+              <a:t>Scan QR code to Install/</a:t>
             </a:r>
             <a:r>
               <a:rPr lang="fr-FR" dirty="0" err="1" smtClean="0"/>
@@ -3130,7 +3144,7 @@
         </p:nvSpPr>
         <p:spPr>
           <a:xfrm>
-            <a:off x="9678444" y="2801700"/>
+            <a:off x="9754897" y="3160381"/>
             <a:ext cx="2175576" cy="1063752"/>
           </a:xfrm>
           <a:prstGeom prst="rect">
@@ -3163,24 +3177,12 @@
               <a:t>Input </a:t>
             </a:r>
             <a:r>
-              <a:rPr lang="fr-FR" altLang="zh-CN" dirty="0" err="1" smtClean="0"/>
-              <a:t>username</a:t>
-            </a:r>
-            <a:r>
-              <a:rPr lang="fr-FR" dirty="0" smtClean="0"/>
-              <a:t>/</a:t>
-            </a:r>
-            <a:r>
-              <a:rPr lang="fr-FR" dirty="0" err="1" smtClean="0"/>
-              <a:t>pwd</a:t>
-            </a:r>
-            <a:r>
-              <a:rPr lang="fr-FR" dirty="0" smtClean="0"/>
-              <a:t>/first and last </a:t>
-            </a:r>
-            <a:r>
-              <a:rPr lang="fr-FR" dirty="0" err="1" smtClean="0"/>
-              <a:t>name</a:t>
+              <a:rPr lang="fr-FR" dirty="0" err="1" smtClean="0"/>
+              <a:t>wechat</a:t>
+            </a:r>
+            <a:r>
+              <a:rPr lang="fr-FR" dirty="0" smtClean="0"/>
+              <a:t> Id or Mobile# and Name</a:t>
             </a:r>
             <a:endParaRPr lang="fr-FR" dirty="0"/>
           </a:p>
@@ -3194,7 +3196,7 @@
         </p:nvSpPr>
         <p:spPr>
           <a:xfrm>
-            <a:off x="3714665" y="1116705"/>
+            <a:off x="3791118" y="1438501"/>
             <a:ext cx="2520764" cy="1213104"/>
           </a:xfrm>
           <a:prstGeom prst="rect">
@@ -3240,32 +3242,24 @@
               <a:t> </a:t>
             </a:r>
             <a:r>
-              <a:rPr lang="fr-FR" dirty="0" err="1" smtClean="0"/>
-              <a:t>apk</a:t>
-            </a:r>
-            <a:r>
-              <a:rPr lang="fr-FR" dirty="0" smtClean="0"/>
-              <a:t>, default </a:t>
-            </a:r>
-            <a:r>
-              <a:rPr lang="fr-FR" dirty="0" err="1" smtClean="0"/>
-              <a:t>password</a:t>
-            </a:r>
-            <a:r>
-              <a:rPr lang="fr-FR" dirty="0" smtClean="0"/>
-              <a:t> and </a:t>
-            </a:r>
-            <a:r>
-              <a:rPr lang="fr-FR" dirty="0" err="1" smtClean="0"/>
-              <a:t>access</a:t>
-            </a:r>
-            <a:r>
-              <a:rPr lang="fr-FR" dirty="0" smtClean="0"/>
-              <a:t> code to </a:t>
+              <a:rPr lang="fr-FR" dirty="0" smtClean="0"/>
+              <a:t>QR code to </a:t>
             </a:r>
             <a:r>
               <a:rPr lang="fr-FR" dirty="0" err="1" smtClean="0"/>
               <a:t>students</a:t>
+            </a:r>
+            <a:r>
+              <a:rPr lang="fr-FR" dirty="0" smtClean="0"/>
+              <a:t> </a:t>
+            </a:r>
+            <a:r>
+              <a:rPr lang="fr-FR" dirty="0" err="1" smtClean="0"/>
+              <a:t>during</a:t>
+            </a:r>
+            <a:r>
+              <a:rPr lang="fr-FR" dirty="0" smtClean="0"/>
+              <a:t> class</a:t>
             </a:r>
             <a:endParaRPr lang="fr-FR" dirty="0" smtClean="0"/>
           </a:p>
@@ -3438,7 +3432,7 @@
         </p:nvSpPr>
         <p:spPr>
           <a:xfrm>
-            <a:off x="307001" y="1182624"/>
+            <a:off x="383454" y="1504420"/>
             <a:ext cx="2609088" cy="1093922"/>
           </a:xfrm>
           <a:prstGeom prst="rect">
@@ -3471,43 +3465,43 @@
             <a:pPr algn="ctr"/>
             <a:r>
               <a:rPr lang="fr-FR" dirty="0" smtClean="0"/>
-              <a:t>Teacher </a:t>
-            </a:r>
-            <a:r>
-              <a:rPr lang="fr-FR" dirty="0" err="1" smtClean="0"/>
-              <a:t>generates</a:t>
+              <a:t>Input </a:t>
+            </a:r>
+            <a:r>
+              <a:rPr lang="fr-FR" dirty="0" err="1" smtClean="0"/>
+              <a:t>students</a:t>
             </a:r>
             <a:r>
               <a:rPr lang="fr-FR" dirty="0" smtClean="0"/>
               <a:t> </a:t>
             </a:r>
             <a:r>
-              <a:rPr lang="fr-FR" dirty="0" err="1" smtClean="0"/>
-              <a:t>access</a:t>
-            </a:r>
-            <a:r>
-              <a:rPr lang="fr-FR" dirty="0" smtClean="0"/>
-              <a:t> code </a:t>
-            </a:r>
-            <a:r>
-              <a:rPr lang="fr-FR" dirty="0" err="1" smtClean="0"/>
-              <a:t>thru</a:t>
-            </a:r>
-            <a:r>
-              <a:rPr lang="fr-FR" dirty="0" smtClean="0"/>
-              <a:t> admin </a:t>
-            </a:r>
-            <a:r>
-              <a:rPr lang="fr-FR" dirty="0" err="1" smtClean="0"/>
-              <a:t>tool</a:t>
-            </a:r>
-            <a:endParaRPr lang="fr-FR" dirty="0" smtClean="0"/>
-          </a:p>
-          <a:p>
-            <a:pPr algn="ctr"/>
-            <a:r>
-              <a:rPr lang="fr-FR" dirty="0" smtClean="0"/>
-              <a:t>(one code for one class)</a:t>
+              <a:rPr lang="fr-FR" altLang="zh-CN" dirty="0" err="1" smtClean="0"/>
+              <a:t>account</a:t>
+            </a:r>
+            <a:r>
+              <a:rPr lang="fr-FR" altLang="zh-CN" dirty="0" smtClean="0"/>
+              <a:t> info</a:t>
+            </a:r>
+            <a:r>
+              <a:rPr lang="fr-FR" dirty="0" smtClean="0"/>
+              <a:t> to the DB and </a:t>
+            </a:r>
+            <a:r>
+              <a:rPr lang="fr-FR" dirty="0" err="1" smtClean="0"/>
+              <a:t>assign</a:t>
+            </a:r>
+            <a:r>
+              <a:rPr lang="fr-FR" dirty="0" smtClean="0"/>
+              <a:t> </a:t>
+            </a:r>
+            <a:r>
+              <a:rPr lang="fr-FR" dirty="0" err="1" smtClean="0"/>
+              <a:t>students</a:t>
+            </a:r>
+            <a:r>
+              <a:rPr lang="fr-FR" dirty="0" smtClean="0"/>
+              <a:t> to a class</a:t>
             </a:r>
             <a:endParaRPr lang="fr-FR" dirty="0"/>
           </a:p>
@@ -3524,7 +3518,7 @@
         </p:nvCxnSpPr>
         <p:spPr>
           <a:xfrm flipV="1">
-            <a:off x="2916089" y="1723257"/>
+            <a:off x="2992542" y="2045053"/>
             <a:ext cx="798576" cy="6328"/>
           </a:xfrm>
           <a:prstGeom prst="straightConnector1">
@@ -3559,9 +3553,9 @@
           <p:nvPr/>
         </p:nvCxnSpPr>
         <p:spPr>
-          <a:xfrm>
-            <a:off x="6235429" y="1723257"/>
-            <a:ext cx="1211463" cy="6328"/>
+          <a:xfrm flipV="1">
+            <a:off x="6311882" y="2044291"/>
+            <a:ext cx="1211463" cy="762"/>
           </a:xfrm>
           <a:prstGeom prst="straightConnector1">
             <a:avLst/>
@@ -3595,9 +3589,9 @@
           <p:nvPr/>
         </p:nvCxnSpPr>
         <p:spPr>
-          <a:xfrm flipV="1">
-            <a:off x="9044044" y="1723257"/>
-            <a:ext cx="923612" cy="6328"/>
+          <a:xfrm>
+            <a:off x="9245534" y="2044291"/>
+            <a:ext cx="798575" cy="762"/>
           </a:xfrm>
           <a:prstGeom prst="straightConnector1">
             <a:avLst/>
@@ -3651,23 +3645,31 @@
             </a:r>
             <a:r>
               <a:rPr lang="fr-FR" dirty="0" smtClean="0"/>
+              <a:t> flow </a:t>
+            </a:r>
+            <a:r>
+              <a:rPr lang="fr-FR" altLang="zh-CN" dirty="0" smtClean="0"/>
+              <a:t>–</a:t>
+            </a:r>
+            <a:r>
+              <a:rPr lang="fr-FR" altLang="zh-CN" dirty="0" err="1" smtClean="0"/>
+              <a:t>with</a:t>
+            </a:r>
+            <a:r>
+              <a:rPr lang="fr-FR" altLang="zh-CN" dirty="0" smtClean="0"/>
               <a:t> </a:t>
             </a:r>
             <a:r>
-              <a:rPr lang="fr-FR" dirty="0" smtClean="0"/>
-              <a:t>flow </a:t>
+              <a:rPr lang="fr-FR" altLang="zh-CN" dirty="0" err="1" smtClean="0"/>
+              <a:t>accouts</a:t>
             </a:r>
             <a:r>
               <a:rPr lang="fr-FR" altLang="zh-CN" dirty="0" smtClean="0"/>
-              <a:t>– </a:t>
+              <a:t> of class </a:t>
             </a:r>
             <a:r>
               <a:rPr lang="fr-FR" altLang="zh-CN" dirty="0" err="1" smtClean="0"/>
-              <a:t>sign</a:t>
-            </a:r>
-            <a:r>
-              <a:rPr lang="fr-FR" altLang="zh-CN" dirty="0" smtClean="0"/>
-              <a:t> up</a:t>
+              <a:t>imported</a:t>
             </a:r>
             <a:endParaRPr lang="fr-FR" dirty="0"/>
           </a:p>
@@ -3681,7 +3683,7 @@
         </p:nvSpPr>
         <p:spPr>
           <a:xfrm>
-            <a:off x="9967656" y="1345305"/>
+            <a:off x="10044109" y="1667101"/>
             <a:ext cx="1597152" cy="755904"/>
           </a:xfrm>
           <a:prstGeom prst="rect">
@@ -3736,8 +3738,8 @@
         </p:nvCxnSpPr>
         <p:spPr>
           <a:xfrm>
-            <a:off x="10766232" y="2101209"/>
-            <a:ext cx="0" cy="700491"/>
+            <a:off x="10842685" y="2423005"/>
+            <a:ext cx="0" cy="737376"/>
           </a:xfrm>
           <a:prstGeom prst="straightConnector1">
             <a:avLst/>
@@ -3769,7 +3771,7 @@
         </p:nvSpPr>
         <p:spPr>
           <a:xfrm>
-            <a:off x="6326044" y="2587126"/>
+            <a:off x="6402497" y="2908922"/>
             <a:ext cx="2241696" cy="1566671"/>
           </a:xfrm>
           <a:prstGeom prst="diamond">
@@ -3798,8 +3800,20 @@
           <a:p>
             <a:pPr algn="ctr"/>
             <a:r>
-              <a:rPr lang="fr-FR" dirty="0" smtClean="0"/>
-              <a:t>Access code?</a:t>
+              <a:rPr lang="fr-FR" dirty="0" err="1" smtClean="0"/>
+              <a:t>Account</a:t>
+            </a:r>
+            <a:r>
+              <a:rPr lang="fr-FR" dirty="0" smtClean="0"/>
+              <a:t> </a:t>
+            </a:r>
+            <a:r>
+              <a:rPr lang="fr-FR" dirty="0" err="1" smtClean="0"/>
+              <a:t>validated</a:t>
+            </a:r>
+            <a:r>
+              <a:rPr lang="fr-FR" dirty="0" smtClean="0"/>
+              <a:t>?</a:t>
             </a:r>
             <a:endParaRPr lang="fr-FR" dirty="0"/>
           </a:p>
@@ -3816,8 +3830,8 @@
         </p:nvCxnSpPr>
         <p:spPr>
           <a:xfrm flipH="1">
-            <a:off x="8567740" y="3333576"/>
-            <a:ext cx="1110704" cy="36886"/>
+            <a:off x="8644193" y="3692257"/>
+            <a:ext cx="1110704" cy="1"/>
           </a:xfrm>
           <a:prstGeom prst="straightConnector1">
             <a:avLst/>
@@ -3849,7 +3863,7 @@
         </p:nvSpPr>
         <p:spPr>
           <a:xfrm>
-            <a:off x="3282882" y="2967831"/>
+            <a:off x="3359335" y="3289627"/>
             <a:ext cx="2220014" cy="805260"/>
           </a:xfrm>
           <a:prstGeom prst="rect">
@@ -3879,11 +3893,7 @@
             <a:pPr algn="ctr"/>
             <a:r>
               <a:rPr lang="en-US" dirty="0" smtClean="0"/>
-              <a:t>Show </a:t>
-            </a:r>
-            <a:r>
-              <a:rPr lang="en-US" dirty="0" smtClean="0"/>
-              <a:t>Test tab</a:t>
+              <a:t>Download inbox messages and test</a:t>
             </a:r>
             <a:endParaRPr lang="fr-FR" dirty="0"/>
           </a:p>
@@ -3900,7 +3910,7 @@
         </p:nvCxnSpPr>
         <p:spPr>
           <a:xfrm flipH="1" flipV="1">
-            <a:off x="5502896" y="3370461"/>
+            <a:off x="5579349" y="3692257"/>
             <a:ext cx="823148" cy="1"/>
           </a:xfrm>
           <a:prstGeom prst="straightConnector1">
@@ -3933,7 +3943,7 @@
         </p:nvSpPr>
         <p:spPr>
           <a:xfrm>
-            <a:off x="6347726" y="4676335"/>
+            <a:off x="6424179" y="4998131"/>
             <a:ext cx="2220014" cy="805260"/>
           </a:xfrm>
           <a:prstGeom prst="rect">
@@ -3963,11 +3973,7 @@
             <a:pPr algn="ctr"/>
             <a:r>
               <a:rPr lang="en-US" dirty="0" smtClean="0"/>
-              <a:t>Show </a:t>
-            </a:r>
-            <a:r>
-              <a:rPr lang="en-US" dirty="0" smtClean="0"/>
-              <a:t>Class tab</a:t>
+              <a:t>Contact teacher or Admin</a:t>
             </a:r>
             <a:endParaRPr lang="fr-FR" dirty="0"/>
           </a:p>
@@ -3984,7 +3990,7 @@
         </p:nvCxnSpPr>
         <p:spPr>
           <a:xfrm>
-            <a:off x="7446892" y="4153797"/>
+            <a:off x="7523345" y="4475593"/>
             <a:ext cx="10841" cy="522538"/>
           </a:xfrm>
           <a:prstGeom prst="straightConnector1">
@@ -4009,6 +4015,66 @@
           </a:fontRef>
         </p:style>
       </p:cxnSp>
+      <p:sp>
+        <p:nvSpPr>
+          <p:cNvPr id="3" name="TextBox 2"/>
+          <p:cNvSpPr txBox="1"/>
+          <p:nvPr/>
+        </p:nvSpPr>
+        <p:spPr>
+          <a:xfrm>
+            <a:off x="5916421" y="3655372"/>
+            <a:ext cx="485518" cy="369332"/>
+          </a:xfrm>
+          <a:prstGeom prst="rect">
+            <a:avLst/>
+          </a:prstGeom>
+          <a:noFill/>
+        </p:spPr>
+        <p:txBody>
+          <a:bodyPr wrap="none" rtlCol="0">
+            <a:spAutoFit/>
+          </a:bodyPr>
+          <a:lstStyle/>
+          <a:p>
+            <a:r>
+              <a:rPr lang="fr-FR" dirty="0" err="1" smtClean="0"/>
+              <a:t>Yes</a:t>
+            </a:r>
+            <a:endParaRPr lang="fr-FR" dirty="0"/>
+          </a:p>
+        </p:txBody>
+      </p:sp>
+      <p:sp>
+        <p:nvSpPr>
+          <p:cNvPr id="19" name="TextBox 18"/>
+          <p:cNvSpPr txBox="1"/>
+          <p:nvPr/>
+        </p:nvSpPr>
+        <p:spPr>
+          <a:xfrm>
+            <a:off x="7523345" y="4529374"/>
+            <a:ext cx="455574" cy="369332"/>
+          </a:xfrm>
+          <a:prstGeom prst="rect">
+            <a:avLst/>
+          </a:prstGeom>
+          <a:noFill/>
+        </p:spPr>
+        <p:txBody>
+          <a:bodyPr wrap="none" rtlCol="0">
+            <a:spAutoFit/>
+          </a:bodyPr>
+          <a:lstStyle/>
+          <a:p>
+            <a:r>
+              <a:rPr lang="fr-FR" dirty="0" smtClean="0"/>
+              <a:t>No</a:t>
+            </a:r>
+            <a:endParaRPr lang="fr-FR" dirty="0"/>
+          </a:p>
+        </p:txBody>
+      </p:sp>
     </p:spTree>
     <p:extLst>
       <p:ext uri="{BB962C8B-B14F-4D97-AF65-F5344CB8AC3E}">
@@ -4054,8 +4120,8 @@
         </p:nvSpPr>
         <p:spPr>
           <a:xfrm>
-            <a:off x="211802" y="3392159"/>
-            <a:ext cx="1597152" cy="755904"/>
+            <a:off x="7553368" y="1784294"/>
+            <a:ext cx="1722189" cy="924913"/>
           </a:xfrm>
           <a:prstGeom prst="rect">
             <a:avLst/>
@@ -4083,8 +4149,12 @@
           <a:p>
             <a:pPr algn="ctr"/>
             <a:r>
-              <a:rPr lang="fr-FR" dirty="0" err="1" smtClean="0"/>
-              <a:t>Launch</a:t>
+              <a:rPr lang="fr-FR" dirty="0" smtClean="0"/>
+              <a:t>Scan QR code to Install/</a:t>
+            </a:r>
+            <a:r>
+              <a:rPr lang="fr-FR" dirty="0" err="1" smtClean="0"/>
+              <a:t>launch</a:t>
             </a:r>
             <a:r>
               <a:rPr lang="fr-FR" dirty="0" smtClean="0"/>
@@ -4106,8 +4176,8 @@
         </p:nvSpPr>
         <p:spPr>
           <a:xfrm>
-            <a:off x="4743433" y="3192575"/>
-            <a:ext cx="2064986" cy="1183993"/>
+            <a:off x="9784920" y="3362841"/>
+            <a:ext cx="2175576" cy="1063752"/>
           </a:xfrm>
           <a:prstGeom prst="rect">
             <a:avLst/>
@@ -4135,52 +4205,16 @@
           <a:p>
             <a:pPr algn="ctr"/>
             <a:r>
-              <a:rPr lang="fr-FR" dirty="0" err="1" smtClean="0"/>
-              <a:t>Sign</a:t>
-            </a:r>
-            <a:r>
-              <a:rPr lang="fr-FR" dirty="0" smtClean="0"/>
-              <a:t> in </a:t>
-            </a:r>
-            <a:r>
-              <a:rPr lang="fr-FR" dirty="0" err="1" smtClean="0"/>
-              <a:t>with</a:t>
-            </a:r>
-            <a:r>
-              <a:rPr lang="fr-FR" dirty="0" smtClean="0"/>
-              <a:t> email and </a:t>
-            </a:r>
-            <a:r>
-              <a:rPr lang="fr-FR" dirty="0" err="1" smtClean="0"/>
-              <a:t>password</a:t>
-            </a:r>
-            <a:r>
-              <a:rPr lang="fr-FR" dirty="0" smtClean="0"/>
-              <a:t>. </a:t>
-            </a:r>
-            <a:r>
-              <a:rPr lang="fr-FR" dirty="0" err="1" smtClean="0"/>
-              <a:t>Choose</a:t>
-            </a:r>
-            <a:r>
-              <a:rPr lang="fr-FR" dirty="0" smtClean="0"/>
-              <a:t> to </a:t>
-            </a:r>
-            <a:r>
-              <a:rPr lang="fr-FR" dirty="0" err="1" smtClean="0"/>
-              <a:t>keep</a:t>
-            </a:r>
-            <a:r>
-              <a:rPr lang="fr-FR" dirty="0" smtClean="0"/>
-              <a:t> </a:t>
-            </a:r>
-            <a:r>
-              <a:rPr lang="fr-FR" dirty="0" err="1" smtClean="0"/>
-              <a:t>sign</a:t>
-            </a:r>
-            <a:r>
-              <a:rPr lang="fr-FR" dirty="0" smtClean="0"/>
-              <a:t>-in</a:t>
+              <a:rPr lang="fr-FR" dirty="0" smtClean="0"/>
+              <a:t>Input </a:t>
+            </a:r>
+            <a:r>
+              <a:rPr lang="fr-FR" dirty="0" err="1" smtClean="0"/>
+              <a:t>wechat</a:t>
+            </a:r>
+            <a:r>
+              <a:rPr lang="fr-FR" dirty="0" smtClean="0"/>
+              <a:t> Id or Mobile# and Name</a:t>
             </a:r>
             <a:endParaRPr lang="fr-FR" dirty="0"/>
           </a:p>
@@ -4188,18 +4222,23 @@
       </p:sp>
       <p:sp>
         <p:nvSpPr>
-          <p:cNvPr id="8" name="Rectangle 7"/>
+          <p:cNvPr id="9" name="Rectangle 8"/>
           <p:cNvSpPr/>
           <p:nvPr/>
         </p:nvSpPr>
         <p:spPr>
           <a:xfrm>
-            <a:off x="7677912" y="3312911"/>
-            <a:ext cx="1560576" cy="914400"/>
+            <a:off x="3821141" y="1640961"/>
+            <a:ext cx="2520764" cy="1213104"/>
           </a:xfrm>
           <a:prstGeom prst="rect">
             <a:avLst/>
           </a:prstGeom>
+          <a:solidFill>
+            <a:schemeClr val="accent2">
+              <a:lumMod val="75000"/>
+            </a:schemeClr>
+          </a:solidFill>
         </p:spPr>
         <p:style>
           <a:lnRef idx="2">
@@ -4223,186 +4262,90 @@
           <a:p>
             <a:pPr algn="ctr"/>
             <a:r>
-              <a:rPr lang="fr-FR" dirty="0" err="1" smtClean="0"/>
-              <a:t>Get</a:t>
+              <a:rPr lang="fr-FR" dirty="0" smtClean="0"/>
+              <a:t>Teacher </a:t>
+            </a:r>
+            <a:r>
+              <a:rPr lang="fr-FR" dirty="0" err="1" smtClean="0"/>
+              <a:t>distributes</a:t>
             </a:r>
             <a:r>
               <a:rPr lang="fr-FR" dirty="0" smtClean="0"/>
               <a:t> </a:t>
             </a:r>
             <a:r>
-              <a:rPr lang="fr-FR" dirty="0" err="1" smtClean="0"/>
-              <a:t>into</a:t>
-            </a:r>
-            <a:r>
-              <a:rPr lang="fr-FR" dirty="0" smtClean="0"/>
-              <a:t> main UI</a:t>
-            </a:r>
-            <a:endParaRPr lang="fr-FR" dirty="0"/>
-          </a:p>
-        </p:txBody>
-      </p:sp>
-      <p:sp>
-        <p:nvSpPr>
-          <p:cNvPr id="10" name="TextBox 9"/>
-          <p:cNvSpPr txBox="1"/>
-          <p:nvPr/>
-        </p:nvSpPr>
-        <p:spPr>
-          <a:xfrm>
-            <a:off x="719328" y="6211669"/>
-            <a:ext cx="5347682" cy="646331"/>
-          </a:xfrm>
-          <a:prstGeom prst="rect">
-            <a:avLst/>
-          </a:prstGeom>
-          <a:noFill/>
-        </p:spPr>
-        <p:txBody>
-          <a:bodyPr wrap="none" rtlCol="0">
-            <a:spAutoFit/>
-          </a:bodyPr>
-          <a:lstStyle/>
-          <a:p>
-            <a:r>
-              <a:rPr lang="fr-FR" dirty="0" smtClean="0"/>
-              <a:t>*</a:t>
-            </a:r>
-            <a:r>
-              <a:rPr lang="fr-FR" dirty="0" err="1" smtClean="0"/>
-              <a:t>teacher</a:t>
-            </a:r>
-            <a:r>
-              <a:rPr lang="fr-FR" dirty="0" smtClean="0"/>
-              <a:t> </a:t>
-            </a:r>
-            <a:r>
-              <a:rPr lang="fr-FR" dirty="0" err="1" smtClean="0"/>
-              <a:t>can</a:t>
-            </a:r>
-            <a:r>
-              <a:rPr lang="fr-FR" dirty="0" smtClean="0"/>
-              <a:t> </a:t>
-            </a:r>
-            <a:r>
-              <a:rPr lang="fr-FR" dirty="0" err="1" smtClean="0"/>
-              <a:t>share</a:t>
-            </a:r>
-            <a:r>
-              <a:rPr lang="fr-FR" dirty="0" smtClean="0"/>
-              <a:t> code and </a:t>
-            </a:r>
-            <a:r>
-              <a:rPr lang="fr-FR" dirty="0" err="1" smtClean="0"/>
-              <a:t>pwd</a:t>
-            </a:r>
-            <a:r>
-              <a:rPr lang="fr-FR" dirty="0" smtClean="0"/>
-              <a:t> </a:t>
-            </a:r>
-            <a:r>
-              <a:rPr lang="fr-FR" dirty="0" err="1" smtClean="0"/>
-              <a:t>thru</a:t>
-            </a:r>
-            <a:r>
-              <a:rPr lang="fr-FR" dirty="0" smtClean="0"/>
-              <a:t> email or at class</a:t>
-            </a:r>
-          </a:p>
-          <a:p>
-            <a:r>
-              <a:rPr lang="fr-FR" dirty="0" smtClean="0"/>
-              <a:t>*</a:t>
-            </a:r>
-            <a:r>
-              <a:rPr lang="fr-FR" dirty="0" err="1" smtClean="0"/>
-              <a:t>we</a:t>
-            </a:r>
-            <a:r>
-              <a:rPr lang="fr-FR" dirty="0" smtClean="0"/>
-              <a:t> </a:t>
-            </a:r>
-            <a:r>
-              <a:rPr lang="fr-FR" dirty="0" err="1" smtClean="0"/>
-              <a:t>will</a:t>
-            </a:r>
-            <a:r>
-              <a:rPr lang="fr-FR" dirty="0" smtClean="0"/>
-              <a:t> display </a:t>
-            </a:r>
-            <a:r>
-              <a:rPr lang="fr-FR" dirty="0" err="1" smtClean="0"/>
-              <a:t>student</a:t>
-            </a:r>
-            <a:r>
-              <a:rPr lang="fr-FR" dirty="0" smtClean="0"/>
-              <a:t> </a:t>
-            </a:r>
-            <a:r>
-              <a:rPr lang="fr-FR" dirty="0" err="1" smtClean="0"/>
-              <a:t>name</a:t>
-            </a:r>
-            <a:r>
-              <a:rPr lang="fr-FR" dirty="0" smtClean="0"/>
-              <a:t> at the </a:t>
-            </a:r>
-            <a:r>
-              <a:rPr lang="fr-FR" dirty="0" err="1" smtClean="0"/>
-              <a:t>app</a:t>
-            </a:r>
-            <a:endParaRPr lang="fr-FR" dirty="0"/>
-          </a:p>
-        </p:txBody>
-      </p:sp>
+              <a:rPr lang="fr-FR" dirty="0" smtClean="0"/>
+              <a:t>QR code and class code to </a:t>
+            </a:r>
+            <a:r>
+              <a:rPr lang="fr-FR" dirty="0" err="1" smtClean="0"/>
+              <a:t>students</a:t>
+            </a:r>
+            <a:r>
+              <a:rPr lang="fr-FR" dirty="0" smtClean="0"/>
+              <a:t> (</a:t>
+            </a:r>
+            <a:r>
+              <a:rPr lang="fr-FR" dirty="0" err="1" smtClean="0"/>
+              <a:t>during</a:t>
+            </a:r>
+            <a:r>
+              <a:rPr lang="fr-FR" dirty="0" smtClean="0"/>
+              <a:t> class)</a:t>
+            </a:r>
+            <a:endParaRPr lang="fr-FR" dirty="0" smtClean="0"/>
+          </a:p>
+        </p:txBody>
+      </p:sp>
+      <p:cxnSp>
+        <p:nvCxnSpPr>
+          <p:cNvPr id="16" name="Straight Arrow Connector 15"/>
+          <p:cNvCxnSpPr>
+            <a:stCxn id="9" idx="3"/>
+            <a:endCxn id="5" idx="1"/>
+          </p:cNvCxnSpPr>
+          <p:nvPr/>
+        </p:nvCxnSpPr>
+        <p:spPr>
+          <a:xfrm flipV="1">
+            <a:off x="6341905" y="2246751"/>
+            <a:ext cx="1211463" cy="762"/>
+          </a:xfrm>
+          <a:prstGeom prst="straightConnector1">
+            <a:avLst/>
+          </a:prstGeom>
+          <a:ln>
+            <a:tailEnd type="triangle"/>
+          </a:ln>
+        </p:spPr>
+        <p:style>
+          <a:lnRef idx="1">
+            <a:schemeClr val="accent1"/>
+          </a:lnRef>
+          <a:fillRef idx="0">
+            <a:schemeClr val="accent1"/>
+          </a:fillRef>
+          <a:effectRef idx="0">
+            <a:schemeClr val="accent1"/>
+          </a:effectRef>
+          <a:fontRef idx="minor">
+            <a:schemeClr val="tx1"/>
+          </a:fontRef>
+        </p:style>
+      </p:cxnSp>
       <p:cxnSp>
         <p:nvCxnSpPr>
           <p:cNvPr id="18" name="Straight Arrow Connector 17"/>
           <p:cNvCxnSpPr>
             <a:stCxn id="5" idx="3"/>
-            <a:endCxn id="43" idx="1"/>
+            <a:endCxn id="40" idx="1"/>
           </p:cNvCxnSpPr>
           <p:nvPr/>
         </p:nvCxnSpPr>
         <p:spPr>
           <a:xfrm>
-            <a:off x="1808954" y="3770111"/>
-            <a:ext cx="639335" cy="0"/>
-          </a:xfrm>
-          <a:prstGeom prst="straightConnector1">
-            <a:avLst/>
-          </a:prstGeom>
-          <a:ln>
-            <a:tailEnd type="triangle"/>
-          </a:ln>
-        </p:spPr>
-        <p:style>
-          <a:lnRef idx="1">
-            <a:schemeClr val="accent1"/>
-          </a:lnRef>
-          <a:fillRef idx="0">
-            <a:schemeClr val="accent1"/>
-          </a:fillRef>
-          <a:effectRef idx="0">
-            <a:schemeClr val="accent1"/>
-          </a:effectRef>
-          <a:fontRef idx="minor">
-            <a:schemeClr val="tx1"/>
-          </a:fontRef>
-        </p:style>
-      </p:cxnSp>
-      <p:cxnSp>
-        <p:nvCxnSpPr>
-          <p:cNvPr id="20" name="Straight Arrow Connector 19"/>
-          <p:cNvCxnSpPr>
-            <a:stCxn id="6" idx="3"/>
-            <a:endCxn id="8" idx="1"/>
-          </p:cNvCxnSpPr>
-          <p:nvPr/>
-        </p:nvCxnSpPr>
-        <p:spPr>
-          <a:xfrm flipV="1">
-            <a:off x="6808419" y="3770111"/>
-            <a:ext cx="869493" cy="14461"/>
+            <a:off x="9275557" y="2246751"/>
+            <a:ext cx="798575" cy="762"/>
           </a:xfrm>
           <a:prstGeom prst="straightConnector1">
             <a:avLst/>
@@ -4448,7 +4391,7 @@
           <a:p>
             <a:r>
               <a:rPr lang="fr-FR" dirty="0" smtClean="0"/>
-              <a:t>Second </a:t>
+              <a:t>First </a:t>
             </a:r>
             <a:r>
               <a:rPr lang="fr-FR" dirty="0" err="1" smtClean="0"/>
@@ -4456,7 +4399,31 @@
             </a:r>
             <a:r>
               <a:rPr lang="fr-FR" dirty="0" smtClean="0"/>
-              <a:t> flow</a:t>
+              <a:t> flow </a:t>
+            </a:r>
+            <a:r>
+              <a:rPr lang="fr-FR" altLang="zh-CN" dirty="0" smtClean="0"/>
+              <a:t>– </a:t>
+            </a:r>
+            <a:r>
+              <a:rPr lang="fr-FR" altLang="zh-CN" dirty="0" err="1" smtClean="0"/>
+              <a:t>without</a:t>
+            </a:r>
+            <a:r>
+              <a:rPr lang="fr-FR" altLang="zh-CN" dirty="0" smtClean="0"/>
+              <a:t> </a:t>
+            </a:r>
+            <a:r>
+              <a:rPr lang="fr-FR" altLang="zh-CN" dirty="0" err="1" smtClean="0"/>
+              <a:t>accouts</a:t>
+            </a:r>
+            <a:r>
+              <a:rPr lang="fr-FR" altLang="zh-CN" dirty="0" smtClean="0"/>
+              <a:t> of class </a:t>
+            </a:r>
+            <a:r>
+              <a:rPr lang="fr-FR" altLang="zh-CN" dirty="0" err="1" smtClean="0"/>
+              <a:t>imported</a:t>
             </a:r>
             <a:endParaRPr lang="fr-FR" dirty="0"/>
           </a:p>
@@ -4464,14 +4431,14 @@
       </p:sp>
       <p:sp>
         <p:nvSpPr>
-          <p:cNvPr id="2" name="Rectangle 1"/>
+          <p:cNvPr id="40" name="Rectangle 39"/>
           <p:cNvSpPr/>
           <p:nvPr/>
         </p:nvSpPr>
         <p:spPr>
           <a:xfrm>
-            <a:off x="10148282" y="3534666"/>
-            <a:ext cx="1853184" cy="780443"/>
+            <a:off x="10074132" y="1869561"/>
+            <a:ext cx="1597152" cy="755904"/>
           </a:xfrm>
           <a:prstGeom prst="rect">
             <a:avLst/>
@@ -4500,24 +4467,68 @@
             <a:pPr algn="ctr"/>
             <a:r>
               <a:rPr lang="fr-FR" dirty="0" smtClean="0"/>
-              <a:t>Class</a:t>
+              <a:t>Select </a:t>
+            </a:r>
+            <a:r>
+              <a:rPr lang="fr-FR" dirty="0" err="1" smtClean="0"/>
+              <a:t>Sign</a:t>
+            </a:r>
+            <a:r>
+              <a:rPr lang="fr-FR" dirty="0" smtClean="0"/>
+              <a:t>-up</a:t>
             </a:r>
             <a:endParaRPr lang="fr-FR" dirty="0"/>
           </a:p>
         </p:txBody>
       </p:sp>
-      <p:sp>
-        <p:nvSpPr>
-          <p:cNvPr id="15" name="Rectangle 14"/>
+      <p:cxnSp>
+        <p:nvCxnSpPr>
+          <p:cNvPr id="50" name="Straight Arrow Connector 49"/>
+          <p:cNvCxnSpPr>
+            <a:stCxn id="40" idx="2"/>
+            <a:endCxn id="6" idx="0"/>
+          </p:cNvCxnSpPr>
+          <p:nvPr/>
+        </p:nvCxnSpPr>
+        <p:spPr>
+          <a:xfrm>
+            <a:off x="10872708" y="2625465"/>
+            <a:ext cx="0" cy="737376"/>
+          </a:xfrm>
+          <a:prstGeom prst="straightConnector1">
+            <a:avLst/>
+          </a:prstGeom>
+          <a:ln>
+            <a:tailEnd type="triangle"/>
+          </a:ln>
+        </p:spPr>
+        <p:style>
+          <a:lnRef idx="1">
+            <a:schemeClr val="accent1"/>
+          </a:lnRef>
+          <a:fillRef idx="0">
+            <a:schemeClr val="accent1"/>
+          </a:fillRef>
+          <a:effectRef idx="0">
+            <a:schemeClr val="accent1"/>
+          </a:effectRef>
+          <a:fontRef idx="minor">
+            <a:schemeClr val="tx1"/>
+          </a:fontRef>
+        </p:style>
+      </p:cxnSp>
+      <p:sp>
+        <p:nvSpPr>
+          <p:cNvPr id="2" name="Diamond 1"/>
           <p:cNvSpPr/>
           <p:nvPr/>
         </p:nvSpPr>
         <p:spPr>
           <a:xfrm>
-            <a:off x="10082784" y="1438501"/>
-            <a:ext cx="1853184" cy="780443"/>
-          </a:xfrm>
-          <a:prstGeom prst="rect">
+            <a:off x="3187711" y="3111381"/>
+            <a:ext cx="2241696" cy="1566671"/>
+          </a:xfrm>
+          <a:prstGeom prst="diamond">
             <a:avLst/>
           </a:prstGeom>
         </p:spPr>
@@ -4543,23 +4554,67 @@
           <a:p>
             <a:pPr algn="ctr"/>
             <a:r>
-              <a:rPr lang="fr-FR" dirty="0" err="1" smtClean="0"/>
-              <a:t>Inbox</a:t>
+              <a:rPr lang="fr-FR" dirty="0" smtClean="0"/>
+              <a:t>Auto-</a:t>
+            </a:r>
+            <a:r>
+              <a:rPr lang="fr-FR" dirty="0" err="1" smtClean="0"/>
+              <a:t>approve</a:t>
+            </a:r>
+            <a:r>
+              <a:rPr lang="fr-FR" dirty="0"/>
+              <a:t>?</a:t>
             </a:r>
             <a:endParaRPr lang="fr-FR" dirty="0"/>
           </a:p>
         </p:txBody>
       </p:sp>
-      <p:sp>
-        <p:nvSpPr>
-          <p:cNvPr id="17" name="Rectangle 16"/>
+      <p:cxnSp>
+        <p:nvCxnSpPr>
+          <p:cNvPr id="49" name="Straight Arrow Connector 48"/>
+          <p:cNvCxnSpPr>
+            <a:stCxn id="6" idx="1"/>
+            <a:endCxn id="25" idx="3"/>
+          </p:cNvCxnSpPr>
+          <p:nvPr/>
+        </p:nvCxnSpPr>
+        <p:spPr>
+          <a:xfrm flipH="1" flipV="1">
+            <a:off x="8651997" y="3886131"/>
+            <a:ext cx="1132923" cy="8586"/>
+          </a:xfrm>
+          <a:prstGeom prst="straightConnector1">
+            <a:avLst/>
+          </a:prstGeom>
+          <a:ln>
+            <a:tailEnd type="triangle"/>
+          </a:ln>
+        </p:spPr>
+        <p:style>
+          <a:lnRef idx="1">
+            <a:schemeClr val="accent1"/>
+          </a:lnRef>
+          <a:fillRef idx="0">
+            <a:schemeClr val="accent1"/>
+          </a:fillRef>
+          <a:effectRef idx="0">
+            <a:schemeClr val="accent1"/>
+          </a:effectRef>
+          <a:fontRef idx="minor">
+            <a:schemeClr val="tx1"/>
+          </a:fontRef>
+        </p:style>
+      </p:cxnSp>
+      <p:sp>
+        <p:nvSpPr>
+          <p:cNvPr id="56" name="Rectangle 55"/>
           <p:cNvSpPr/>
           <p:nvPr/>
         </p:nvSpPr>
         <p:spPr>
           <a:xfrm>
-            <a:off x="10254285" y="2385695"/>
-            <a:ext cx="1714534" cy="780443"/>
+            <a:off x="350959" y="3514170"/>
+            <a:ext cx="2220014" cy="805260"/>
           </a:xfrm>
           <a:prstGeom prst="rect">
             <a:avLst/>
@@ -4587,8 +4642,8 @@
           <a:p>
             <a:pPr algn="ctr"/>
             <a:r>
-              <a:rPr lang="fr-FR" dirty="0" smtClean="0"/>
-              <a:t>Test</a:t>
+              <a:rPr lang="en-US" dirty="0" smtClean="0"/>
+              <a:t>Download inbox and test </a:t>
             </a:r>
             <a:endParaRPr lang="fr-FR" dirty="0"/>
           </a:p>
@@ -4596,17 +4651,17 @@
       </p:sp>
       <p:cxnSp>
         <p:nvCxnSpPr>
-          <p:cNvPr id="4" name="Straight Arrow Connector 3"/>
+          <p:cNvPr id="58" name="Straight Arrow Connector 57"/>
           <p:cNvCxnSpPr>
-            <a:stCxn id="8" idx="3"/>
-            <a:endCxn id="15" idx="1"/>
+            <a:stCxn id="2" idx="1"/>
+            <a:endCxn id="56" idx="3"/>
           </p:cNvCxnSpPr>
           <p:nvPr/>
         </p:nvCxnSpPr>
         <p:spPr>
-          <a:xfrm flipV="1">
-            <a:off x="9238488" y="1828723"/>
-            <a:ext cx="844296" cy="1941388"/>
+          <a:xfrm flipH="1">
+            <a:off x="2570973" y="3894717"/>
+            <a:ext cx="616738" cy="22083"/>
           </a:xfrm>
           <a:prstGeom prst="straightConnector1">
             <a:avLst/>
@@ -4630,19 +4685,63 @@
           </a:fontRef>
         </p:style>
       </p:cxnSp>
+      <p:sp>
+        <p:nvSpPr>
+          <p:cNvPr id="59" name="Rectangle 58"/>
+          <p:cNvSpPr/>
+          <p:nvPr/>
+        </p:nvSpPr>
+        <p:spPr>
+          <a:xfrm>
+            <a:off x="3459231" y="5318888"/>
+            <a:ext cx="1698655" cy="546646"/>
+          </a:xfrm>
+          <a:prstGeom prst="rect">
+            <a:avLst/>
+          </a:prstGeom>
+        </p:spPr>
+        <p:style>
+          <a:lnRef idx="2">
+            <a:schemeClr val="accent1">
+              <a:shade val="50000"/>
+            </a:schemeClr>
+          </a:lnRef>
+          <a:fillRef idx="1">
+            <a:schemeClr val="accent1"/>
+          </a:fillRef>
+          <a:effectRef idx="0">
+            <a:schemeClr val="accent1"/>
+          </a:effectRef>
+          <a:fontRef idx="minor">
+            <a:schemeClr val="lt1"/>
+          </a:fontRef>
+        </p:style>
+        <p:txBody>
+          <a:bodyPr rtlCol="0" anchor="ctr"/>
+          <a:lstStyle/>
+          <a:p>
+            <a:pPr algn="ctr"/>
+            <a:r>
+              <a:rPr lang="en-US" dirty="0" smtClean="0"/>
+              <a:t>Pending status</a:t>
+            </a:r>
+            <a:endParaRPr lang="fr-FR" dirty="0"/>
+          </a:p>
+        </p:txBody>
+      </p:sp>
       <p:cxnSp>
         <p:nvCxnSpPr>
-          <p:cNvPr id="13" name="Straight Arrow Connector 12"/>
+          <p:cNvPr id="62" name="Straight Arrow Connector 61"/>
           <p:cNvCxnSpPr>
-            <a:stCxn id="8" idx="3"/>
-            <a:endCxn id="17" idx="1"/>
+            <a:stCxn id="2" idx="2"/>
+            <a:endCxn id="59" idx="0"/>
           </p:cNvCxnSpPr>
           <p:nvPr/>
         </p:nvCxnSpPr>
         <p:spPr>
-          <a:xfrm flipV="1">
-            <a:off x="9238488" y="2775917"/>
-            <a:ext cx="1015797" cy="994194"/>
+          <a:xfrm>
+            <a:off x="4308559" y="4678052"/>
+            <a:ext cx="0" cy="640836"/>
           </a:xfrm>
           <a:prstGeom prst="straightConnector1">
             <a:avLst/>
@@ -4666,19 +4765,150 @@
           </a:fontRef>
         </p:style>
       </p:cxnSp>
+      <p:sp>
+        <p:nvSpPr>
+          <p:cNvPr id="3" name="TextBox 2"/>
+          <p:cNvSpPr txBox="1"/>
+          <p:nvPr/>
+        </p:nvSpPr>
+        <p:spPr>
+          <a:xfrm>
+            <a:off x="2636583" y="3886131"/>
+            <a:ext cx="485518" cy="369332"/>
+          </a:xfrm>
+          <a:prstGeom prst="rect">
+            <a:avLst/>
+          </a:prstGeom>
+          <a:noFill/>
+        </p:spPr>
+        <p:txBody>
+          <a:bodyPr wrap="none" rtlCol="0">
+            <a:spAutoFit/>
+          </a:bodyPr>
+          <a:lstStyle/>
+          <a:p>
+            <a:r>
+              <a:rPr lang="fr-FR" dirty="0" err="1" smtClean="0"/>
+              <a:t>Yes</a:t>
+            </a:r>
+            <a:endParaRPr lang="fr-FR" dirty="0"/>
+          </a:p>
+        </p:txBody>
+      </p:sp>
+      <p:sp>
+        <p:nvSpPr>
+          <p:cNvPr id="19" name="TextBox 18"/>
+          <p:cNvSpPr txBox="1"/>
+          <p:nvPr/>
+        </p:nvSpPr>
+        <p:spPr>
+          <a:xfrm>
+            <a:off x="4308559" y="4743468"/>
+            <a:ext cx="455574" cy="369332"/>
+          </a:xfrm>
+          <a:prstGeom prst="rect">
+            <a:avLst/>
+          </a:prstGeom>
+          <a:noFill/>
+        </p:spPr>
+        <p:txBody>
+          <a:bodyPr wrap="none" rtlCol="0">
+            <a:spAutoFit/>
+          </a:bodyPr>
+          <a:lstStyle/>
+          <a:p>
+            <a:r>
+              <a:rPr lang="fr-FR" dirty="0" smtClean="0"/>
+              <a:t>No</a:t>
+            </a:r>
+            <a:endParaRPr lang="fr-FR" dirty="0"/>
+          </a:p>
+        </p:txBody>
+      </p:sp>
+      <p:sp>
+        <p:nvSpPr>
+          <p:cNvPr id="29" name="Rectangle 28"/>
+          <p:cNvSpPr/>
+          <p:nvPr/>
+        </p:nvSpPr>
+        <p:spPr>
+          <a:xfrm>
+            <a:off x="350959" y="1718995"/>
+            <a:ext cx="2609088" cy="1093922"/>
+          </a:xfrm>
+          <a:prstGeom prst="rect">
+            <a:avLst/>
+          </a:prstGeom>
+          <a:solidFill>
+            <a:schemeClr val="accent6"/>
+          </a:solidFill>
+        </p:spPr>
+        <p:style>
+          <a:lnRef idx="2">
+            <a:schemeClr val="accent1">
+              <a:shade val="50000"/>
+            </a:schemeClr>
+          </a:lnRef>
+          <a:fillRef idx="1">
+            <a:schemeClr val="accent1"/>
+          </a:fillRef>
+          <a:effectRef idx="0">
+            <a:schemeClr val="accent1"/>
+          </a:effectRef>
+          <a:fontRef idx="minor">
+            <a:schemeClr val="lt1"/>
+          </a:fontRef>
+        </p:style>
+        <p:txBody>
+          <a:bodyPr rtlCol="0" anchor="ctr"/>
+          <a:lstStyle/>
+          <a:p>
+            <a:pPr algn="ctr"/>
+            <a:r>
+              <a:rPr lang="fr-FR" dirty="0" err="1" smtClean="0"/>
+              <a:t>Generate</a:t>
+            </a:r>
+            <a:r>
+              <a:rPr lang="fr-FR" dirty="0" smtClean="0"/>
+              <a:t> class code </a:t>
+            </a:r>
+            <a:r>
+              <a:rPr lang="fr-FR" dirty="0" err="1" smtClean="0"/>
+              <a:t>with</a:t>
+            </a:r>
+            <a:r>
+              <a:rPr lang="fr-FR" dirty="0" smtClean="0"/>
+              <a:t> expiration date, </a:t>
+            </a:r>
+            <a:r>
+              <a:rPr lang="fr-FR" dirty="0" err="1" smtClean="0"/>
+              <a:t>member</a:t>
+            </a:r>
+            <a:r>
+              <a:rPr lang="fr-FR" dirty="0" smtClean="0"/>
+              <a:t> </a:t>
+            </a:r>
+            <a:r>
+              <a:rPr lang="fr-FR" dirty="0" err="1" smtClean="0"/>
+              <a:t>limit</a:t>
+            </a:r>
+            <a:endParaRPr lang="fr-FR" dirty="0"/>
+          </a:p>
+        </p:txBody>
+      </p:sp>
       <p:cxnSp>
         <p:nvCxnSpPr>
           <p:cNvPr id="21" name="Straight Arrow Connector 20"/>
           <p:cNvCxnSpPr>
-            <a:stCxn id="8" idx="3"/>
-            <a:endCxn id="2" idx="1"/>
+            <a:stCxn id="29" idx="3"/>
+            <a:endCxn id="9" idx="1"/>
           </p:cNvCxnSpPr>
           <p:nvPr/>
         </p:nvCxnSpPr>
         <p:spPr>
-          <a:xfrm>
-            <a:off x="9238488" y="3770111"/>
-            <a:ext cx="909794" cy="154777"/>
+          <a:xfrm flipV="1">
+            <a:off x="2960047" y="2247513"/>
+            <a:ext cx="861094" cy="18443"/>
           </a:xfrm>
           <a:prstGeom prst="straightConnector1">
             <a:avLst/>
@@ -4704,14 +4934,14 @@
       </p:cxnSp>
       <p:sp>
         <p:nvSpPr>
-          <p:cNvPr id="43" name="Rectangle 42"/>
+          <p:cNvPr id="25" name="Rectangle 24"/>
           <p:cNvSpPr/>
           <p:nvPr/>
         </p:nvSpPr>
         <p:spPr>
           <a:xfrm>
-            <a:off x="2448289" y="3392159"/>
-            <a:ext cx="1597152" cy="755904"/>
+            <a:off x="6476421" y="3354255"/>
+            <a:ext cx="2175576" cy="1063752"/>
           </a:xfrm>
           <a:prstGeom prst="rect">
             <a:avLst/>
@@ -4739,16 +4969,28 @@
           <a:p>
             <a:pPr algn="ctr"/>
             <a:r>
-              <a:rPr lang="fr-FR" dirty="0" smtClean="0"/>
-              <a:t>Select </a:t>
-            </a:r>
-            <a:r>
-              <a:rPr lang="fr-FR" dirty="0" err="1" smtClean="0"/>
-              <a:t>sign</a:t>
-            </a:r>
-            <a:r>
-              <a:rPr lang="fr-FR" dirty="0" smtClean="0"/>
-              <a:t>-in</a:t>
+              <a:rPr lang="fr-FR" dirty="0" err="1" smtClean="0"/>
+              <a:t>Request</a:t>
+            </a:r>
+            <a:r>
+              <a:rPr lang="fr-FR" dirty="0" smtClean="0"/>
+              <a:t> to </a:t>
+            </a:r>
+            <a:r>
+              <a:rPr lang="fr-FR" dirty="0" err="1" smtClean="0"/>
+              <a:t>join</a:t>
+            </a:r>
+            <a:r>
+              <a:rPr lang="fr-FR" dirty="0" smtClean="0"/>
+              <a:t> the class </a:t>
+            </a:r>
+            <a:r>
+              <a:rPr lang="fr-FR" dirty="0" err="1" smtClean="0"/>
+              <a:t>with</a:t>
+            </a:r>
+            <a:r>
+              <a:rPr lang="fr-FR" dirty="0" smtClean="0"/>
+              <a:t> class code</a:t>
             </a:r>
             <a:endParaRPr lang="fr-FR" dirty="0"/>
           </a:p>
@@ -4756,17 +4998,17 @@
       </p:sp>
       <p:cxnSp>
         <p:nvCxnSpPr>
-          <p:cNvPr id="49" name="Straight Arrow Connector 48"/>
+          <p:cNvPr id="22" name="Straight Arrow Connector 21"/>
           <p:cNvCxnSpPr>
-            <a:stCxn id="43" idx="3"/>
-            <a:endCxn id="6" idx="1"/>
+            <a:stCxn id="25" idx="1"/>
+            <a:endCxn id="2" idx="3"/>
           </p:cNvCxnSpPr>
           <p:nvPr/>
         </p:nvCxnSpPr>
         <p:spPr>
-          <a:xfrm>
-            <a:off x="4045441" y="3770111"/>
-            <a:ext cx="697992" cy="14461"/>
+          <a:xfrm flipH="1">
+            <a:off x="5429407" y="3886131"/>
+            <a:ext cx="1047014" cy="8586"/>
           </a:xfrm>
           <a:prstGeom prst="straightConnector1">
             <a:avLst/>
@@ -4792,16 +5034,16 @@
       </p:cxnSp>
       <p:sp>
         <p:nvSpPr>
-          <p:cNvPr id="19" name="Rectangle 18"/>
+          <p:cNvPr id="27" name="Diamond 26"/>
           <p:cNvSpPr/>
           <p:nvPr/>
         </p:nvSpPr>
         <p:spPr>
           <a:xfrm>
-            <a:off x="10082784" y="4857622"/>
-            <a:ext cx="1853184" cy="780443"/>
-          </a:xfrm>
-          <a:prstGeom prst="rect">
+            <a:off x="252943" y="4928134"/>
+            <a:ext cx="2416046" cy="1328155"/>
+          </a:xfrm>
+          <a:prstGeom prst="diamond">
             <a:avLst/>
           </a:prstGeom>
         </p:spPr>
@@ -4827,8 +5069,16 @@
           <a:p>
             <a:pPr algn="ctr"/>
             <a:r>
-              <a:rPr lang="fr-FR" altLang="zh-CN" dirty="0" smtClean="0"/>
-              <a:t>Q &amp; A</a:t>
+              <a:rPr lang="fr-FR" dirty="0" smtClean="0"/>
+              <a:t>Teacher </a:t>
+            </a:r>
+            <a:r>
+              <a:rPr lang="fr-FR" dirty="0" err="1" smtClean="0"/>
+              <a:t>approve</a:t>
+            </a:r>
+            <a:r>
+              <a:rPr lang="fr-FR" dirty="0" smtClean="0"/>
+              <a:t>?</a:t>
             </a:r>
             <a:endParaRPr lang="fr-FR" dirty="0"/>
           </a:p>
@@ -4836,19 +5086,195 @@
       </p:sp>
       <p:cxnSp>
         <p:nvCxnSpPr>
-          <p:cNvPr id="7" name="Straight Arrow Connector 6"/>
+          <p:cNvPr id="32" name="Straight Arrow Connector 31"/>
           <p:cNvCxnSpPr>
-            <a:stCxn id="8" idx="3"/>
-            <a:endCxn id="19" idx="1"/>
+            <a:stCxn id="59" idx="1"/>
+            <a:endCxn id="27" idx="3"/>
           </p:cNvCxnSpPr>
           <p:nvPr/>
         </p:nvCxnSpPr>
         <p:spPr>
-          <a:xfrm>
-            <a:off x="9238488" y="3770111"/>
-            <a:ext cx="844296" cy="1477733"/>
+          <a:xfrm flipH="1">
+            <a:off x="2668989" y="5592211"/>
+            <a:ext cx="790242" cy="1"/>
           </a:xfrm>
           <a:prstGeom prst="straightConnector1">
+            <a:avLst/>
+          </a:prstGeom>
+          <a:ln>
+            <a:tailEnd type="triangle"/>
+          </a:ln>
+        </p:spPr>
+        <p:style>
+          <a:lnRef idx="1">
+            <a:schemeClr val="accent1"/>
+          </a:lnRef>
+          <a:fillRef idx="0">
+            <a:schemeClr val="accent1"/>
+          </a:fillRef>
+          <a:effectRef idx="0">
+            <a:schemeClr val="accent1"/>
+          </a:effectRef>
+          <a:fontRef idx="minor">
+            <a:schemeClr val="tx1"/>
+          </a:fontRef>
+        </p:style>
+      </p:cxnSp>
+      <p:cxnSp>
+        <p:nvCxnSpPr>
+          <p:cNvPr id="34" name="Straight Arrow Connector 33"/>
+          <p:cNvCxnSpPr>
+            <a:stCxn id="27" idx="0"/>
+            <a:endCxn id="56" idx="2"/>
+          </p:cNvCxnSpPr>
+          <p:nvPr/>
+        </p:nvCxnSpPr>
+        <p:spPr>
+          <a:xfrm flipV="1">
+            <a:off x="1460966" y="4319430"/>
+            <a:ext cx="0" cy="608704"/>
+          </a:xfrm>
+          <a:prstGeom prst="straightConnector1">
+            <a:avLst/>
+          </a:prstGeom>
+          <a:ln>
+            <a:tailEnd type="triangle"/>
+          </a:ln>
+        </p:spPr>
+        <p:style>
+          <a:lnRef idx="1">
+            <a:schemeClr val="accent1"/>
+          </a:lnRef>
+          <a:fillRef idx="0">
+            <a:schemeClr val="accent1"/>
+          </a:fillRef>
+          <a:effectRef idx="0">
+            <a:schemeClr val="accent1"/>
+          </a:effectRef>
+          <a:fontRef idx="minor">
+            <a:schemeClr val="tx1"/>
+          </a:fontRef>
+        </p:style>
+      </p:cxnSp>
+      <p:sp>
+        <p:nvSpPr>
+          <p:cNvPr id="48" name="TextBox 47"/>
+          <p:cNvSpPr txBox="1"/>
+          <p:nvPr/>
+        </p:nvSpPr>
+        <p:spPr>
+          <a:xfrm>
+            <a:off x="1446174" y="4453241"/>
+            <a:ext cx="485518" cy="369332"/>
+          </a:xfrm>
+          <a:prstGeom prst="rect">
+            <a:avLst/>
+          </a:prstGeom>
+          <a:noFill/>
+        </p:spPr>
+        <p:txBody>
+          <a:bodyPr wrap="none" rtlCol="0">
+            <a:spAutoFit/>
+          </a:bodyPr>
+          <a:lstStyle/>
+          <a:p>
+            <a:r>
+              <a:rPr lang="fr-FR" dirty="0" err="1" smtClean="0"/>
+              <a:t>Yes</a:t>
+            </a:r>
+            <a:endParaRPr lang="fr-FR" dirty="0"/>
+          </a:p>
+        </p:txBody>
+      </p:sp>
+      <p:sp>
+        <p:nvSpPr>
+          <p:cNvPr id="51" name="TextBox 50"/>
+          <p:cNvSpPr txBox="1"/>
+          <p:nvPr/>
+        </p:nvSpPr>
+        <p:spPr>
+          <a:xfrm>
+            <a:off x="2621782" y="6284981"/>
+            <a:ext cx="455574" cy="369332"/>
+          </a:xfrm>
+          <a:prstGeom prst="rect">
+            <a:avLst/>
+          </a:prstGeom>
+          <a:noFill/>
+        </p:spPr>
+        <p:txBody>
+          <a:bodyPr wrap="none" rtlCol="0">
+            <a:spAutoFit/>
+          </a:bodyPr>
+          <a:lstStyle/>
+          <a:p>
+            <a:r>
+              <a:rPr lang="fr-FR" dirty="0" smtClean="0"/>
+              <a:t>No</a:t>
+            </a:r>
+            <a:endParaRPr lang="fr-FR" dirty="0"/>
+          </a:p>
+        </p:txBody>
+      </p:sp>
+      <p:sp>
+        <p:nvSpPr>
+          <p:cNvPr id="54" name="Rectangle 53"/>
+          <p:cNvSpPr/>
+          <p:nvPr/>
+        </p:nvSpPr>
+        <p:spPr>
+          <a:xfrm>
+            <a:off x="3459230" y="6127166"/>
+            <a:ext cx="1698655" cy="546646"/>
+          </a:xfrm>
+          <a:prstGeom prst="rect">
+            <a:avLst/>
+          </a:prstGeom>
+        </p:spPr>
+        <p:style>
+          <a:lnRef idx="2">
+            <a:schemeClr val="accent1">
+              <a:shade val="50000"/>
+            </a:schemeClr>
+          </a:lnRef>
+          <a:fillRef idx="1">
+            <a:schemeClr val="accent1"/>
+          </a:fillRef>
+          <a:effectRef idx="0">
+            <a:schemeClr val="accent1"/>
+          </a:effectRef>
+          <a:fontRef idx="minor">
+            <a:schemeClr val="lt1"/>
+          </a:fontRef>
+        </p:style>
+        <p:txBody>
+          <a:bodyPr rtlCol="0" anchor="ctr"/>
+          <a:lstStyle/>
+          <a:p>
+            <a:pPr algn="ctr"/>
+            <a:r>
+              <a:rPr lang="en-US" dirty="0" smtClean="0"/>
+              <a:t>Deny status</a:t>
+            </a:r>
+            <a:endParaRPr lang="fr-FR" dirty="0"/>
+          </a:p>
+        </p:txBody>
+      </p:sp>
+      <p:cxnSp>
+        <p:nvCxnSpPr>
+          <p:cNvPr id="47" name="Elbow Connector 46"/>
+          <p:cNvCxnSpPr>
+            <a:stCxn id="27" idx="2"/>
+            <a:endCxn id="54" idx="1"/>
+          </p:cNvCxnSpPr>
+          <p:nvPr/>
+        </p:nvCxnSpPr>
+        <p:spPr>
+          <a:xfrm rot="16200000" flipH="1">
+            <a:off x="2387998" y="5329257"/>
+            <a:ext cx="144200" cy="1998264"/>
+          </a:xfrm>
+          <a:prstGeom prst="bentConnector2">
             <a:avLst/>
           </a:prstGeom>
           <a:ln>
@@ -4873,7 +5299,7 @@
     </p:spTree>
     <p:extLst>
       <p:ext uri="{BB962C8B-B14F-4D97-AF65-F5344CB8AC3E}">
-        <p14:creationId xmlns:p14="http://schemas.microsoft.com/office/powerpoint/2010/main" val="2858456203"/>
+        <p14:creationId xmlns:p14="http://schemas.microsoft.com/office/powerpoint/2010/main" val="1412578761"/>
       </p:ext>
     </p:extLst>
   </p:cSld>
@@ -4909,7 +5335,7 @@
       </p:grpSpPr>
       <p:sp>
         <p:nvSpPr>
-          <p:cNvPr id="2" name="Title 1"/>
+          <p:cNvPr id="28" name="Title 27"/>
           <p:cNvSpPr>
             <a:spLocks noGrp="1"/>
           </p:cNvSpPr>
@@ -4917,14 +5343,35 @@
             <p:ph type="title"/>
           </p:nvPr>
         </p:nvSpPr>
-        <p:spPr/>
+        <p:spPr>
+          <a:xfrm>
+            <a:off x="809210" y="112938"/>
+            <a:ext cx="10515600" cy="1325563"/>
+          </a:xfrm>
+        </p:spPr>
         <p:txBody>
           <a:bodyPr/>
           <a:lstStyle/>
           <a:p>
             <a:r>
               <a:rPr lang="fr-FR" dirty="0" smtClean="0"/>
-              <a:t>Test flow</a:t>
+              <a:t>First </a:t>
+            </a:r>
+            <a:r>
+              <a:rPr lang="fr-FR" dirty="0" err="1" smtClean="0"/>
+              <a:t>experience</a:t>
+            </a:r>
+            <a:r>
+              <a:rPr lang="fr-FR" dirty="0" smtClean="0"/>
+              <a:t> flow </a:t>
+            </a:r>
+            <a:r>
+              <a:rPr lang="fr-FR" altLang="zh-CN" dirty="0" smtClean="0"/>
+              <a:t>– </a:t>
+            </a:r>
+            <a:r>
+              <a:rPr lang="zh-CN" altLang="fr-FR" dirty="0" smtClean="0"/>
+              <a:t>非本班级请求</a:t>
             </a:r>
             <a:endParaRPr lang="fr-FR" dirty="0"/>
           </a:p>
@@ -4932,14 +5379,14 @@
       </p:sp>
       <p:sp>
         <p:nvSpPr>
-          <p:cNvPr id="3" name="Rectangle 2"/>
+          <p:cNvPr id="71" name="Rectangle 70"/>
           <p:cNvSpPr/>
           <p:nvPr/>
         </p:nvSpPr>
         <p:spPr>
           <a:xfrm>
-            <a:off x="838200" y="2407603"/>
-            <a:ext cx="1597152" cy="755904"/>
+            <a:off x="7553368" y="1784294"/>
+            <a:ext cx="1722189" cy="924913"/>
           </a:xfrm>
           <a:prstGeom prst="rect">
             <a:avLst/>
@@ -4968,7 +5415,19 @@
             <a:pPr algn="ctr"/>
             <a:r>
               <a:rPr lang="fr-FR" dirty="0" smtClean="0"/>
-              <a:t>Select Test tab</a:t>
+              <a:t>Install/</a:t>
+            </a:r>
+            <a:r>
+              <a:rPr lang="fr-FR" dirty="0" err="1" smtClean="0"/>
+              <a:t>launch</a:t>
+            </a:r>
+            <a:r>
+              <a:rPr lang="fr-FR" dirty="0" smtClean="0"/>
+              <a:t> </a:t>
+            </a:r>
+            <a:r>
+              <a:rPr lang="fr-FR" dirty="0" err="1" smtClean="0"/>
+              <a:t>app</a:t>
             </a:r>
             <a:endParaRPr lang="fr-FR" dirty="0"/>
           </a:p>
@@ -4976,14 +5435,14 @@
       </p:sp>
       <p:sp>
         <p:nvSpPr>
-          <p:cNvPr id="4" name="Rectangle 3"/>
+          <p:cNvPr id="72" name="Rectangle 71"/>
           <p:cNvSpPr/>
           <p:nvPr/>
         </p:nvSpPr>
         <p:spPr>
           <a:xfrm>
-            <a:off x="3007632" y="2292127"/>
-            <a:ext cx="1871506" cy="1024066"/>
+            <a:off x="9784920" y="3362841"/>
+            <a:ext cx="2175576" cy="1063752"/>
           </a:xfrm>
           <a:prstGeom prst="rect">
             <a:avLst/>
@@ -5012,23 +5471,15 @@
             <a:pPr algn="ctr"/>
             <a:r>
               <a:rPr lang="fr-FR" dirty="0" smtClean="0"/>
-              <a:t>Select a </a:t>
-            </a:r>
-            <a:r>
-              <a:rPr lang="fr-FR" dirty="0" err="1" smtClean="0"/>
-              <a:t>sequence</a:t>
-            </a:r>
-            <a:r>
-              <a:rPr lang="fr-FR" dirty="0" smtClean="0"/>
-              <a:t> of </a:t>
-            </a:r>
-            <a:r>
-              <a:rPr lang="fr-FR" dirty="0" err="1" smtClean="0"/>
-              <a:t>exercises</a:t>
-            </a:r>
-            <a:r>
-              <a:rPr lang="fr-FR" dirty="0" smtClean="0"/>
-              <a:t> or an exam </a:t>
+              <a:t>Input </a:t>
+            </a:r>
+            <a:r>
+              <a:rPr lang="fr-FR" dirty="0" err="1" smtClean="0"/>
+              <a:t>wechat</a:t>
+            </a:r>
+            <a:r>
+              <a:rPr lang="fr-FR" dirty="0" smtClean="0"/>
+              <a:t> Id or Mobile# and Name</a:t>
             </a:r>
             <a:endParaRPr lang="fr-FR" dirty="0"/>
           </a:p>
@@ -5036,18 +5487,23 @@
       </p:sp>
       <p:sp>
         <p:nvSpPr>
-          <p:cNvPr id="5" name="Rectangle 4"/>
+          <p:cNvPr id="73" name="Rectangle 72"/>
           <p:cNvSpPr/>
           <p:nvPr/>
         </p:nvSpPr>
         <p:spPr>
           <a:xfrm>
-            <a:off x="5274530" y="2413954"/>
-            <a:ext cx="1597152" cy="755904"/>
+            <a:off x="3821141" y="1640961"/>
+            <a:ext cx="2520764" cy="1213104"/>
           </a:xfrm>
           <a:prstGeom prst="rect">
             <a:avLst/>
           </a:prstGeom>
+          <a:solidFill>
+            <a:schemeClr val="accent2">
+              <a:lumMod val="75000"/>
+            </a:schemeClr>
+          </a:solidFill>
         </p:spPr>
         <p:style>
           <a:lnRef idx="2">
@@ -5071,26 +5527,130 @@
           <a:p>
             <a:pPr algn="ctr"/>
             <a:r>
-              <a:rPr lang="fr-FR" dirty="0" smtClean="0"/>
-              <a:t>Start/Restart </a:t>
-            </a:r>
-            <a:r>
-              <a:rPr lang="fr-FR" dirty="0" err="1" smtClean="0"/>
-              <a:t>exercises</a:t>
-            </a:r>
-            <a:endParaRPr lang="fr-FR" dirty="0"/>
-          </a:p>
-        </p:txBody>
-      </p:sp>
-      <p:sp>
-        <p:nvSpPr>
-          <p:cNvPr id="6" name="Rectangle 5"/>
+              <a:rPr lang="fr-FR" altLang="zh-CN" dirty="0" err="1" smtClean="0"/>
+              <a:t>Student</a:t>
+            </a:r>
+            <a:r>
+              <a:rPr lang="fr-FR" altLang="zh-CN" dirty="0" smtClean="0"/>
+              <a:t> B </a:t>
+            </a:r>
+            <a:r>
+              <a:rPr lang="fr-FR" altLang="zh-CN" dirty="0" err="1" smtClean="0"/>
+              <a:t>goes</a:t>
+            </a:r>
+            <a:r>
+              <a:rPr lang="fr-FR" altLang="zh-CN" dirty="0" smtClean="0"/>
+              <a:t> to web site to </a:t>
+            </a:r>
+            <a:r>
+              <a:rPr lang="fr-FR" altLang="zh-CN" dirty="0" err="1" smtClean="0"/>
+              <a:t>download</a:t>
+            </a:r>
+            <a:r>
+              <a:rPr lang="fr-FR" altLang="zh-CN" dirty="0" smtClean="0"/>
+              <a:t>/</a:t>
+            </a:r>
+            <a:r>
+              <a:rPr lang="fr-FR" altLang="zh-CN" dirty="0" err="1" smtClean="0"/>
+              <a:t>install</a:t>
+            </a:r>
+            <a:r>
+              <a:rPr lang="fr-FR" altLang="zh-CN" dirty="0" smtClean="0"/>
+              <a:t> </a:t>
+            </a:r>
+            <a:r>
+              <a:rPr lang="fr-FR" altLang="zh-CN" dirty="0" err="1" smtClean="0"/>
+              <a:t>apk</a:t>
+            </a:r>
+            <a:r>
+              <a:rPr lang="fr-FR" altLang="zh-CN" dirty="0" smtClean="0"/>
+              <a:t> or scan QR code</a:t>
+            </a:r>
+            <a:endParaRPr lang="fr-FR" dirty="0" smtClean="0"/>
+          </a:p>
+        </p:txBody>
+      </p:sp>
+      <p:cxnSp>
+        <p:nvCxnSpPr>
+          <p:cNvPr id="74" name="Straight Arrow Connector 73"/>
+          <p:cNvCxnSpPr>
+            <a:stCxn id="73" idx="3"/>
+            <a:endCxn id="71" idx="1"/>
+          </p:cNvCxnSpPr>
+          <p:nvPr/>
+        </p:nvCxnSpPr>
+        <p:spPr>
+          <a:xfrm flipV="1">
+            <a:off x="6341905" y="2246751"/>
+            <a:ext cx="1211463" cy="762"/>
+          </a:xfrm>
+          <a:prstGeom prst="straightConnector1">
+            <a:avLst/>
+          </a:prstGeom>
+          <a:ln>
+            <a:tailEnd type="triangle"/>
+          </a:ln>
+        </p:spPr>
+        <p:style>
+          <a:lnRef idx="1">
+            <a:schemeClr val="accent1"/>
+          </a:lnRef>
+          <a:fillRef idx="0">
+            <a:schemeClr val="accent1"/>
+          </a:fillRef>
+          <a:effectRef idx="0">
+            <a:schemeClr val="accent1"/>
+          </a:effectRef>
+          <a:fontRef idx="minor">
+            <a:schemeClr val="tx1"/>
+          </a:fontRef>
+        </p:style>
+      </p:cxnSp>
+      <p:cxnSp>
+        <p:nvCxnSpPr>
+          <p:cNvPr id="75" name="Straight Arrow Connector 74"/>
+          <p:cNvCxnSpPr>
+            <a:stCxn id="71" idx="3"/>
+            <a:endCxn id="76" idx="1"/>
+          </p:cNvCxnSpPr>
+          <p:nvPr/>
+        </p:nvCxnSpPr>
+        <p:spPr>
+          <a:xfrm>
+            <a:off x="9275557" y="2246751"/>
+            <a:ext cx="798575" cy="762"/>
+          </a:xfrm>
+          <a:prstGeom prst="straightConnector1">
+            <a:avLst/>
+          </a:prstGeom>
+          <a:ln>
+            <a:tailEnd type="triangle"/>
+          </a:ln>
+        </p:spPr>
+        <p:style>
+          <a:lnRef idx="1">
+            <a:schemeClr val="accent1"/>
+          </a:lnRef>
+          <a:fillRef idx="0">
+            <a:schemeClr val="accent1"/>
+          </a:fillRef>
+          <a:effectRef idx="0">
+            <a:schemeClr val="accent1"/>
+          </a:effectRef>
+          <a:fontRef idx="minor">
+            <a:schemeClr val="tx1"/>
+          </a:fontRef>
+        </p:style>
+      </p:cxnSp>
+      <p:sp>
+        <p:nvSpPr>
+          <p:cNvPr id="76" name="Rectangle 75"/>
           <p:cNvSpPr/>
           <p:nvPr/>
         </p:nvSpPr>
         <p:spPr>
           <a:xfrm>
-            <a:off x="5274530" y="4518854"/>
+            <a:off x="10074132" y="1869561"/>
             <a:ext cx="1597152" cy="755904"/>
           </a:xfrm>
           <a:prstGeom prst="rect">
@@ -5120,24 +5680,68 @@
             <a:pPr algn="ctr"/>
             <a:r>
               <a:rPr lang="fr-FR" dirty="0" smtClean="0"/>
-              <a:t>Pause or Exit</a:t>
+              <a:t>Select </a:t>
+            </a:r>
+            <a:r>
+              <a:rPr lang="fr-FR" dirty="0" err="1" smtClean="0"/>
+              <a:t>Sign</a:t>
+            </a:r>
+            <a:r>
+              <a:rPr lang="fr-FR" dirty="0" smtClean="0"/>
+              <a:t>-up</a:t>
             </a:r>
             <a:endParaRPr lang="fr-FR" dirty="0"/>
           </a:p>
         </p:txBody>
       </p:sp>
-      <p:sp>
-        <p:nvSpPr>
-          <p:cNvPr id="7" name="Rectangle 6"/>
+      <p:cxnSp>
+        <p:nvCxnSpPr>
+          <p:cNvPr id="77" name="Straight Arrow Connector 76"/>
+          <p:cNvCxnSpPr>
+            <a:stCxn id="76" idx="2"/>
+            <a:endCxn id="72" idx="0"/>
+          </p:cNvCxnSpPr>
+          <p:nvPr/>
+        </p:nvCxnSpPr>
+        <p:spPr>
+          <a:xfrm>
+            <a:off x="10872708" y="2625465"/>
+            <a:ext cx="0" cy="737376"/>
+          </a:xfrm>
+          <a:prstGeom prst="straightConnector1">
+            <a:avLst/>
+          </a:prstGeom>
+          <a:ln>
+            <a:tailEnd type="triangle"/>
+          </a:ln>
+        </p:spPr>
+        <p:style>
+          <a:lnRef idx="1">
+            <a:schemeClr val="accent1"/>
+          </a:lnRef>
+          <a:fillRef idx="0">
+            <a:schemeClr val="accent1"/>
+          </a:fillRef>
+          <a:effectRef idx="0">
+            <a:schemeClr val="accent1"/>
+          </a:effectRef>
+          <a:fontRef idx="minor">
+            <a:schemeClr val="tx1"/>
+          </a:fontRef>
+        </p:style>
+      </p:cxnSp>
+      <p:sp>
+        <p:nvSpPr>
+          <p:cNvPr id="78" name="Diamond 77"/>
           <p:cNvSpPr/>
           <p:nvPr/>
         </p:nvSpPr>
         <p:spPr>
           <a:xfrm>
-            <a:off x="7857642" y="4518854"/>
-            <a:ext cx="1597152" cy="755904"/>
-          </a:xfrm>
-          <a:prstGeom prst="rect">
+            <a:off x="3187711" y="3111381"/>
+            <a:ext cx="2241696" cy="1566671"/>
+          </a:xfrm>
+          <a:prstGeom prst="diamond">
             <a:avLst/>
           </a:prstGeom>
         </p:spPr>
@@ -5163,23 +5767,67 @@
           <a:p>
             <a:pPr algn="ctr"/>
             <a:r>
-              <a:rPr lang="fr-FR" dirty="0" err="1" smtClean="0"/>
-              <a:t>Resume</a:t>
+              <a:rPr lang="fr-FR" dirty="0" smtClean="0"/>
+              <a:t>Auto-</a:t>
+            </a:r>
+            <a:r>
+              <a:rPr lang="fr-FR" dirty="0" err="1" smtClean="0"/>
+              <a:t>approve</a:t>
+            </a:r>
+            <a:r>
+              <a:rPr lang="fr-FR" dirty="0"/>
+              <a:t>?</a:t>
             </a:r>
             <a:endParaRPr lang="fr-FR" dirty="0"/>
           </a:p>
         </p:txBody>
       </p:sp>
-      <p:sp>
-        <p:nvSpPr>
-          <p:cNvPr id="8" name="Rectangle 7"/>
+      <p:cxnSp>
+        <p:nvCxnSpPr>
+          <p:cNvPr id="79" name="Straight Arrow Connector 78"/>
+          <p:cNvCxnSpPr>
+            <a:stCxn id="72" idx="1"/>
+            <a:endCxn id="88" idx="3"/>
+          </p:cNvCxnSpPr>
+          <p:nvPr/>
+        </p:nvCxnSpPr>
+        <p:spPr>
+          <a:xfrm flipH="1" flipV="1">
+            <a:off x="8651997" y="3886131"/>
+            <a:ext cx="1132923" cy="8586"/>
+          </a:xfrm>
+          <a:prstGeom prst="straightConnector1">
+            <a:avLst/>
+          </a:prstGeom>
+          <a:ln>
+            <a:tailEnd type="triangle"/>
+          </a:ln>
+        </p:spPr>
+        <p:style>
+          <a:lnRef idx="1">
+            <a:schemeClr val="accent1"/>
+          </a:lnRef>
+          <a:fillRef idx="0">
+            <a:schemeClr val="accent1"/>
+          </a:fillRef>
+          <a:effectRef idx="0">
+            <a:schemeClr val="accent1"/>
+          </a:effectRef>
+          <a:fontRef idx="minor">
+            <a:schemeClr val="tx1"/>
+          </a:fontRef>
+        </p:style>
+      </p:cxnSp>
+      <p:sp>
+        <p:nvSpPr>
+          <p:cNvPr id="80" name="Rectangle 79"/>
           <p:cNvSpPr/>
           <p:nvPr/>
         </p:nvSpPr>
         <p:spPr>
           <a:xfrm>
-            <a:off x="7857642" y="2426208"/>
-            <a:ext cx="1597152" cy="755904"/>
+            <a:off x="350959" y="3514170"/>
+            <a:ext cx="2220014" cy="805260"/>
           </a:xfrm>
           <a:prstGeom prst="rect">
             <a:avLst/>
@@ -5207,27 +5855,59 @@
           <a:p>
             <a:pPr algn="ctr"/>
             <a:r>
-              <a:rPr lang="fr-FR" dirty="0" smtClean="0"/>
-              <a:t>Complete all and </a:t>
-            </a:r>
-            <a:r>
-              <a:rPr lang="fr-FR" dirty="0" err="1" smtClean="0"/>
-              <a:t>submit</a:t>
+              <a:rPr lang="en-US" dirty="0" smtClean="0"/>
+              <a:t>Download inbox and test </a:t>
             </a:r>
             <a:endParaRPr lang="fr-FR" dirty="0"/>
           </a:p>
         </p:txBody>
       </p:sp>
-      <p:sp>
-        <p:nvSpPr>
-          <p:cNvPr id="9" name="Rectangle 8"/>
+      <p:cxnSp>
+        <p:nvCxnSpPr>
+          <p:cNvPr id="81" name="Straight Arrow Connector 80"/>
+          <p:cNvCxnSpPr>
+            <a:stCxn id="78" idx="1"/>
+            <a:endCxn id="80" idx="3"/>
+          </p:cNvCxnSpPr>
+          <p:nvPr/>
+        </p:nvCxnSpPr>
+        <p:spPr>
+          <a:xfrm flipH="1">
+            <a:off x="2570973" y="3894717"/>
+            <a:ext cx="616738" cy="22083"/>
+          </a:xfrm>
+          <a:prstGeom prst="straightConnector1">
+            <a:avLst/>
+          </a:prstGeom>
+          <a:ln>
+            <a:tailEnd type="triangle"/>
+          </a:ln>
+        </p:spPr>
+        <p:style>
+          <a:lnRef idx="1">
+            <a:schemeClr val="accent1"/>
+          </a:lnRef>
+          <a:fillRef idx="0">
+            <a:schemeClr val="accent1"/>
+          </a:fillRef>
+          <a:effectRef idx="0">
+            <a:schemeClr val="accent1"/>
+          </a:effectRef>
+          <a:fontRef idx="minor">
+            <a:schemeClr val="tx1"/>
+          </a:fontRef>
+        </p:style>
+      </p:cxnSp>
+      <p:sp>
+        <p:nvSpPr>
+          <p:cNvPr id="82" name="Rectangle 81"/>
           <p:cNvSpPr/>
           <p:nvPr/>
         </p:nvSpPr>
         <p:spPr>
           <a:xfrm>
-            <a:off x="10274774" y="2413954"/>
-            <a:ext cx="1597152" cy="755904"/>
+            <a:off x="3459231" y="5318888"/>
+            <a:ext cx="1698655" cy="546646"/>
           </a:xfrm>
           <a:prstGeom prst="rect">
             <a:avLst/>
@@ -5255,12 +5935,8 @@
           <a:p>
             <a:pPr algn="ctr"/>
             <a:r>
-              <a:rPr lang="fr-FR" dirty="0" smtClean="0"/>
-              <a:t>Check score and </a:t>
-            </a:r>
-            <a:r>
-              <a:rPr lang="fr-FR" dirty="0" err="1" smtClean="0"/>
-              <a:t>answers</a:t>
+              <a:rPr lang="en-US" dirty="0" smtClean="0"/>
+              <a:t>Pending status</a:t>
             </a:r>
             <a:endParaRPr lang="fr-FR" dirty="0"/>
           </a:p>
@@ -5268,17 +5944,17 @@
       </p:sp>
       <p:cxnSp>
         <p:nvCxnSpPr>
-          <p:cNvPr id="11" name="Straight Arrow Connector 10"/>
+          <p:cNvPr id="83" name="Straight Arrow Connector 82"/>
           <p:cNvCxnSpPr>
-            <a:stCxn id="3" idx="3"/>
-            <a:endCxn id="4" idx="1"/>
+            <a:stCxn id="78" idx="2"/>
+            <a:endCxn id="82" idx="0"/>
           </p:cNvCxnSpPr>
           <p:nvPr/>
         </p:nvCxnSpPr>
         <p:spPr>
           <a:xfrm>
-            <a:off x="2435352" y="2785555"/>
-            <a:ext cx="572280" cy="18605"/>
+            <a:off x="4308559" y="4678052"/>
+            <a:ext cx="0" cy="640836"/>
           </a:xfrm>
           <a:prstGeom prst="straightConnector1">
             <a:avLst/>
@@ -5302,19 +5978,156 @@
           </a:fontRef>
         </p:style>
       </p:cxnSp>
+      <p:sp>
+        <p:nvSpPr>
+          <p:cNvPr id="84" name="TextBox 83"/>
+          <p:cNvSpPr txBox="1"/>
+          <p:nvPr/>
+        </p:nvSpPr>
+        <p:spPr>
+          <a:xfrm>
+            <a:off x="2636583" y="3886131"/>
+            <a:ext cx="485518" cy="369332"/>
+          </a:xfrm>
+          <a:prstGeom prst="rect">
+            <a:avLst/>
+          </a:prstGeom>
+          <a:noFill/>
+        </p:spPr>
+        <p:txBody>
+          <a:bodyPr wrap="none" rtlCol="0">
+            <a:spAutoFit/>
+          </a:bodyPr>
+          <a:lstStyle/>
+          <a:p>
+            <a:r>
+              <a:rPr lang="fr-FR" dirty="0" err="1" smtClean="0"/>
+              <a:t>Yes</a:t>
+            </a:r>
+            <a:endParaRPr lang="fr-FR" dirty="0"/>
+          </a:p>
+        </p:txBody>
+      </p:sp>
+      <p:sp>
+        <p:nvSpPr>
+          <p:cNvPr id="85" name="TextBox 84"/>
+          <p:cNvSpPr txBox="1"/>
+          <p:nvPr/>
+        </p:nvSpPr>
+        <p:spPr>
+          <a:xfrm>
+            <a:off x="4308559" y="4743468"/>
+            <a:ext cx="455574" cy="369332"/>
+          </a:xfrm>
+          <a:prstGeom prst="rect">
+            <a:avLst/>
+          </a:prstGeom>
+          <a:noFill/>
+        </p:spPr>
+        <p:txBody>
+          <a:bodyPr wrap="none" rtlCol="0">
+            <a:spAutoFit/>
+          </a:bodyPr>
+          <a:lstStyle/>
+          <a:p>
+            <a:r>
+              <a:rPr lang="fr-FR" dirty="0" smtClean="0"/>
+              <a:t>No</a:t>
+            </a:r>
+            <a:endParaRPr lang="fr-FR" dirty="0"/>
+          </a:p>
+        </p:txBody>
+      </p:sp>
+      <p:sp>
+        <p:nvSpPr>
+          <p:cNvPr id="86" name="Rectangle 85"/>
+          <p:cNvSpPr/>
+          <p:nvPr/>
+        </p:nvSpPr>
+        <p:spPr>
+          <a:xfrm>
+            <a:off x="350959" y="1718995"/>
+            <a:ext cx="2609088" cy="1093922"/>
+          </a:xfrm>
+          <a:prstGeom prst="rect">
+            <a:avLst/>
+          </a:prstGeom>
+          <a:solidFill>
+            <a:schemeClr val="accent2">
+              <a:lumMod val="75000"/>
+            </a:schemeClr>
+          </a:solidFill>
+        </p:spPr>
+        <p:style>
+          <a:lnRef idx="2">
+            <a:schemeClr val="accent1">
+              <a:shade val="50000"/>
+            </a:schemeClr>
+          </a:lnRef>
+          <a:fillRef idx="1">
+            <a:schemeClr val="accent1"/>
+          </a:fillRef>
+          <a:effectRef idx="0">
+            <a:schemeClr val="accent1"/>
+          </a:effectRef>
+          <a:fontRef idx="minor">
+            <a:schemeClr val="lt1"/>
+          </a:fontRef>
+        </p:style>
+        <p:txBody>
+          <a:bodyPr rtlCol="0" anchor="ctr"/>
+          <a:lstStyle/>
+          <a:p>
+            <a:pPr algn="ctr"/>
+            <a:r>
+              <a:rPr lang="fr-FR" dirty="0" err="1" smtClean="0"/>
+              <a:t>Student</a:t>
+            </a:r>
+            <a:r>
+              <a:rPr lang="fr-FR" dirty="0" smtClean="0"/>
+              <a:t> A </a:t>
+            </a:r>
+            <a:r>
+              <a:rPr lang="fr-FR" dirty="0" err="1" smtClean="0"/>
+              <a:t>recommends</a:t>
+            </a:r>
+            <a:r>
+              <a:rPr lang="fr-FR" dirty="0" smtClean="0"/>
+              <a:t> to </a:t>
+            </a:r>
+            <a:r>
+              <a:rPr lang="fr-FR" dirty="0" err="1" smtClean="0"/>
+              <a:t>student</a:t>
+            </a:r>
+            <a:r>
+              <a:rPr lang="fr-FR" dirty="0" smtClean="0"/>
+              <a:t> B </a:t>
+            </a:r>
+            <a:r>
+              <a:rPr lang="fr-FR" dirty="0" err="1" smtClean="0"/>
+              <a:t>with</a:t>
+            </a:r>
+            <a:r>
+              <a:rPr lang="fr-FR" dirty="0" smtClean="0"/>
+              <a:t> class code</a:t>
+            </a:r>
+            <a:endParaRPr lang="fr-FR" dirty="0"/>
+          </a:p>
+        </p:txBody>
+      </p:sp>
       <p:cxnSp>
         <p:nvCxnSpPr>
-          <p:cNvPr id="13" name="Straight Arrow Connector 12"/>
+          <p:cNvPr id="87" name="Straight Arrow Connector 86"/>
           <p:cNvCxnSpPr>
-            <a:stCxn id="4" idx="3"/>
-            <a:endCxn id="5" idx="1"/>
+            <a:stCxn id="86" idx="3"/>
+            <a:endCxn id="73" idx="1"/>
           </p:cNvCxnSpPr>
           <p:nvPr/>
         </p:nvCxnSpPr>
         <p:spPr>
           <a:xfrm flipV="1">
-            <a:off x="4879138" y="2791906"/>
-            <a:ext cx="395392" cy="12254"/>
+            <a:off x="2960047" y="2247513"/>
+            <a:ext cx="861094" cy="18443"/>
           </a:xfrm>
           <a:prstGeom prst="straightConnector1">
             <a:avLst/>
@@ -5338,19 +6151,107 @@
           </a:fontRef>
         </p:style>
       </p:cxnSp>
+      <p:sp>
+        <p:nvSpPr>
+          <p:cNvPr id="88" name="Rectangle 87"/>
+          <p:cNvSpPr/>
+          <p:nvPr/>
+        </p:nvSpPr>
+        <p:spPr>
+          <a:xfrm>
+            <a:off x="6476421" y="3354255"/>
+            <a:ext cx="2175576" cy="1063752"/>
+          </a:xfrm>
+          <a:prstGeom prst="rect">
+            <a:avLst/>
+          </a:prstGeom>
+        </p:spPr>
+        <p:style>
+          <a:lnRef idx="2">
+            <a:schemeClr val="accent1">
+              <a:shade val="50000"/>
+            </a:schemeClr>
+          </a:lnRef>
+          <a:fillRef idx="1">
+            <a:schemeClr val="accent1"/>
+          </a:fillRef>
+          <a:effectRef idx="0">
+            <a:schemeClr val="accent1"/>
+          </a:effectRef>
+          <a:fontRef idx="minor">
+            <a:schemeClr val="lt1"/>
+          </a:fontRef>
+        </p:style>
+        <p:txBody>
+          <a:bodyPr rtlCol="0" anchor="ctr"/>
+          <a:lstStyle/>
+          <a:p>
+            <a:pPr algn="ctr"/>
+            <a:r>
+              <a:rPr lang="fr-FR" dirty="0" err="1" smtClean="0"/>
+              <a:t>Request</a:t>
+            </a:r>
+            <a:r>
+              <a:rPr lang="fr-FR" dirty="0" smtClean="0"/>
+              <a:t> to </a:t>
+            </a:r>
+            <a:r>
+              <a:rPr lang="fr-FR" dirty="0" err="1" smtClean="0"/>
+              <a:t>join</a:t>
+            </a:r>
+            <a:r>
+              <a:rPr lang="fr-FR" dirty="0" smtClean="0"/>
+              <a:t> the class </a:t>
+            </a:r>
+            <a:r>
+              <a:rPr lang="fr-FR" dirty="0" err="1" smtClean="0"/>
+              <a:t>with</a:t>
+            </a:r>
+            <a:r>
+              <a:rPr lang="fr-FR" dirty="0" smtClean="0"/>
+              <a:t> class code </a:t>
+            </a:r>
+            <a:r>
+              <a:rPr lang="fr-FR" dirty="0" err="1" smtClean="0"/>
+              <a:t>shared</a:t>
+            </a:r>
+            <a:r>
+              <a:rPr lang="fr-FR" dirty="0" smtClean="0"/>
+              <a:t> </a:t>
+            </a:r>
+            <a:r>
+              <a:rPr lang="fr-FR" dirty="0" err="1" smtClean="0"/>
+              <a:t>from</a:t>
+            </a:r>
+            <a:r>
+              <a:rPr lang="fr-FR" dirty="0" smtClean="0"/>
+              <a:t> </a:t>
+            </a:r>
+            <a:r>
+              <a:rPr lang="fr-FR" dirty="0" err="1" smtClean="0"/>
+              <a:t>student</a:t>
+            </a:r>
+            <a:r>
+              <a:rPr lang="fr-FR" dirty="0" smtClean="0"/>
+              <a:t> A</a:t>
+            </a:r>
+            <a:endParaRPr lang="fr-FR" dirty="0"/>
+          </a:p>
+        </p:txBody>
+      </p:sp>
       <p:cxnSp>
         <p:nvCxnSpPr>
-          <p:cNvPr id="15" name="Straight Arrow Connector 14"/>
+          <p:cNvPr id="89" name="Straight Arrow Connector 88"/>
           <p:cNvCxnSpPr>
-            <a:stCxn id="5" idx="2"/>
-            <a:endCxn id="6" idx="0"/>
+            <a:stCxn id="88" idx="1"/>
+            <a:endCxn id="78" idx="3"/>
           </p:cNvCxnSpPr>
           <p:nvPr/>
         </p:nvCxnSpPr>
         <p:spPr>
-          <a:xfrm>
-            <a:off x="6073106" y="3169858"/>
-            <a:ext cx="0" cy="1348996"/>
+          <a:xfrm flipH="1">
+            <a:off x="5429407" y="3886131"/>
+            <a:ext cx="1047014" cy="8586"/>
           </a:xfrm>
           <a:prstGeom prst="straightConnector1">
             <a:avLst/>
@@ -5374,19 +6275,71 @@
           </a:fontRef>
         </p:style>
       </p:cxnSp>
+      <p:sp>
+        <p:nvSpPr>
+          <p:cNvPr id="90" name="Diamond 89"/>
+          <p:cNvSpPr/>
+          <p:nvPr/>
+        </p:nvSpPr>
+        <p:spPr>
+          <a:xfrm>
+            <a:off x="252943" y="4928134"/>
+            <a:ext cx="2416046" cy="1328155"/>
+          </a:xfrm>
+          <a:prstGeom prst="diamond">
+            <a:avLst/>
+          </a:prstGeom>
+        </p:spPr>
+        <p:style>
+          <a:lnRef idx="2">
+            <a:schemeClr val="accent1">
+              <a:shade val="50000"/>
+            </a:schemeClr>
+          </a:lnRef>
+          <a:fillRef idx="1">
+            <a:schemeClr val="accent1"/>
+          </a:fillRef>
+          <a:effectRef idx="0">
+            <a:schemeClr val="accent1"/>
+          </a:effectRef>
+          <a:fontRef idx="minor">
+            <a:schemeClr val="lt1"/>
+          </a:fontRef>
+        </p:style>
+        <p:txBody>
+          <a:bodyPr rtlCol="0" anchor="ctr"/>
+          <a:lstStyle/>
+          <a:p>
+            <a:pPr algn="ctr"/>
+            <a:r>
+              <a:rPr lang="fr-FR" dirty="0" smtClean="0"/>
+              <a:t>Teacher </a:t>
+            </a:r>
+            <a:r>
+              <a:rPr lang="fr-FR" dirty="0" err="1" smtClean="0"/>
+              <a:t>approve</a:t>
+            </a:r>
+            <a:r>
+              <a:rPr lang="fr-FR" dirty="0" smtClean="0"/>
+              <a:t>?</a:t>
+            </a:r>
+            <a:endParaRPr lang="fr-FR" dirty="0"/>
+          </a:p>
+        </p:txBody>
+      </p:sp>
       <p:cxnSp>
         <p:nvCxnSpPr>
-          <p:cNvPr id="17" name="Straight Arrow Connector 16"/>
+          <p:cNvPr id="91" name="Straight Arrow Connector 90"/>
           <p:cNvCxnSpPr>
-            <a:stCxn id="6" idx="3"/>
-            <a:endCxn id="7" idx="1"/>
+            <a:stCxn id="82" idx="1"/>
+            <a:endCxn id="90" idx="3"/>
           </p:cNvCxnSpPr>
           <p:nvPr/>
         </p:nvCxnSpPr>
         <p:spPr>
-          <a:xfrm>
-            <a:off x="6871682" y="4896806"/>
-            <a:ext cx="985960" cy="0"/>
+          <a:xfrm flipH="1">
+            <a:off x="2668989" y="5592211"/>
+            <a:ext cx="790242" cy="1"/>
           </a:xfrm>
           <a:prstGeom prst="straightConnector1">
             <a:avLst/>
@@ -5412,17 +6365,17 @@
       </p:cxnSp>
       <p:cxnSp>
         <p:nvCxnSpPr>
-          <p:cNvPr id="19" name="Straight Arrow Connector 18"/>
+          <p:cNvPr id="92" name="Straight Arrow Connector 91"/>
           <p:cNvCxnSpPr>
-            <a:stCxn id="5" idx="3"/>
-            <a:endCxn id="8" idx="1"/>
+            <a:stCxn id="90" idx="0"/>
+            <a:endCxn id="80" idx="2"/>
           </p:cNvCxnSpPr>
           <p:nvPr/>
         </p:nvCxnSpPr>
         <p:spPr>
-          <a:xfrm>
-            <a:off x="6871682" y="2791906"/>
-            <a:ext cx="985960" cy="12254"/>
+          <a:xfrm flipV="1">
+            <a:off x="1460966" y="4319430"/>
+            <a:ext cx="0" cy="608704"/>
           </a:xfrm>
           <a:prstGeom prst="straightConnector1">
             <a:avLst/>
@@ -5446,96 +6399,126 @@
           </a:fontRef>
         </p:style>
       </p:cxnSp>
+      <p:sp>
+        <p:nvSpPr>
+          <p:cNvPr id="93" name="TextBox 92"/>
+          <p:cNvSpPr txBox="1"/>
+          <p:nvPr/>
+        </p:nvSpPr>
+        <p:spPr>
+          <a:xfrm>
+            <a:off x="1446174" y="4453241"/>
+            <a:ext cx="485518" cy="369332"/>
+          </a:xfrm>
+          <a:prstGeom prst="rect">
+            <a:avLst/>
+          </a:prstGeom>
+          <a:noFill/>
+        </p:spPr>
+        <p:txBody>
+          <a:bodyPr wrap="none" rtlCol="0">
+            <a:spAutoFit/>
+          </a:bodyPr>
+          <a:lstStyle/>
+          <a:p>
+            <a:r>
+              <a:rPr lang="fr-FR" dirty="0" err="1" smtClean="0"/>
+              <a:t>Yes</a:t>
+            </a:r>
+            <a:endParaRPr lang="fr-FR" dirty="0"/>
+          </a:p>
+        </p:txBody>
+      </p:sp>
+      <p:sp>
+        <p:nvSpPr>
+          <p:cNvPr id="94" name="TextBox 93"/>
+          <p:cNvSpPr txBox="1"/>
+          <p:nvPr/>
+        </p:nvSpPr>
+        <p:spPr>
+          <a:xfrm>
+            <a:off x="2621782" y="6284981"/>
+            <a:ext cx="455574" cy="369332"/>
+          </a:xfrm>
+          <a:prstGeom prst="rect">
+            <a:avLst/>
+          </a:prstGeom>
+          <a:noFill/>
+        </p:spPr>
+        <p:txBody>
+          <a:bodyPr wrap="none" rtlCol="0">
+            <a:spAutoFit/>
+          </a:bodyPr>
+          <a:lstStyle/>
+          <a:p>
+            <a:r>
+              <a:rPr lang="fr-FR" dirty="0" smtClean="0"/>
+              <a:t>No</a:t>
+            </a:r>
+            <a:endParaRPr lang="fr-FR" dirty="0"/>
+          </a:p>
+        </p:txBody>
+      </p:sp>
+      <p:sp>
+        <p:nvSpPr>
+          <p:cNvPr id="95" name="Rectangle 94"/>
+          <p:cNvSpPr/>
+          <p:nvPr/>
+        </p:nvSpPr>
+        <p:spPr>
+          <a:xfrm>
+            <a:off x="3459230" y="6127166"/>
+            <a:ext cx="1698655" cy="546646"/>
+          </a:xfrm>
+          <a:prstGeom prst="rect">
+            <a:avLst/>
+          </a:prstGeom>
+        </p:spPr>
+        <p:style>
+          <a:lnRef idx="2">
+            <a:schemeClr val="accent1">
+              <a:shade val="50000"/>
+            </a:schemeClr>
+          </a:lnRef>
+          <a:fillRef idx="1">
+            <a:schemeClr val="accent1"/>
+          </a:fillRef>
+          <a:effectRef idx="0">
+            <a:schemeClr val="accent1"/>
+          </a:effectRef>
+          <a:fontRef idx="minor">
+            <a:schemeClr val="lt1"/>
+          </a:fontRef>
+        </p:style>
+        <p:txBody>
+          <a:bodyPr rtlCol="0" anchor="ctr"/>
+          <a:lstStyle/>
+          <a:p>
+            <a:pPr algn="ctr"/>
+            <a:r>
+              <a:rPr lang="en-US" dirty="0" smtClean="0"/>
+              <a:t>Deny status</a:t>
+            </a:r>
+            <a:endParaRPr lang="fr-FR" dirty="0"/>
+          </a:p>
+        </p:txBody>
+      </p:sp>
       <p:cxnSp>
         <p:nvCxnSpPr>
-          <p:cNvPr id="21" name="Straight Arrow Connector 20"/>
+          <p:cNvPr id="96" name="Elbow Connector 95"/>
           <p:cNvCxnSpPr>
-            <a:stCxn id="8" idx="3"/>
-            <a:endCxn id="9" idx="1"/>
+            <a:stCxn id="90" idx="2"/>
+            <a:endCxn id="95" idx="1"/>
           </p:cNvCxnSpPr>
           <p:nvPr/>
         </p:nvCxnSpPr>
         <p:spPr>
-          <a:xfrm flipV="1">
-            <a:off x="9454794" y="2791906"/>
-            <a:ext cx="819980" cy="12254"/>
-          </a:xfrm>
-          <a:prstGeom prst="straightConnector1">
-            <a:avLst/>
-          </a:prstGeom>
-          <a:ln>
-            <a:tailEnd type="triangle"/>
-          </a:ln>
-        </p:spPr>
-        <p:style>
-          <a:lnRef idx="1">
-            <a:schemeClr val="accent1"/>
-          </a:lnRef>
-          <a:fillRef idx="0">
-            <a:schemeClr val="accent1"/>
-          </a:fillRef>
-          <a:effectRef idx="0">
-            <a:schemeClr val="accent1"/>
-          </a:effectRef>
-          <a:fontRef idx="minor">
-            <a:schemeClr val="tx1"/>
-          </a:fontRef>
-        </p:style>
-      </p:cxnSp>
-      <p:cxnSp>
-        <p:nvCxnSpPr>
-          <p:cNvPr id="23" name="Straight Arrow Connector 22"/>
-          <p:cNvCxnSpPr>
-            <a:stCxn id="7" idx="0"/>
-            <a:endCxn id="8" idx="2"/>
-          </p:cNvCxnSpPr>
-          <p:nvPr/>
-        </p:nvCxnSpPr>
-        <p:spPr>
-          <a:xfrm flipV="1">
-            <a:off x="8656218" y="3182112"/>
-            <a:ext cx="0" cy="1336742"/>
-          </a:xfrm>
-          <a:prstGeom prst="straightConnector1">
-            <a:avLst/>
-          </a:prstGeom>
-          <a:ln>
-            <a:tailEnd type="triangle"/>
-          </a:ln>
-        </p:spPr>
-        <p:style>
-          <a:lnRef idx="1">
-            <a:schemeClr val="accent1"/>
-          </a:lnRef>
-          <a:fillRef idx="0">
-            <a:schemeClr val="accent1"/>
-          </a:fillRef>
-          <a:effectRef idx="0">
-            <a:schemeClr val="accent1"/>
-          </a:effectRef>
-          <a:fontRef idx="minor">
-            <a:schemeClr val="tx1"/>
-          </a:fontRef>
-        </p:style>
-      </p:cxnSp>
-      <p:cxnSp>
-        <p:nvCxnSpPr>
-          <p:cNvPr id="68" name="Elbow Connector 67"/>
-          <p:cNvCxnSpPr>
-            <a:stCxn id="9" idx="0"/>
-            <a:endCxn id="4" idx="0"/>
-          </p:cNvCxnSpPr>
-          <p:nvPr/>
-        </p:nvCxnSpPr>
-        <p:spPr>
-          <a:xfrm rot="16200000" flipV="1">
-            <a:off x="7447455" y="-1211942"/>
-            <a:ext cx="121827" cy="7129965"/>
-          </a:xfrm>
-          <a:prstGeom prst="bentConnector3">
-            <a:avLst>
-              <a:gd name="adj1" fmla="val 487796"/>
-            </a:avLst>
+          <a:xfrm rot="16200000" flipH="1">
+            <a:off x="2387998" y="5329257"/>
+            <a:ext cx="144200" cy="1998264"/>
+          </a:xfrm>
+          <a:prstGeom prst="bentConnector2">
+            <a:avLst/>
           </a:prstGeom>
           <a:ln>
             <a:tailEnd type="triangle"/>
@@ -5559,7 +6542,7 @@
     </p:spTree>
     <p:extLst>
       <p:ext uri="{BB962C8B-B14F-4D97-AF65-F5344CB8AC3E}">
-        <p14:creationId xmlns:p14="http://schemas.microsoft.com/office/powerpoint/2010/main" val="2022138182"/>
+        <p14:creationId xmlns:p14="http://schemas.microsoft.com/office/powerpoint/2010/main" val="2814366877"/>
       </p:ext>
     </p:extLst>
   </p:cSld>
@@ -5595,7 +6578,387 @@
       </p:grpSpPr>
       <p:sp>
         <p:nvSpPr>
-          <p:cNvPr id="2" name="Title 1"/>
+          <p:cNvPr id="5" name="Rectangle 4"/>
+          <p:cNvSpPr/>
+          <p:nvPr/>
+        </p:nvSpPr>
+        <p:spPr>
+          <a:xfrm>
+            <a:off x="211802" y="3392159"/>
+            <a:ext cx="1597152" cy="755904"/>
+          </a:xfrm>
+          <a:prstGeom prst="rect">
+            <a:avLst/>
+          </a:prstGeom>
+        </p:spPr>
+        <p:style>
+          <a:lnRef idx="2">
+            <a:schemeClr val="accent1">
+              <a:shade val="50000"/>
+            </a:schemeClr>
+          </a:lnRef>
+          <a:fillRef idx="1">
+            <a:schemeClr val="accent1"/>
+          </a:fillRef>
+          <a:effectRef idx="0">
+            <a:schemeClr val="accent1"/>
+          </a:effectRef>
+          <a:fontRef idx="minor">
+            <a:schemeClr val="lt1"/>
+          </a:fontRef>
+        </p:style>
+        <p:txBody>
+          <a:bodyPr rtlCol="0" anchor="ctr"/>
+          <a:lstStyle/>
+          <a:p>
+            <a:pPr algn="ctr"/>
+            <a:r>
+              <a:rPr lang="fr-FR" dirty="0" err="1" smtClean="0"/>
+              <a:t>Launch</a:t>
+            </a:r>
+            <a:r>
+              <a:rPr lang="fr-FR" dirty="0" smtClean="0"/>
+              <a:t> </a:t>
+            </a:r>
+            <a:r>
+              <a:rPr lang="fr-FR" dirty="0" err="1" smtClean="0"/>
+              <a:t>app</a:t>
+            </a:r>
+            <a:endParaRPr lang="fr-FR" dirty="0"/>
+          </a:p>
+        </p:txBody>
+      </p:sp>
+      <p:sp>
+        <p:nvSpPr>
+          <p:cNvPr id="6" name="Rectangle 5"/>
+          <p:cNvSpPr/>
+          <p:nvPr/>
+        </p:nvSpPr>
+        <p:spPr>
+          <a:xfrm>
+            <a:off x="4743433" y="3192575"/>
+            <a:ext cx="2064986" cy="1183993"/>
+          </a:xfrm>
+          <a:prstGeom prst="rect">
+            <a:avLst/>
+          </a:prstGeom>
+        </p:spPr>
+        <p:style>
+          <a:lnRef idx="2">
+            <a:schemeClr val="accent1">
+              <a:shade val="50000"/>
+            </a:schemeClr>
+          </a:lnRef>
+          <a:fillRef idx="1">
+            <a:schemeClr val="accent1"/>
+          </a:fillRef>
+          <a:effectRef idx="0">
+            <a:schemeClr val="accent1"/>
+          </a:effectRef>
+          <a:fontRef idx="minor">
+            <a:schemeClr val="lt1"/>
+          </a:fontRef>
+        </p:style>
+        <p:txBody>
+          <a:bodyPr rtlCol="0" anchor="ctr"/>
+          <a:lstStyle/>
+          <a:p>
+            <a:pPr algn="ctr"/>
+            <a:r>
+              <a:rPr lang="fr-FR" dirty="0" err="1" smtClean="0"/>
+              <a:t>Sign</a:t>
+            </a:r>
+            <a:r>
+              <a:rPr lang="fr-FR" dirty="0" smtClean="0"/>
+              <a:t> in </a:t>
+            </a:r>
+            <a:r>
+              <a:rPr lang="fr-FR" dirty="0" err="1" smtClean="0"/>
+              <a:t>with</a:t>
+            </a:r>
+            <a:r>
+              <a:rPr lang="fr-FR" dirty="0" smtClean="0"/>
+              <a:t> email and </a:t>
+            </a:r>
+            <a:r>
+              <a:rPr lang="fr-FR" dirty="0" err="1" smtClean="0"/>
+              <a:t>password</a:t>
+            </a:r>
+            <a:r>
+              <a:rPr lang="fr-FR" dirty="0" smtClean="0"/>
+              <a:t>. </a:t>
+            </a:r>
+            <a:r>
+              <a:rPr lang="fr-FR" dirty="0" err="1" smtClean="0"/>
+              <a:t>Choose</a:t>
+            </a:r>
+            <a:r>
+              <a:rPr lang="fr-FR" dirty="0" smtClean="0"/>
+              <a:t> to </a:t>
+            </a:r>
+            <a:r>
+              <a:rPr lang="fr-FR" dirty="0" err="1" smtClean="0"/>
+              <a:t>keep</a:t>
+            </a:r>
+            <a:r>
+              <a:rPr lang="fr-FR" dirty="0" smtClean="0"/>
+              <a:t> </a:t>
+            </a:r>
+            <a:r>
+              <a:rPr lang="fr-FR" dirty="0" err="1" smtClean="0"/>
+              <a:t>sign</a:t>
+            </a:r>
+            <a:r>
+              <a:rPr lang="fr-FR" dirty="0" smtClean="0"/>
+              <a:t>-in</a:t>
+            </a:r>
+            <a:endParaRPr lang="fr-FR" dirty="0"/>
+          </a:p>
+        </p:txBody>
+      </p:sp>
+      <p:sp>
+        <p:nvSpPr>
+          <p:cNvPr id="8" name="Rectangle 7"/>
+          <p:cNvSpPr/>
+          <p:nvPr/>
+        </p:nvSpPr>
+        <p:spPr>
+          <a:xfrm>
+            <a:off x="7677912" y="3312911"/>
+            <a:ext cx="1560576" cy="914400"/>
+          </a:xfrm>
+          <a:prstGeom prst="rect">
+            <a:avLst/>
+          </a:prstGeom>
+        </p:spPr>
+        <p:style>
+          <a:lnRef idx="2">
+            <a:schemeClr val="accent1">
+              <a:shade val="50000"/>
+            </a:schemeClr>
+          </a:lnRef>
+          <a:fillRef idx="1">
+            <a:schemeClr val="accent1"/>
+          </a:fillRef>
+          <a:effectRef idx="0">
+            <a:schemeClr val="accent1"/>
+          </a:effectRef>
+          <a:fontRef idx="minor">
+            <a:schemeClr val="lt1"/>
+          </a:fontRef>
+        </p:style>
+        <p:txBody>
+          <a:bodyPr rtlCol="0" anchor="ctr"/>
+          <a:lstStyle/>
+          <a:p>
+            <a:pPr algn="ctr"/>
+            <a:r>
+              <a:rPr lang="fr-FR" dirty="0" err="1" smtClean="0"/>
+              <a:t>Get</a:t>
+            </a:r>
+            <a:r>
+              <a:rPr lang="fr-FR" dirty="0" smtClean="0"/>
+              <a:t> </a:t>
+            </a:r>
+            <a:r>
+              <a:rPr lang="fr-FR" dirty="0" err="1" smtClean="0"/>
+              <a:t>into</a:t>
+            </a:r>
+            <a:r>
+              <a:rPr lang="fr-FR" dirty="0" smtClean="0"/>
+              <a:t> main UI</a:t>
+            </a:r>
+            <a:endParaRPr lang="fr-FR" dirty="0"/>
+          </a:p>
+        </p:txBody>
+      </p:sp>
+      <p:sp>
+        <p:nvSpPr>
+          <p:cNvPr id="10" name="TextBox 9"/>
+          <p:cNvSpPr txBox="1"/>
+          <p:nvPr/>
+        </p:nvSpPr>
+        <p:spPr>
+          <a:xfrm>
+            <a:off x="719328" y="6211669"/>
+            <a:ext cx="5347682" cy="646331"/>
+          </a:xfrm>
+          <a:prstGeom prst="rect">
+            <a:avLst/>
+          </a:prstGeom>
+          <a:noFill/>
+        </p:spPr>
+        <p:txBody>
+          <a:bodyPr wrap="none" rtlCol="0">
+            <a:spAutoFit/>
+          </a:bodyPr>
+          <a:lstStyle/>
+          <a:p>
+            <a:r>
+              <a:rPr lang="fr-FR" dirty="0" smtClean="0"/>
+              <a:t>*</a:t>
+            </a:r>
+            <a:r>
+              <a:rPr lang="fr-FR" dirty="0" err="1" smtClean="0"/>
+              <a:t>teacher</a:t>
+            </a:r>
+            <a:r>
+              <a:rPr lang="fr-FR" dirty="0" smtClean="0"/>
+              <a:t> </a:t>
+            </a:r>
+            <a:r>
+              <a:rPr lang="fr-FR" dirty="0" err="1" smtClean="0"/>
+              <a:t>can</a:t>
+            </a:r>
+            <a:r>
+              <a:rPr lang="fr-FR" dirty="0" smtClean="0"/>
+              <a:t> </a:t>
+            </a:r>
+            <a:r>
+              <a:rPr lang="fr-FR" dirty="0" err="1" smtClean="0"/>
+              <a:t>share</a:t>
+            </a:r>
+            <a:r>
+              <a:rPr lang="fr-FR" dirty="0" smtClean="0"/>
+              <a:t> code and </a:t>
+            </a:r>
+            <a:r>
+              <a:rPr lang="fr-FR" dirty="0" err="1" smtClean="0"/>
+              <a:t>pwd</a:t>
+            </a:r>
+            <a:r>
+              <a:rPr lang="fr-FR" dirty="0" smtClean="0"/>
+              <a:t> </a:t>
+            </a:r>
+            <a:r>
+              <a:rPr lang="fr-FR" dirty="0" err="1" smtClean="0"/>
+              <a:t>thru</a:t>
+            </a:r>
+            <a:r>
+              <a:rPr lang="fr-FR" dirty="0" smtClean="0"/>
+              <a:t> email or at class</a:t>
+            </a:r>
+          </a:p>
+          <a:p>
+            <a:r>
+              <a:rPr lang="fr-FR" dirty="0" smtClean="0"/>
+              <a:t>*</a:t>
+            </a:r>
+            <a:r>
+              <a:rPr lang="fr-FR" dirty="0" err="1" smtClean="0"/>
+              <a:t>we</a:t>
+            </a:r>
+            <a:r>
+              <a:rPr lang="fr-FR" dirty="0" smtClean="0"/>
+              <a:t> </a:t>
+            </a:r>
+            <a:r>
+              <a:rPr lang="fr-FR" dirty="0" err="1" smtClean="0"/>
+              <a:t>will</a:t>
+            </a:r>
+            <a:r>
+              <a:rPr lang="fr-FR" dirty="0" smtClean="0"/>
+              <a:t> display </a:t>
+            </a:r>
+            <a:r>
+              <a:rPr lang="fr-FR" dirty="0" err="1" smtClean="0"/>
+              <a:t>student</a:t>
+            </a:r>
+            <a:r>
+              <a:rPr lang="fr-FR" dirty="0" smtClean="0"/>
+              <a:t> </a:t>
+            </a:r>
+            <a:r>
+              <a:rPr lang="fr-FR" dirty="0" err="1" smtClean="0"/>
+              <a:t>name</a:t>
+            </a:r>
+            <a:r>
+              <a:rPr lang="fr-FR" dirty="0" smtClean="0"/>
+              <a:t> at the </a:t>
+            </a:r>
+            <a:r>
+              <a:rPr lang="fr-FR" dirty="0" err="1" smtClean="0"/>
+              <a:t>app</a:t>
+            </a:r>
+            <a:endParaRPr lang="fr-FR" dirty="0"/>
+          </a:p>
+        </p:txBody>
+      </p:sp>
+      <p:cxnSp>
+        <p:nvCxnSpPr>
+          <p:cNvPr id="18" name="Straight Arrow Connector 17"/>
+          <p:cNvCxnSpPr>
+            <a:stCxn id="5" idx="3"/>
+            <a:endCxn id="43" idx="1"/>
+          </p:cNvCxnSpPr>
+          <p:nvPr/>
+        </p:nvCxnSpPr>
+        <p:spPr>
+          <a:xfrm>
+            <a:off x="1808954" y="3770111"/>
+            <a:ext cx="639335" cy="0"/>
+          </a:xfrm>
+          <a:prstGeom prst="straightConnector1">
+            <a:avLst/>
+          </a:prstGeom>
+          <a:ln>
+            <a:tailEnd type="triangle"/>
+          </a:ln>
+        </p:spPr>
+        <p:style>
+          <a:lnRef idx="1">
+            <a:schemeClr val="accent1"/>
+          </a:lnRef>
+          <a:fillRef idx="0">
+            <a:schemeClr val="accent1"/>
+          </a:fillRef>
+          <a:effectRef idx="0">
+            <a:schemeClr val="accent1"/>
+          </a:effectRef>
+          <a:fontRef idx="minor">
+            <a:schemeClr val="tx1"/>
+          </a:fontRef>
+        </p:style>
+      </p:cxnSp>
+      <p:cxnSp>
+        <p:nvCxnSpPr>
+          <p:cNvPr id="20" name="Straight Arrow Connector 19"/>
+          <p:cNvCxnSpPr>
+            <a:stCxn id="6" idx="3"/>
+            <a:endCxn id="8" idx="1"/>
+          </p:cNvCxnSpPr>
+          <p:nvPr/>
+        </p:nvCxnSpPr>
+        <p:spPr>
+          <a:xfrm flipV="1">
+            <a:off x="6808419" y="3770111"/>
+            <a:ext cx="869493" cy="14461"/>
+          </a:xfrm>
+          <a:prstGeom prst="straightConnector1">
+            <a:avLst/>
+          </a:prstGeom>
+          <a:ln>
+            <a:tailEnd type="triangle"/>
+          </a:ln>
+        </p:spPr>
+        <p:style>
+          <a:lnRef idx="1">
+            <a:schemeClr val="accent1"/>
+          </a:lnRef>
+          <a:fillRef idx="0">
+            <a:schemeClr val="accent1"/>
+          </a:fillRef>
+          <a:effectRef idx="0">
+            <a:schemeClr val="accent1"/>
+          </a:effectRef>
+          <a:fontRef idx="minor">
+            <a:schemeClr val="tx1"/>
+          </a:fontRef>
+        </p:style>
+      </p:cxnSp>
+      <p:sp>
+        <p:nvSpPr>
+          <p:cNvPr id="28" name="Title 27"/>
           <p:cNvSpPr>
             <a:spLocks noGrp="1"/>
           </p:cNvSpPr>
@@ -5603,62 +6966,42 @@
             <p:ph type="title"/>
           </p:nvPr>
         </p:nvSpPr>
-        <p:spPr/>
-        <p:txBody>
-          <a:bodyPr>
-            <a:normAutofit/>
-          </a:bodyPr>
-          <a:lstStyle/>
-          <a:p>
-            <a:r>
-              <a:rPr lang="fr-FR" dirty="0" err="1" smtClean="0"/>
-              <a:t>Inbox</a:t>
-            </a:r>
-            <a:r>
-              <a:rPr lang="fr-FR" dirty="0" smtClean="0"/>
-              <a:t> flow </a:t>
-            </a:r>
-            <a:br>
-              <a:rPr lang="fr-FR" dirty="0" smtClean="0"/>
-            </a:br>
-            <a:r>
-              <a:rPr lang="fr-FR" sz="3600" dirty="0" err="1" smtClean="0"/>
-              <a:t>Announcement</a:t>
-            </a:r>
-            <a:r>
-              <a:rPr lang="fr-FR" sz="3600" dirty="0" smtClean="0"/>
-              <a:t>, </a:t>
-            </a:r>
-            <a:r>
-              <a:rPr lang="fr-FR" sz="3600" dirty="0" err="1" smtClean="0"/>
-              <a:t>Private</a:t>
-            </a:r>
-            <a:r>
-              <a:rPr lang="fr-FR" sz="3600" dirty="0" smtClean="0"/>
-              <a:t> (no </a:t>
-            </a:r>
-            <a:r>
-              <a:rPr lang="fr-FR" sz="3600" dirty="0" err="1" smtClean="0"/>
-              <a:t>reply</a:t>
-            </a:r>
-            <a:r>
-              <a:rPr lang="fr-FR" sz="3600" dirty="0" smtClean="0"/>
-              <a:t>)</a:t>
-            </a:r>
-            <a:endParaRPr lang="fr-FR" sz="3600" dirty="0"/>
-          </a:p>
-        </p:txBody>
-      </p:sp>
-      <p:sp>
-        <p:nvSpPr>
-          <p:cNvPr id="4" name="Rectangle 3"/>
+        <p:spPr>
+          <a:xfrm>
+            <a:off x="809210" y="112938"/>
+            <a:ext cx="10515600" cy="1325563"/>
+          </a:xfrm>
+        </p:spPr>
+        <p:txBody>
+          <a:bodyPr/>
+          <a:lstStyle/>
+          <a:p>
+            <a:r>
+              <a:rPr lang="fr-FR" dirty="0" smtClean="0"/>
+              <a:t>Second </a:t>
+            </a:r>
+            <a:r>
+              <a:rPr lang="fr-FR" dirty="0" err="1" smtClean="0"/>
+              <a:t>experience</a:t>
+            </a:r>
+            <a:r>
+              <a:rPr lang="fr-FR" dirty="0" smtClean="0"/>
+              <a:t> flow</a:t>
+            </a:r>
+            <a:endParaRPr lang="fr-FR" dirty="0"/>
+          </a:p>
+        </p:txBody>
+      </p:sp>
+      <p:sp>
+        <p:nvSpPr>
+          <p:cNvPr id="2" name="Rectangle 1"/>
           <p:cNvSpPr/>
           <p:nvPr/>
         </p:nvSpPr>
         <p:spPr>
           <a:xfrm>
-            <a:off x="1155382" y="3468624"/>
-            <a:ext cx="1826895" cy="1194816"/>
+            <a:off x="10148282" y="3534666"/>
+            <a:ext cx="1853184" cy="780443"/>
           </a:xfrm>
           <a:prstGeom prst="rect">
             <a:avLst/>
@@ -5687,15 +7030,7 @@
             <a:pPr algn="ctr"/>
             <a:r>
               <a:rPr lang="fr-FR" dirty="0" smtClean="0"/>
-              <a:t>Select </a:t>
-            </a:r>
-            <a:r>
-              <a:rPr lang="fr-FR" dirty="0" err="1" smtClean="0"/>
-              <a:t>Inbox</a:t>
-            </a:r>
-            <a:r>
-              <a:rPr lang="fr-FR" dirty="0" smtClean="0"/>
-              <a:t> tab</a:t>
+              <a:t>Class</a:t>
             </a:r>
             <a:endParaRPr lang="fr-FR" dirty="0"/>
           </a:p>
@@ -5703,14 +7038,14 @@
       </p:sp>
       <p:sp>
         <p:nvSpPr>
-          <p:cNvPr id="5" name="Rectangle 4"/>
+          <p:cNvPr id="15" name="Rectangle 14"/>
           <p:cNvSpPr/>
           <p:nvPr/>
         </p:nvSpPr>
         <p:spPr>
           <a:xfrm>
-            <a:off x="4345686" y="3468624"/>
-            <a:ext cx="2458593" cy="1194816"/>
+            <a:off x="10082784" y="1438501"/>
+            <a:ext cx="1853184" cy="780443"/>
           </a:xfrm>
           <a:prstGeom prst="rect">
             <a:avLst/>
@@ -5739,101 +7074,26 @@
             <a:pPr algn="ctr"/>
             <a:r>
               <a:rPr lang="fr-FR" dirty="0" err="1" smtClean="0"/>
-              <a:t>View</a:t>
-            </a:r>
-            <a:r>
-              <a:rPr lang="fr-FR" dirty="0" smtClean="0"/>
-              <a:t> </a:t>
-            </a:r>
-            <a:r>
-              <a:rPr lang="fr-FR" dirty="0" err="1" smtClean="0"/>
-              <a:t>announcement</a:t>
-            </a:r>
-            <a:r>
-              <a:rPr lang="fr-FR" dirty="0" smtClean="0"/>
-              <a:t> (sent to class) or </a:t>
-            </a:r>
-            <a:r>
-              <a:rPr lang="fr-FR" dirty="0" err="1" smtClean="0"/>
-              <a:t>private</a:t>
-            </a:r>
-            <a:r>
-              <a:rPr lang="fr-FR" dirty="0" smtClean="0"/>
-              <a:t> (</a:t>
-            </a:r>
-            <a:r>
-              <a:rPr lang="fr-FR" dirty="0" err="1" smtClean="0"/>
-              <a:t>his</a:t>
-            </a:r>
-            <a:r>
-              <a:rPr lang="fr-FR" dirty="0" smtClean="0"/>
-              <a:t> </a:t>
-            </a:r>
-            <a:r>
-              <a:rPr lang="fr-FR" dirty="0" err="1" smtClean="0"/>
-              <a:t>account</a:t>
-            </a:r>
-            <a:r>
-              <a:rPr lang="fr-FR" dirty="0" smtClean="0"/>
-              <a:t>)</a:t>
+              <a:t>Inbox</a:t>
             </a:r>
             <a:endParaRPr lang="fr-FR" dirty="0"/>
           </a:p>
         </p:txBody>
       </p:sp>
-      <p:cxnSp>
-        <p:nvCxnSpPr>
-          <p:cNvPr id="7" name="Straight Arrow Connector 6"/>
-          <p:cNvCxnSpPr>
-            <a:stCxn id="4" idx="3"/>
-            <a:endCxn id="5" idx="1"/>
-          </p:cNvCxnSpPr>
-          <p:nvPr/>
-        </p:nvCxnSpPr>
-        <p:spPr>
-          <a:xfrm>
-            <a:off x="2982277" y="4066032"/>
-            <a:ext cx="1363409" cy="0"/>
-          </a:xfrm>
-          <a:prstGeom prst="straightConnector1">
-            <a:avLst/>
-          </a:prstGeom>
-          <a:ln>
-            <a:tailEnd type="triangle"/>
-          </a:ln>
-        </p:spPr>
-        <p:style>
-          <a:lnRef idx="1">
-            <a:schemeClr val="accent1"/>
-          </a:lnRef>
-          <a:fillRef idx="0">
-            <a:schemeClr val="accent1"/>
-          </a:fillRef>
-          <a:effectRef idx="0">
-            <a:schemeClr val="accent1"/>
-          </a:effectRef>
-          <a:fontRef idx="minor">
-            <a:schemeClr val="tx1"/>
-          </a:fontRef>
-        </p:style>
-      </p:cxnSp>
-      <p:sp>
-        <p:nvSpPr>
-          <p:cNvPr id="8" name="Rectangle 7"/>
+      <p:sp>
+        <p:nvSpPr>
+          <p:cNvPr id="17" name="Rectangle 16"/>
           <p:cNvSpPr/>
           <p:nvPr/>
         </p:nvSpPr>
         <p:spPr>
           <a:xfrm>
-            <a:off x="9081135" y="3694176"/>
-            <a:ext cx="1645920" cy="908304"/>
+            <a:off x="10254285" y="2385695"/>
+            <a:ext cx="1714534" cy="780443"/>
           </a:xfrm>
           <a:prstGeom prst="rect">
             <a:avLst/>
           </a:prstGeom>
-          <a:solidFill>
-            <a:srgbClr val="FF0000"/>
-          </a:solidFill>
         </p:spPr>
         <p:style>
           <a:lnRef idx="2">
@@ -5858,70 +7118,7 @@
             <a:pPr algn="ctr"/>
             <a:r>
               <a:rPr lang="fr-FR" dirty="0" smtClean="0"/>
-              <a:t>Save messages as </a:t>
-            </a:r>
-            <a:r>
-              <a:rPr lang="zh-CN" altLang="fr-FR" dirty="0" smtClean="0"/>
-              <a:t>收藏</a:t>
-            </a:r>
-            <a:r>
-              <a:rPr lang="fr-FR" dirty="0" smtClean="0"/>
-              <a:t>???</a:t>
-            </a:r>
-            <a:endParaRPr lang="fr-FR" dirty="0"/>
-          </a:p>
-        </p:txBody>
-      </p:sp>
-      <p:sp>
-        <p:nvSpPr>
-          <p:cNvPr id="9" name="Rectangle 8"/>
-          <p:cNvSpPr/>
-          <p:nvPr/>
-        </p:nvSpPr>
-        <p:spPr>
-          <a:xfrm>
-            <a:off x="9081135" y="4899088"/>
-            <a:ext cx="1645920" cy="908304"/>
-          </a:xfrm>
-          <a:prstGeom prst="rect">
-            <a:avLst/>
-          </a:prstGeom>
-          <a:solidFill>
-            <a:srgbClr val="FF0000"/>
-          </a:solidFill>
-        </p:spPr>
-        <p:style>
-          <a:lnRef idx="2">
-            <a:schemeClr val="accent1">
-              <a:shade val="50000"/>
-            </a:schemeClr>
-          </a:lnRef>
-          <a:fillRef idx="1">
-            <a:schemeClr val="accent1"/>
-          </a:fillRef>
-          <a:effectRef idx="0">
-            <a:schemeClr val="accent1"/>
-          </a:effectRef>
-          <a:fontRef idx="minor">
-            <a:schemeClr val="lt1"/>
-          </a:fontRef>
-        </p:style>
-        <p:txBody>
-          <a:bodyPr rtlCol="0" anchor="ctr"/>
-          <a:lstStyle/>
-          <a:p>
-            <a:pPr algn="ctr"/>
-            <a:r>
-              <a:rPr lang="fr-FR" altLang="zh-CN" dirty="0" err="1" smtClean="0"/>
-              <a:t>Delete</a:t>
-            </a:r>
-            <a:r>
-              <a:rPr lang="fr-FR" altLang="zh-CN" dirty="0" smtClean="0"/>
-              <a:t> </a:t>
-            </a:r>
-            <a:r>
-              <a:rPr lang="fr-FR" dirty="0" smtClean="0"/>
-              <a:t>messages???</a:t>
+              <a:t>Test</a:t>
             </a:r>
             <a:endParaRPr lang="fr-FR" dirty="0"/>
           </a:p>
@@ -5929,17 +7126,17 @@
       </p:sp>
       <p:cxnSp>
         <p:nvCxnSpPr>
-          <p:cNvPr id="11" name="Straight Arrow Connector 10"/>
+          <p:cNvPr id="4" name="Straight Arrow Connector 3"/>
           <p:cNvCxnSpPr>
-            <a:stCxn id="5" idx="3"/>
-            <a:endCxn id="8" idx="1"/>
+            <a:stCxn id="8" idx="3"/>
+            <a:endCxn id="15" idx="1"/>
           </p:cNvCxnSpPr>
           <p:nvPr/>
         </p:nvCxnSpPr>
         <p:spPr>
-          <a:xfrm>
-            <a:off x="6804279" y="4066032"/>
-            <a:ext cx="2276856" cy="82296"/>
+          <a:xfrm flipV="1">
+            <a:off x="9238488" y="1828723"/>
+            <a:ext cx="844296" cy="1941388"/>
           </a:xfrm>
           <a:prstGeom prst="straightConnector1">
             <a:avLst/>
@@ -5967,15 +7164,15 @@
         <p:nvCxnSpPr>
           <p:cNvPr id="13" name="Straight Arrow Connector 12"/>
           <p:cNvCxnSpPr>
-            <a:stCxn id="5" idx="3"/>
-            <a:endCxn id="9" idx="1"/>
+            <a:stCxn id="8" idx="3"/>
+            <a:endCxn id="17" idx="1"/>
           </p:cNvCxnSpPr>
           <p:nvPr/>
         </p:nvCxnSpPr>
         <p:spPr>
-          <a:xfrm>
-            <a:off x="6804279" y="4066032"/>
-            <a:ext cx="2276856" cy="1287208"/>
+          <a:xfrm flipV="1">
+            <a:off x="9238488" y="2775917"/>
+            <a:ext cx="1015797" cy="994194"/>
           </a:xfrm>
           <a:prstGeom prst="straightConnector1">
             <a:avLst/>
@@ -5999,16 +7196,52 @@
           </a:fontRef>
         </p:style>
       </p:cxnSp>
-      <p:sp>
-        <p:nvSpPr>
-          <p:cNvPr id="10" name="Rectangle 9"/>
+      <p:cxnSp>
+        <p:nvCxnSpPr>
+          <p:cNvPr id="21" name="Straight Arrow Connector 20"/>
+          <p:cNvCxnSpPr>
+            <a:stCxn id="8" idx="3"/>
+            <a:endCxn id="2" idx="1"/>
+          </p:cNvCxnSpPr>
+          <p:nvPr/>
+        </p:nvCxnSpPr>
+        <p:spPr>
+          <a:xfrm>
+            <a:off x="9238488" y="3770111"/>
+            <a:ext cx="909794" cy="154777"/>
+          </a:xfrm>
+          <a:prstGeom prst="straightConnector1">
+            <a:avLst/>
+          </a:prstGeom>
+          <a:ln>
+            <a:tailEnd type="triangle"/>
+          </a:ln>
+        </p:spPr>
+        <p:style>
+          <a:lnRef idx="1">
+            <a:schemeClr val="accent1"/>
+          </a:lnRef>
+          <a:fillRef idx="0">
+            <a:schemeClr val="accent1"/>
+          </a:fillRef>
+          <a:effectRef idx="0">
+            <a:schemeClr val="accent1"/>
+          </a:effectRef>
+          <a:fontRef idx="minor">
+            <a:schemeClr val="tx1"/>
+          </a:fontRef>
+        </p:style>
+      </p:cxnSp>
+      <p:sp>
+        <p:nvSpPr>
+          <p:cNvPr id="43" name="Rectangle 42"/>
           <p:cNvSpPr/>
           <p:nvPr/>
         </p:nvSpPr>
         <p:spPr>
           <a:xfrm>
-            <a:off x="9081135" y="2072640"/>
-            <a:ext cx="1645920" cy="908304"/>
+            <a:off x="2448289" y="3392159"/>
+            <a:ext cx="1597152" cy="755904"/>
           </a:xfrm>
           <a:prstGeom prst="rect">
             <a:avLst/>
@@ -6037,15 +7270,15 @@
             <a:pPr algn="ctr"/>
             <a:r>
               <a:rPr lang="fr-FR" dirty="0" smtClean="0"/>
-              <a:t>Flag a message </a:t>
-            </a:r>
-            <a:r>
-              <a:rPr lang="en-US" dirty="0" smtClean="0"/>
-              <a:t>as high priority to </a:t>
-            </a:r>
-            <a:r>
-              <a:rPr lang="zh-CN" altLang="fr-FR" dirty="0" smtClean="0"/>
-              <a:t>置顶</a:t>
+              <a:t>Select </a:t>
+            </a:r>
+            <a:r>
+              <a:rPr lang="fr-FR" dirty="0" err="1" smtClean="0"/>
+              <a:t>sign</a:t>
+            </a:r>
+            <a:r>
+              <a:rPr lang="fr-FR" dirty="0" smtClean="0"/>
+              <a:t>-in</a:t>
             </a:r>
             <a:endParaRPr lang="fr-FR" dirty="0"/>
           </a:p>
@@ -6053,17 +7286,97 @@
       </p:sp>
       <p:cxnSp>
         <p:nvCxnSpPr>
-          <p:cNvPr id="14" name="Straight Arrow Connector 13"/>
+          <p:cNvPr id="49" name="Straight Arrow Connector 48"/>
           <p:cNvCxnSpPr>
-            <a:stCxn id="5" idx="3"/>
-            <a:endCxn id="10" idx="1"/>
+            <a:stCxn id="43" idx="3"/>
+            <a:endCxn id="6" idx="1"/>
           </p:cNvCxnSpPr>
           <p:nvPr/>
         </p:nvCxnSpPr>
         <p:spPr>
-          <a:xfrm flipV="1">
-            <a:off x="6804279" y="2526792"/>
-            <a:ext cx="2276856" cy="1539240"/>
+          <a:xfrm>
+            <a:off x="4045441" y="3770111"/>
+            <a:ext cx="697992" cy="14461"/>
+          </a:xfrm>
+          <a:prstGeom prst="straightConnector1">
+            <a:avLst/>
+          </a:prstGeom>
+          <a:ln>
+            <a:tailEnd type="triangle"/>
+          </a:ln>
+        </p:spPr>
+        <p:style>
+          <a:lnRef idx="1">
+            <a:schemeClr val="accent1"/>
+          </a:lnRef>
+          <a:fillRef idx="0">
+            <a:schemeClr val="accent1"/>
+          </a:fillRef>
+          <a:effectRef idx="0">
+            <a:schemeClr val="accent1"/>
+          </a:effectRef>
+          <a:fontRef idx="minor">
+            <a:schemeClr val="tx1"/>
+          </a:fontRef>
+        </p:style>
+      </p:cxnSp>
+      <p:sp>
+        <p:nvSpPr>
+          <p:cNvPr id="19" name="Rectangle 18"/>
+          <p:cNvSpPr/>
+          <p:nvPr/>
+        </p:nvSpPr>
+        <p:spPr>
+          <a:xfrm>
+            <a:off x="10082784" y="4857622"/>
+            <a:ext cx="1853184" cy="780443"/>
+          </a:xfrm>
+          <a:prstGeom prst="rect">
+            <a:avLst/>
+          </a:prstGeom>
+        </p:spPr>
+        <p:style>
+          <a:lnRef idx="2">
+            <a:schemeClr val="accent1">
+              <a:shade val="50000"/>
+            </a:schemeClr>
+          </a:lnRef>
+          <a:fillRef idx="1">
+            <a:schemeClr val="accent1"/>
+          </a:fillRef>
+          <a:effectRef idx="0">
+            <a:schemeClr val="accent1"/>
+          </a:effectRef>
+          <a:fontRef idx="minor">
+            <a:schemeClr val="lt1"/>
+          </a:fontRef>
+        </p:style>
+        <p:txBody>
+          <a:bodyPr rtlCol="0" anchor="ctr"/>
+          <a:lstStyle/>
+          <a:p>
+            <a:pPr algn="ctr"/>
+            <a:r>
+              <a:rPr lang="fr-FR" altLang="zh-CN" dirty="0" smtClean="0"/>
+              <a:t>Q &amp; A</a:t>
+            </a:r>
+            <a:endParaRPr lang="fr-FR" dirty="0"/>
+          </a:p>
+        </p:txBody>
+      </p:sp>
+      <p:cxnSp>
+        <p:nvCxnSpPr>
+          <p:cNvPr id="7" name="Straight Arrow Connector 6"/>
+          <p:cNvCxnSpPr>
+            <a:stCxn id="8" idx="3"/>
+            <a:endCxn id="19" idx="1"/>
+          </p:cNvCxnSpPr>
+          <p:nvPr/>
+        </p:nvCxnSpPr>
+        <p:spPr>
+          <a:xfrm>
+            <a:off x="9238488" y="3770111"/>
+            <a:ext cx="844296" cy="1477733"/>
           </a:xfrm>
           <a:prstGeom prst="straightConnector1">
             <a:avLst/>
@@ -6090,7 +7403,7 @@
     </p:spTree>
     <p:extLst>
       <p:ext uri="{BB962C8B-B14F-4D97-AF65-F5344CB8AC3E}">
-        <p14:creationId xmlns:p14="http://schemas.microsoft.com/office/powerpoint/2010/main" val="1849182865"/>
+        <p14:creationId xmlns:p14="http://schemas.microsoft.com/office/powerpoint/2010/main" val="2858456203"/>
       </p:ext>
     </p:extLst>
   </p:cSld>
@@ -6134,10 +7447,1227 @@
             <p:ph type="title"/>
           </p:nvPr>
         </p:nvSpPr>
-        <p:spPr>
-          <a:xfrm>
-            <a:off x="826008" y="430498"/>
-            <a:ext cx="10515600" cy="1325563"/>
+        <p:spPr/>
+        <p:txBody>
+          <a:bodyPr>
+            <a:normAutofit/>
+          </a:bodyPr>
+          <a:lstStyle/>
+          <a:p>
+            <a:r>
+              <a:rPr lang="fr-FR" dirty="0" err="1" smtClean="0"/>
+              <a:t>Inbox</a:t>
+            </a:r>
+            <a:r>
+              <a:rPr lang="fr-FR" dirty="0" smtClean="0"/>
+              <a:t> flow </a:t>
+            </a:r>
+            <a:br>
+              <a:rPr lang="fr-FR" dirty="0" smtClean="0"/>
+            </a:br>
+            <a:r>
+              <a:rPr lang="fr-FR" sz="3600" dirty="0" err="1" smtClean="0"/>
+              <a:t>Announcement</a:t>
+            </a:r>
+            <a:r>
+              <a:rPr lang="fr-FR" sz="3600" dirty="0" smtClean="0"/>
+              <a:t>, </a:t>
+            </a:r>
+            <a:r>
+              <a:rPr lang="fr-FR" sz="3600" dirty="0" err="1" smtClean="0"/>
+              <a:t>Private</a:t>
+            </a:r>
+            <a:r>
+              <a:rPr lang="fr-FR" sz="3600" dirty="0" smtClean="0"/>
+              <a:t> (no </a:t>
+            </a:r>
+            <a:r>
+              <a:rPr lang="fr-FR" sz="3600" dirty="0" err="1" smtClean="0"/>
+              <a:t>reply</a:t>
+            </a:r>
+            <a:r>
+              <a:rPr lang="fr-FR" sz="3600" dirty="0" smtClean="0"/>
+              <a:t>)</a:t>
+            </a:r>
+            <a:endParaRPr lang="fr-FR" sz="3600" dirty="0"/>
+          </a:p>
+        </p:txBody>
+      </p:sp>
+      <p:sp>
+        <p:nvSpPr>
+          <p:cNvPr id="4" name="Rectangle 3"/>
+          <p:cNvSpPr/>
+          <p:nvPr/>
+        </p:nvSpPr>
+        <p:spPr>
+          <a:xfrm>
+            <a:off x="1155382" y="3468624"/>
+            <a:ext cx="1826895" cy="1194816"/>
+          </a:xfrm>
+          <a:prstGeom prst="rect">
+            <a:avLst/>
+          </a:prstGeom>
+        </p:spPr>
+        <p:style>
+          <a:lnRef idx="2">
+            <a:schemeClr val="accent1">
+              <a:shade val="50000"/>
+            </a:schemeClr>
+          </a:lnRef>
+          <a:fillRef idx="1">
+            <a:schemeClr val="accent1"/>
+          </a:fillRef>
+          <a:effectRef idx="0">
+            <a:schemeClr val="accent1"/>
+          </a:effectRef>
+          <a:fontRef idx="minor">
+            <a:schemeClr val="lt1"/>
+          </a:fontRef>
+        </p:style>
+        <p:txBody>
+          <a:bodyPr rtlCol="0" anchor="ctr"/>
+          <a:lstStyle/>
+          <a:p>
+            <a:pPr algn="ctr"/>
+            <a:r>
+              <a:rPr lang="fr-FR" dirty="0" smtClean="0"/>
+              <a:t>Select </a:t>
+            </a:r>
+            <a:r>
+              <a:rPr lang="fr-FR" dirty="0" err="1" smtClean="0"/>
+              <a:t>Inbox</a:t>
+            </a:r>
+            <a:r>
+              <a:rPr lang="fr-FR" dirty="0" smtClean="0"/>
+              <a:t> tab</a:t>
+            </a:r>
+            <a:endParaRPr lang="fr-FR" dirty="0"/>
+          </a:p>
+        </p:txBody>
+      </p:sp>
+      <p:sp>
+        <p:nvSpPr>
+          <p:cNvPr id="5" name="Rectangle 4"/>
+          <p:cNvSpPr/>
+          <p:nvPr/>
+        </p:nvSpPr>
+        <p:spPr>
+          <a:xfrm>
+            <a:off x="4345686" y="3468624"/>
+            <a:ext cx="2458593" cy="1194816"/>
+          </a:xfrm>
+          <a:prstGeom prst="rect">
+            <a:avLst/>
+          </a:prstGeom>
+        </p:spPr>
+        <p:style>
+          <a:lnRef idx="2">
+            <a:schemeClr val="accent1">
+              <a:shade val="50000"/>
+            </a:schemeClr>
+          </a:lnRef>
+          <a:fillRef idx="1">
+            <a:schemeClr val="accent1"/>
+          </a:fillRef>
+          <a:effectRef idx="0">
+            <a:schemeClr val="accent1"/>
+          </a:effectRef>
+          <a:fontRef idx="minor">
+            <a:schemeClr val="lt1"/>
+          </a:fontRef>
+        </p:style>
+        <p:txBody>
+          <a:bodyPr rtlCol="0" anchor="ctr"/>
+          <a:lstStyle/>
+          <a:p>
+            <a:pPr algn="ctr"/>
+            <a:r>
+              <a:rPr lang="fr-FR" dirty="0" err="1" smtClean="0"/>
+              <a:t>View</a:t>
+            </a:r>
+            <a:r>
+              <a:rPr lang="fr-FR" dirty="0" smtClean="0"/>
+              <a:t> </a:t>
+            </a:r>
+            <a:r>
+              <a:rPr lang="fr-FR" dirty="0" err="1" smtClean="0"/>
+              <a:t>announcement</a:t>
+            </a:r>
+            <a:r>
+              <a:rPr lang="fr-FR" dirty="0" smtClean="0"/>
+              <a:t> (sent to class) or </a:t>
+            </a:r>
+            <a:r>
+              <a:rPr lang="fr-FR" dirty="0" err="1" smtClean="0"/>
+              <a:t>private</a:t>
+            </a:r>
+            <a:r>
+              <a:rPr lang="fr-FR" dirty="0" smtClean="0"/>
+              <a:t> (</a:t>
+            </a:r>
+            <a:r>
+              <a:rPr lang="fr-FR" dirty="0" err="1" smtClean="0"/>
+              <a:t>his</a:t>
+            </a:r>
+            <a:r>
+              <a:rPr lang="fr-FR" dirty="0" smtClean="0"/>
+              <a:t> </a:t>
+            </a:r>
+            <a:r>
+              <a:rPr lang="fr-FR" dirty="0" err="1" smtClean="0"/>
+              <a:t>account</a:t>
+            </a:r>
+            <a:r>
+              <a:rPr lang="fr-FR" dirty="0" smtClean="0"/>
+              <a:t>)</a:t>
+            </a:r>
+            <a:endParaRPr lang="fr-FR" dirty="0"/>
+          </a:p>
+        </p:txBody>
+      </p:sp>
+      <p:cxnSp>
+        <p:nvCxnSpPr>
+          <p:cNvPr id="7" name="Straight Arrow Connector 6"/>
+          <p:cNvCxnSpPr>
+            <a:stCxn id="4" idx="3"/>
+            <a:endCxn id="5" idx="1"/>
+          </p:cNvCxnSpPr>
+          <p:nvPr/>
+        </p:nvCxnSpPr>
+        <p:spPr>
+          <a:xfrm>
+            <a:off x="2982277" y="4066032"/>
+            <a:ext cx="1363409" cy="0"/>
+          </a:xfrm>
+          <a:prstGeom prst="straightConnector1">
+            <a:avLst/>
+          </a:prstGeom>
+          <a:ln>
+            <a:tailEnd type="triangle"/>
+          </a:ln>
+        </p:spPr>
+        <p:style>
+          <a:lnRef idx="1">
+            <a:schemeClr val="accent1"/>
+          </a:lnRef>
+          <a:fillRef idx="0">
+            <a:schemeClr val="accent1"/>
+          </a:fillRef>
+          <a:effectRef idx="0">
+            <a:schemeClr val="accent1"/>
+          </a:effectRef>
+          <a:fontRef idx="minor">
+            <a:schemeClr val="tx1"/>
+          </a:fontRef>
+        </p:style>
+      </p:cxnSp>
+      <p:sp>
+        <p:nvSpPr>
+          <p:cNvPr id="8" name="Rectangle 7"/>
+          <p:cNvSpPr/>
+          <p:nvPr/>
+        </p:nvSpPr>
+        <p:spPr>
+          <a:xfrm>
+            <a:off x="9081135" y="3694176"/>
+            <a:ext cx="1645920" cy="908304"/>
+          </a:xfrm>
+          <a:prstGeom prst="rect">
+            <a:avLst/>
+          </a:prstGeom>
+          <a:solidFill>
+            <a:srgbClr val="FF0000"/>
+          </a:solidFill>
+        </p:spPr>
+        <p:style>
+          <a:lnRef idx="2">
+            <a:schemeClr val="accent1">
+              <a:shade val="50000"/>
+            </a:schemeClr>
+          </a:lnRef>
+          <a:fillRef idx="1">
+            <a:schemeClr val="accent1"/>
+          </a:fillRef>
+          <a:effectRef idx="0">
+            <a:schemeClr val="accent1"/>
+          </a:effectRef>
+          <a:fontRef idx="minor">
+            <a:schemeClr val="lt1"/>
+          </a:fontRef>
+        </p:style>
+        <p:txBody>
+          <a:bodyPr rtlCol="0" anchor="ctr"/>
+          <a:lstStyle/>
+          <a:p>
+            <a:pPr algn="ctr"/>
+            <a:r>
+              <a:rPr lang="fr-FR" dirty="0" smtClean="0"/>
+              <a:t>Save messages as </a:t>
+            </a:r>
+            <a:r>
+              <a:rPr lang="zh-CN" altLang="fr-FR" dirty="0" smtClean="0"/>
+              <a:t>收藏</a:t>
+            </a:r>
+            <a:r>
+              <a:rPr lang="fr-FR" dirty="0" smtClean="0"/>
+              <a:t>???</a:t>
+            </a:r>
+            <a:endParaRPr lang="fr-FR" dirty="0"/>
+          </a:p>
+        </p:txBody>
+      </p:sp>
+      <p:sp>
+        <p:nvSpPr>
+          <p:cNvPr id="9" name="Rectangle 8"/>
+          <p:cNvSpPr/>
+          <p:nvPr/>
+        </p:nvSpPr>
+        <p:spPr>
+          <a:xfrm>
+            <a:off x="9081135" y="4899088"/>
+            <a:ext cx="1645920" cy="908304"/>
+          </a:xfrm>
+          <a:prstGeom prst="rect">
+            <a:avLst/>
+          </a:prstGeom>
+          <a:solidFill>
+            <a:srgbClr val="FF0000"/>
+          </a:solidFill>
+        </p:spPr>
+        <p:style>
+          <a:lnRef idx="2">
+            <a:schemeClr val="accent1">
+              <a:shade val="50000"/>
+            </a:schemeClr>
+          </a:lnRef>
+          <a:fillRef idx="1">
+            <a:schemeClr val="accent1"/>
+          </a:fillRef>
+          <a:effectRef idx="0">
+            <a:schemeClr val="accent1"/>
+          </a:effectRef>
+          <a:fontRef idx="minor">
+            <a:schemeClr val="lt1"/>
+          </a:fontRef>
+        </p:style>
+        <p:txBody>
+          <a:bodyPr rtlCol="0" anchor="ctr"/>
+          <a:lstStyle/>
+          <a:p>
+            <a:pPr algn="ctr"/>
+            <a:r>
+              <a:rPr lang="fr-FR" altLang="zh-CN" dirty="0" err="1" smtClean="0"/>
+              <a:t>Delete</a:t>
+            </a:r>
+            <a:r>
+              <a:rPr lang="fr-FR" altLang="zh-CN" dirty="0" smtClean="0"/>
+              <a:t> </a:t>
+            </a:r>
+            <a:r>
+              <a:rPr lang="fr-FR" dirty="0" smtClean="0"/>
+              <a:t>messages???</a:t>
+            </a:r>
+            <a:endParaRPr lang="fr-FR" dirty="0"/>
+          </a:p>
+        </p:txBody>
+      </p:sp>
+      <p:cxnSp>
+        <p:nvCxnSpPr>
+          <p:cNvPr id="11" name="Straight Arrow Connector 10"/>
+          <p:cNvCxnSpPr>
+            <a:stCxn id="5" idx="3"/>
+            <a:endCxn id="8" idx="1"/>
+          </p:cNvCxnSpPr>
+          <p:nvPr/>
+        </p:nvCxnSpPr>
+        <p:spPr>
+          <a:xfrm>
+            <a:off x="6804279" y="4066032"/>
+            <a:ext cx="2276856" cy="82296"/>
+          </a:xfrm>
+          <a:prstGeom prst="straightConnector1">
+            <a:avLst/>
+          </a:prstGeom>
+          <a:ln>
+            <a:tailEnd type="triangle"/>
+          </a:ln>
+        </p:spPr>
+        <p:style>
+          <a:lnRef idx="1">
+            <a:schemeClr val="accent1"/>
+          </a:lnRef>
+          <a:fillRef idx="0">
+            <a:schemeClr val="accent1"/>
+          </a:fillRef>
+          <a:effectRef idx="0">
+            <a:schemeClr val="accent1"/>
+          </a:effectRef>
+          <a:fontRef idx="minor">
+            <a:schemeClr val="tx1"/>
+          </a:fontRef>
+        </p:style>
+      </p:cxnSp>
+      <p:cxnSp>
+        <p:nvCxnSpPr>
+          <p:cNvPr id="13" name="Straight Arrow Connector 12"/>
+          <p:cNvCxnSpPr>
+            <a:stCxn id="5" idx="3"/>
+            <a:endCxn id="9" idx="1"/>
+          </p:cNvCxnSpPr>
+          <p:nvPr/>
+        </p:nvCxnSpPr>
+        <p:spPr>
+          <a:xfrm>
+            <a:off x="6804279" y="4066032"/>
+            <a:ext cx="2276856" cy="1287208"/>
+          </a:xfrm>
+          <a:prstGeom prst="straightConnector1">
+            <a:avLst/>
+          </a:prstGeom>
+          <a:ln>
+            <a:tailEnd type="triangle"/>
+          </a:ln>
+        </p:spPr>
+        <p:style>
+          <a:lnRef idx="1">
+            <a:schemeClr val="accent1"/>
+          </a:lnRef>
+          <a:fillRef idx="0">
+            <a:schemeClr val="accent1"/>
+          </a:fillRef>
+          <a:effectRef idx="0">
+            <a:schemeClr val="accent1"/>
+          </a:effectRef>
+          <a:fontRef idx="minor">
+            <a:schemeClr val="tx1"/>
+          </a:fontRef>
+        </p:style>
+      </p:cxnSp>
+      <p:sp>
+        <p:nvSpPr>
+          <p:cNvPr id="10" name="Rectangle 9"/>
+          <p:cNvSpPr/>
+          <p:nvPr/>
+        </p:nvSpPr>
+        <p:spPr>
+          <a:xfrm>
+            <a:off x="9081135" y="2072640"/>
+            <a:ext cx="1645920" cy="908304"/>
+          </a:xfrm>
+          <a:prstGeom prst="rect">
+            <a:avLst/>
+          </a:prstGeom>
+        </p:spPr>
+        <p:style>
+          <a:lnRef idx="2">
+            <a:schemeClr val="accent1">
+              <a:shade val="50000"/>
+            </a:schemeClr>
+          </a:lnRef>
+          <a:fillRef idx="1">
+            <a:schemeClr val="accent1"/>
+          </a:fillRef>
+          <a:effectRef idx="0">
+            <a:schemeClr val="accent1"/>
+          </a:effectRef>
+          <a:fontRef idx="minor">
+            <a:schemeClr val="lt1"/>
+          </a:fontRef>
+        </p:style>
+        <p:txBody>
+          <a:bodyPr rtlCol="0" anchor="ctr"/>
+          <a:lstStyle/>
+          <a:p>
+            <a:pPr algn="ctr"/>
+            <a:r>
+              <a:rPr lang="fr-FR" dirty="0" smtClean="0"/>
+              <a:t>Flag a message </a:t>
+            </a:r>
+            <a:r>
+              <a:rPr lang="en-US" dirty="0" smtClean="0"/>
+              <a:t>as high priority to </a:t>
+            </a:r>
+            <a:r>
+              <a:rPr lang="zh-CN" altLang="fr-FR" dirty="0" smtClean="0"/>
+              <a:t>置顶</a:t>
+            </a:r>
+            <a:endParaRPr lang="fr-FR" dirty="0"/>
+          </a:p>
+        </p:txBody>
+      </p:sp>
+      <p:cxnSp>
+        <p:nvCxnSpPr>
+          <p:cNvPr id="14" name="Straight Arrow Connector 13"/>
+          <p:cNvCxnSpPr>
+            <a:stCxn id="5" idx="3"/>
+            <a:endCxn id="10" idx="1"/>
+          </p:cNvCxnSpPr>
+          <p:nvPr/>
+        </p:nvCxnSpPr>
+        <p:spPr>
+          <a:xfrm flipV="1">
+            <a:off x="6804279" y="2526792"/>
+            <a:ext cx="2276856" cy="1539240"/>
+          </a:xfrm>
+          <a:prstGeom prst="straightConnector1">
+            <a:avLst/>
+          </a:prstGeom>
+          <a:ln>
+            <a:tailEnd type="triangle"/>
+          </a:ln>
+        </p:spPr>
+        <p:style>
+          <a:lnRef idx="1">
+            <a:schemeClr val="accent1"/>
+          </a:lnRef>
+          <a:fillRef idx="0">
+            <a:schemeClr val="accent1"/>
+          </a:fillRef>
+          <a:effectRef idx="0">
+            <a:schemeClr val="accent1"/>
+          </a:effectRef>
+          <a:fontRef idx="minor">
+            <a:schemeClr val="tx1"/>
+          </a:fontRef>
+        </p:style>
+      </p:cxnSp>
+    </p:spTree>
+    <p:extLst>
+      <p:ext uri="{BB962C8B-B14F-4D97-AF65-F5344CB8AC3E}">
+        <p14:creationId xmlns:p14="http://schemas.microsoft.com/office/powerpoint/2010/main" val="1849182865"/>
+      </p:ext>
+    </p:extLst>
+  </p:cSld>
+  <p:clrMapOvr>
+    <a:masterClrMapping/>
+  </p:clrMapOvr>
+  <p:timing>
+    <p:tnLst>
+      <p:par>
+        <p:cTn id="1" dur="indefinite" restart="never" nodeType="tmRoot"/>
+      </p:par>
+    </p:tnLst>
+  </p:timing>
+</p:sld>
+</file>
+
+<file path=ppt/slides/slide7.xml><?xml version="1.0" encoding="utf-8"?>
+<p:sld xmlns:a="http://schemas.openxmlformats.org/drawingml/2006/main" xmlns:r="http://schemas.openxmlformats.org/officeDocument/2006/relationships" xmlns:p="http://schemas.openxmlformats.org/presentationml/2006/main">
+  <p:cSld>
+    <p:spTree>
+      <p:nvGrpSpPr>
+        <p:cNvPr id="1" name=""/>
+        <p:cNvGrpSpPr/>
+        <p:nvPr/>
+      </p:nvGrpSpPr>
+      <p:grpSpPr>
+        <a:xfrm>
+          <a:off x="0" y="0"/>
+          <a:ext cx="0" cy="0"/>
+          <a:chOff x="0" y="0"/>
+          <a:chExt cx="0" cy="0"/>
+        </a:xfrm>
+      </p:grpSpPr>
+      <p:sp>
+        <p:nvSpPr>
+          <p:cNvPr id="2" name="Title 1"/>
+          <p:cNvSpPr>
+            <a:spLocks noGrp="1"/>
+          </p:cNvSpPr>
+          <p:nvPr>
+            <p:ph type="title"/>
+          </p:nvPr>
+        </p:nvSpPr>
+        <p:spPr/>
+        <p:txBody>
+          <a:bodyPr/>
+          <a:lstStyle/>
+          <a:p>
+            <a:r>
+              <a:rPr lang="fr-FR" dirty="0" smtClean="0"/>
+              <a:t>Test flow</a:t>
+            </a:r>
+            <a:endParaRPr lang="fr-FR" dirty="0"/>
+          </a:p>
+        </p:txBody>
+      </p:sp>
+      <p:sp>
+        <p:nvSpPr>
+          <p:cNvPr id="3" name="Rectangle 2"/>
+          <p:cNvSpPr/>
+          <p:nvPr/>
+        </p:nvSpPr>
+        <p:spPr>
+          <a:xfrm>
+            <a:off x="838200" y="2407603"/>
+            <a:ext cx="1597152" cy="755904"/>
+          </a:xfrm>
+          <a:prstGeom prst="rect">
+            <a:avLst/>
+          </a:prstGeom>
+        </p:spPr>
+        <p:style>
+          <a:lnRef idx="2">
+            <a:schemeClr val="accent1">
+              <a:shade val="50000"/>
+            </a:schemeClr>
+          </a:lnRef>
+          <a:fillRef idx="1">
+            <a:schemeClr val="accent1"/>
+          </a:fillRef>
+          <a:effectRef idx="0">
+            <a:schemeClr val="accent1"/>
+          </a:effectRef>
+          <a:fontRef idx="minor">
+            <a:schemeClr val="lt1"/>
+          </a:fontRef>
+        </p:style>
+        <p:txBody>
+          <a:bodyPr rtlCol="0" anchor="ctr"/>
+          <a:lstStyle/>
+          <a:p>
+            <a:pPr algn="ctr"/>
+            <a:r>
+              <a:rPr lang="fr-FR" dirty="0" smtClean="0"/>
+              <a:t>Select Test tab</a:t>
+            </a:r>
+            <a:endParaRPr lang="fr-FR" dirty="0"/>
+          </a:p>
+        </p:txBody>
+      </p:sp>
+      <p:sp>
+        <p:nvSpPr>
+          <p:cNvPr id="4" name="Rectangle 3"/>
+          <p:cNvSpPr/>
+          <p:nvPr/>
+        </p:nvSpPr>
+        <p:spPr>
+          <a:xfrm>
+            <a:off x="3007632" y="2292127"/>
+            <a:ext cx="1871506" cy="1024066"/>
+          </a:xfrm>
+          <a:prstGeom prst="rect">
+            <a:avLst/>
+          </a:prstGeom>
+        </p:spPr>
+        <p:style>
+          <a:lnRef idx="2">
+            <a:schemeClr val="accent1">
+              <a:shade val="50000"/>
+            </a:schemeClr>
+          </a:lnRef>
+          <a:fillRef idx="1">
+            <a:schemeClr val="accent1"/>
+          </a:fillRef>
+          <a:effectRef idx="0">
+            <a:schemeClr val="accent1"/>
+          </a:effectRef>
+          <a:fontRef idx="minor">
+            <a:schemeClr val="lt1"/>
+          </a:fontRef>
+        </p:style>
+        <p:txBody>
+          <a:bodyPr rtlCol="0" anchor="ctr"/>
+          <a:lstStyle/>
+          <a:p>
+            <a:pPr algn="ctr"/>
+            <a:r>
+              <a:rPr lang="fr-FR" dirty="0" smtClean="0"/>
+              <a:t>Select a </a:t>
+            </a:r>
+            <a:r>
+              <a:rPr lang="fr-FR" dirty="0" err="1" smtClean="0"/>
+              <a:t>sequence</a:t>
+            </a:r>
+            <a:r>
+              <a:rPr lang="fr-FR" dirty="0" smtClean="0"/>
+              <a:t> of </a:t>
+            </a:r>
+            <a:r>
+              <a:rPr lang="fr-FR" dirty="0" err="1" smtClean="0"/>
+              <a:t>exercises</a:t>
+            </a:r>
+            <a:r>
+              <a:rPr lang="fr-FR" dirty="0" smtClean="0"/>
+              <a:t> or an exam </a:t>
+            </a:r>
+            <a:endParaRPr lang="fr-FR" dirty="0"/>
+          </a:p>
+        </p:txBody>
+      </p:sp>
+      <p:sp>
+        <p:nvSpPr>
+          <p:cNvPr id="5" name="Rectangle 4"/>
+          <p:cNvSpPr/>
+          <p:nvPr/>
+        </p:nvSpPr>
+        <p:spPr>
+          <a:xfrm>
+            <a:off x="5274530" y="2413954"/>
+            <a:ext cx="1597152" cy="755904"/>
+          </a:xfrm>
+          <a:prstGeom prst="rect">
+            <a:avLst/>
+          </a:prstGeom>
+        </p:spPr>
+        <p:style>
+          <a:lnRef idx="2">
+            <a:schemeClr val="accent1">
+              <a:shade val="50000"/>
+            </a:schemeClr>
+          </a:lnRef>
+          <a:fillRef idx="1">
+            <a:schemeClr val="accent1"/>
+          </a:fillRef>
+          <a:effectRef idx="0">
+            <a:schemeClr val="accent1"/>
+          </a:effectRef>
+          <a:fontRef idx="minor">
+            <a:schemeClr val="lt1"/>
+          </a:fontRef>
+        </p:style>
+        <p:txBody>
+          <a:bodyPr rtlCol="0" anchor="ctr"/>
+          <a:lstStyle/>
+          <a:p>
+            <a:pPr algn="ctr"/>
+            <a:r>
+              <a:rPr lang="fr-FR" dirty="0" smtClean="0"/>
+              <a:t>Start/Restart </a:t>
+            </a:r>
+            <a:r>
+              <a:rPr lang="fr-FR" dirty="0" err="1" smtClean="0"/>
+              <a:t>exercises</a:t>
+            </a:r>
+            <a:endParaRPr lang="fr-FR" dirty="0"/>
+          </a:p>
+        </p:txBody>
+      </p:sp>
+      <p:sp>
+        <p:nvSpPr>
+          <p:cNvPr id="6" name="Rectangle 5"/>
+          <p:cNvSpPr/>
+          <p:nvPr/>
+        </p:nvSpPr>
+        <p:spPr>
+          <a:xfrm>
+            <a:off x="5274530" y="4518854"/>
+            <a:ext cx="1597152" cy="755904"/>
+          </a:xfrm>
+          <a:prstGeom prst="rect">
+            <a:avLst/>
+          </a:prstGeom>
+        </p:spPr>
+        <p:style>
+          <a:lnRef idx="2">
+            <a:schemeClr val="accent1">
+              <a:shade val="50000"/>
+            </a:schemeClr>
+          </a:lnRef>
+          <a:fillRef idx="1">
+            <a:schemeClr val="accent1"/>
+          </a:fillRef>
+          <a:effectRef idx="0">
+            <a:schemeClr val="accent1"/>
+          </a:effectRef>
+          <a:fontRef idx="minor">
+            <a:schemeClr val="lt1"/>
+          </a:fontRef>
+        </p:style>
+        <p:txBody>
+          <a:bodyPr rtlCol="0" anchor="ctr"/>
+          <a:lstStyle/>
+          <a:p>
+            <a:pPr algn="ctr"/>
+            <a:r>
+              <a:rPr lang="fr-FR" dirty="0" smtClean="0"/>
+              <a:t>Pause or Exit</a:t>
+            </a:r>
+            <a:endParaRPr lang="fr-FR" dirty="0"/>
+          </a:p>
+        </p:txBody>
+      </p:sp>
+      <p:sp>
+        <p:nvSpPr>
+          <p:cNvPr id="7" name="Rectangle 6"/>
+          <p:cNvSpPr/>
+          <p:nvPr/>
+        </p:nvSpPr>
+        <p:spPr>
+          <a:xfrm>
+            <a:off x="7857642" y="4518854"/>
+            <a:ext cx="1597152" cy="755904"/>
+          </a:xfrm>
+          <a:prstGeom prst="rect">
+            <a:avLst/>
+          </a:prstGeom>
+        </p:spPr>
+        <p:style>
+          <a:lnRef idx="2">
+            <a:schemeClr val="accent1">
+              <a:shade val="50000"/>
+            </a:schemeClr>
+          </a:lnRef>
+          <a:fillRef idx="1">
+            <a:schemeClr val="accent1"/>
+          </a:fillRef>
+          <a:effectRef idx="0">
+            <a:schemeClr val="accent1"/>
+          </a:effectRef>
+          <a:fontRef idx="minor">
+            <a:schemeClr val="lt1"/>
+          </a:fontRef>
+        </p:style>
+        <p:txBody>
+          <a:bodyPr rtlCol="0" anchor="ctr"/>
+          <a:lstStyle/>
+          <a:p>
+            <a:pPr algn="ctr"/>
+            <a:r>
+              <a:rPr lang="fr-FR" dirty="0" err="1" smtClean="0"/>
+              <a:t>Resume</a:t>
+            </a:r>
+            <a:endParaRPr lang="fr-FR" dirty="0"/>
+          </a:p>
+        </p:txBody>
+      </p:sp>
+      <p:sp>
+        <p:nvSpPr>
+          <p:cNvPr id="8" name="Rectangle 7"/>
+          <p:cNvSpPr/>
+          <p:nvPr/>
+        </p:nvSpPr>
+        <p:spPr>
+          <a:xfrm>
+            <a:off x="7857642" y="2426208"/>
+            <a:ext cx="1597152" cy="755904"/>
+          </a:xfrm>
+          <a:prstGeom prst="rect">
+            <a:avLst/>
+          </a:prstGeom>
+        </p:spPr>
+        <p:style>
+          <a:lnRef idx="2">
+            <a:schemeClr val="accent1">
+              <a:shade val="50000"/>
+            </a:schemeClr>
+          </a:lnRef>
+          <a:fillRef idx="1">
+            <a:schemeClr val="accent1"/>
+          </a:fillRef>
+          <a:effectRef idx="0">
+            <a:schemeClr val="accent1"/>
+          </a:effectRef>
+          <a:fontRef idx="minor">
+            <a:schemeClr val="lt1"/>
+          </a:fontRef>
+        </p:style>
+        <p:txBody>
+          <a:bodyPr rtlCol="0" anchor="ctr"/>
+          <a:lstStyle/>
+          <a:p>
+            <a:pPr algn="ctr"/>
+            <a:r>
+              <a:rPr lang="fr-FR" dirty="0" smtClean="0"/>
+              <a:t>Complete all and </a:t>
+            </a:r>
+            <a:r>
+              <a:rPr lang="fr-FR" dirty="0" err="1" smtClean="0"/>
+              <a:t>submit</a:t>
+            </a:r>
+            <a:endParaRPr lang="fr-FR" dirty="0"/>
+          </a:p>
+        </p:txBody>
+      </p:sp>
+      <p:sp>
+        <p:nvSpPr>
+          <p:cNvPr id="9" name="Rectangle 8"/>
+          <p:cNvSpPr/>
+          <p:nvPr/>
+        </p:nvSpPr>
+        <p:spPr>
+          <a:xfrm>
+            <a:off x="10274774" y="2413954"/>
+            <a:ext cx="1597152" cy="755904"/>
+          </a:xfrm>
+          <a:prstGeom prst="rect">
+            <a:avLst/>
+          </a:prstGeom>
+        </p:spPr>
+        <p:style>
+          <a:lnRef idx="2">
+            <a:schemeClr val="accent1">
+              <a:shade val="50000"/>
+            </a:schemeClr>
+          </a:lnRef>
+          <a:fillRef idx="1">
+            <a:schemeClr val="accent1"/>
+          </a:fillRef>
+          <a:effectRef idx="0">
+            <a:schemeClr val="accent1"/>
+          </a:effectRef>
+          <a:fontRef idx="minor">
+            <a:schemeClr val="lt1"/>
+          </a:fontRef>
+        </p:style>
+        <p:txBody>
+          <a:bodyPr rtlCol="0" anchor="ctr"/>
+          <a:lstStyle/>
+          <a:p>
+            <a:pPr algn="ctr"/>
+            <a:r>
+              <a:rPr lang="fr-FR" dirty="0" smtClean="0"/>
+              <a:t>Check score and </a:t>
+            </a:r>
+            <a:r>
+              <a:rPr lang="fr-FR" dirty="0" err="1" smtClean="0"/>
+              <a:t>answers</a:t>
+            </a:r>
+            <a:endParaRPr lang="fr-FR" dirty="0"/>
+          </a:p>
+        </p:txBody>
+      </p:sp>
+      <p:cxnSp>
+        <p:nvCxnSpPr>
+          <p:cNvPr id="11" name="Straight Arrow Connector 10"/>
+          <p:cNvCxnSpPr>
+            <a:stCxn id="3" idx="3"/>
+            <a:endCxn id="4" idx="1"/>
+          </p:cNvCxnSpPr>
+          <p:nvPr/>
+        </p:nvCxnSpPr>
+        <p:spPr>
+          <a:xfrm>
+            <a:off x="2435352" y="2785555"/>
+            <a:ext cx="572280" cy="18605"/>
+          </a:xfrm>
+          <a:prstGeom prst="straightConnector1">
+            <a:avLst/>
+          </a:prstGeom>
+          <a:ln>
+            <a:tailEnd type="triangle"/>
+          </a:ln>
+        </p:spPr>
+        <p:style>
+          <a:lnRef idx="1">
+            <a:schemeClr val="accent1"/>
+          </a:lnRef>
+          <a:fillRef idx="0">
+            <a:schemeClr val="accent1"/>
+          </a:fillRef>
+          <a:effectRef idx="0">
+            <a:schemeClr val="accent1"/>
+          </a:effectRef>
+          <a:fontRef idx="minor">
+            <a:schemeClr val="tx1"/>
+          </a:fontRef>
+        </p:style>
+      </p:cxnSp>
+      <p:cxnSp>
+        <p:nvCxnSpPr>
+          <p:cNvPr id="13" name="Straight Arrow Connector 12"/>
+          <p:cNvCxnSpPr>
+            <a:stCxn id="4" idx="3"/>
+            <a:endCxn id="5" idx="1"/>
+          </p:cNvCxnSpPr>
+          <p:nvPr/>
+        </p:nvCxnSpPr>
+        <p:spPr>
+          <a:xfrm flipV="1">
+            <a:off x="4879138" y="2791906"/>
+            <a:ext cx="395392" cy="12254"/>
+          </a:xfrm>
+          <a:prstGeom prst="straightConnector1">
+            <a:avLst/>
+          </a:prstGeom>
+          <a:ln>
+            <a:tailEnd type="triangle"/>
+          </a:ln>
+        </p:spPr>
+        <p:style>
+          <a:lnRef idx="1">
+            <a:schemeClr val="accent1"/>
+          </a:lnRef>
+          <a:fillRef idx="0">
+            <a:schemeClr val="accent1"/>
+          </a:fillRef>
+          <a:effectRef idx="0">
+            <a:schemeClr val="accent1"/>
+          </a:effectRef>
+          <a:fontRef idx="minor">
+            <a:schemeClr val="tx1"/>
+          </a:fontRef>
+        </p:style>
+      </p:cxnSp>
+      <p:cxnSp>
+        <p:nvCxnSpPr>
+          <p:cNvPr id="15" name="Straight Arrow Connector 14"/>
+          <p:cNvCxnSpPr>
+            <a:stCxn id="5" idx="2"/>
+            <a:endCxn id="6" idx="0"/>
+          </p:cNvCxnSpPr>
+          <p:nvPr/>
+        </p:nvCxnSpPr>
+        <p:spPr>
+          <a:xfrm>
+            <a:off x="6073106" y="3169858"/>
+            <a:ext cx="0" cy="1348996"/>
+          </a:xfrm>
+          <a:prstGeom prst="straightConnector1">
+            <a:avLst/>
+          </a:prstGeom>
+          <a:ln>
+            <a:tailEnd type="triangle"/>
+          </a:ln>
+        </p:spPr>
+        <p:style>
+          <a:lnRef idx="1">
+            <a:schemeClr val="accent1"/>
+          </a:lnRef>
+          <a:fillRef idx="0">
+            <a:schemeClr val="accent1"/>
+          </a:fillRef>
+          <a:effectRef idx="0">
+            <a:schemeClr val="accent1"/>
+          </a:effectRef>
+          <a:fontRef idx="minor">
+            <a:schemeClr val="tx1"/>
+          </a:fontRef>
+        </p:style>
+      </p:cxnSp>
+      <p:cxnSp>
+        <p:nvCxnSpPr>
+          <p:cNvPr id="17" name="Straight Arrow Connector 16"/>
+          <p:cNvCxnSpPr>
+            <a:stCxn id="6" idx="3"/>
+            <a:endCxn id="7" idx="1"/>
+          </p:cNvCxnSpPr>
+          <p:nvPr/>
+        </p:nvCxnSpPr>
+        <p:spPr>
+          <a:xfrm>
+            <a:off x="6871682" y="4896806"/>
+            <a:ext cx="985960" cy="0"/>
+          </a:xfrm>
+          <a:prstGeom prst="straightConnector1">
+            <a:avLst/>
+          </a:prstGeom>
+          <a:ln>
+            <a:tailEnd type="triangle"/>
+          </a:ln>
+        </p:spPr>
+        <p:style>
+          <a:lnRef idx="1">
+            <a:schemeClr val="accent1"/>
+          </a:lnRef>
+          <a:fillRef idx="0">
+            <a:schemeClr val="accent1"/>
+          </a:fillRef>
+          <a:effectRef idx="0">
+            <a:schemeClr val="accent1"/>
+          </a:effectRef>
+          <a:fontRef idx="minor">
+            <a:schemeClr val="tx1"/>
+          </a:fontRef>
+        </p:style>
+      </p:cxnSp>
+      <p:cxnSp>
+        <p:nvCxnSpPr>
+          <p:cNvPr id="19" name="Straight Arrow Connector 18"/>
+          <p:cNvCxnSpPr>
+            <a:stCxn id="5" idx="3"/>
+            <a:endCxn id="8" idx="1"/>
+          </p:cNvCxnSpPr>
+          <p:nvPr/>
+        </p:nvCxnSpPr>
+        <p:spPr>
+          <a:xfrm>
+            <a:off x="6871682" y="2791906"/>
+            <a:ext cx="985960" cy="12254"/>
+          </a:xfrm>
+          <a:prstGeom prst="straightConnector1">
+            <a:avLst/>
+          </a:prstGeom>
+          <a:ln>
+            <a:tailEnd type="triangle"/>
+          </a:ln>
+        </p:spPr>
+        <p:style>
+          <a:lnRef idx="1">
+            <a:schemeClr val="accent1"/>
+          </a:lnRef>
+          <a:fillRef idx="0">
+            <a:schemeClr val="accent1"/>
+          </a:fillRef>
+          <a:effectRef idx="0">
+            <a:schemeClr val="accent1"/>
+          </a:effectRef>
+          <a:fontRef idx="minor">
+            <a:schemeClr val="tx1"/>
+          </a:fontRef>
+        </p:style>
+      </p:cxnSp>
+      <p:cxnSp>
+        <p:nvCxnSpPr>
+          <p:cNvPr id="21" name="Straight Arrow Connector 20"/>
+          <p:cNvCxnSpPr>
+            <a:stCxn id="8" idx="3"/>
+            <a:endCxn id="9" idx="1"/>
+          </p:cNvCxnSpPr>
+          <p:nvPr/>
+        </p:nvCxnSpPr>
+        <p:spPr>
+          <a:xfrm flipV="1">
+            <a:off x="9454794" y="2791906"/>
+            <a:ext cx="819980" cy="12254"/>
+          </a:xfrm>
+          <a:prstGeom prst="straightConnector1">
+            <a:avLst/>
+          </a:prstGeom>
+          <a:ln>
+            <a:tailEnd type="triangle"/>
+          </a:ln>
+        </p:spPr>
+        <p:style>
+          <a:lnRef idx="1">
+            <a:schemeClr val="accent1"/>
+          </a:lnRef>
+          <a:fillRef idx="0">
+            <a:schemeClr val="accent1"/>
+          </a:fillRef>
+          <a:effectRef idx="0">
+            <a:schemeClr val="accent1"/>
+          </a:effectRef>
+          <a:fontRef idx="minor">
+            <a:schemeClr val="tx1"/>
+          </a:fontRef>
+        </p:style>
+      </p:cxnSp>
+      <p:cxnSp>
+        <p:nvCxnSpPr>
+          <p:cNvPr id="23" name="Straight Arrow Connector 22"/>
+          <p:cNvCxnSpPr>
+            <a:stCxn id="7" idx="0"/>
+            <a:endCxn id="8" idx="2"/>
+          </p:cNvCxnSpPr>
+          <p:nvPr/>
+        </p:nvCxnSpPr>
+        <p:spPr>
+          <a:xfrm flipV="1">
+            <a:off x="8656218" y="3182112"/>
+            <a:ext cx="0" cy="1336742"/>
+          </a:xfrm>
+          <a:prstGeom prst="straightConnector1">
+            <a:avLst/>
+          </a:prstGeom>
+          <a:ln>
+            <a:tailEnd type="triangle"/>
+          </a:ln>
+        </p:spPr>
+        <p:style>
+          <a:lnRef idx="1">
+            <a:schemeClr val="accent1"/>
+          </a:lnRef>
+          <a:fillRef idx="0">
+            <a:schemeClr val="accent1"/>
+          </a:fillRef>
+          <a:effectRef idx="0">
+            <a:schemeClr val="accent1"/>
+          </a:effectRef>
+          <a:fontRef idx="minor">
+            <a:schemeClr val="tx1"/>
+          </a:fontRef>
+        </p:style>
+      </p:cxnSp>
+      <p:cxnSp>
+        <p:nvCxnSpPr>
+          <p:cNvPr id="68" name="Elbow Connector 67"/>
+          <p:cNvCxnSpPr>
+            <a:stCxn id="9" idx="0"/>
+            <a:endCxn id="4" idx="0"/>
+          </p:cNvCxnSpPr>
+          <p:nvPr/>
+        </p:nvCxnSpPr>
+        <p:spPr>
+          <a:xfrm rot="16200000" flipV="1">
+            <a:off x="7447455" y="-1211942"/>
+            <a:ext cx="121827" cy="7129965"/>
+          </a:xfrm>
+          <a:prstGeom prst="bentConnector3">
+            <a:avLst>
+              <a:gd name="adj1" fmla="val 487796"/>
+            </a:avLst>
+          </a:prstGeom>
+          <a:ln>
+            <a:tailEnd type="triangle"/>
+          </a:ln>
+        </p:spPr>
+        <p:style>
+          <a:lnRef idx="1">
+            <a:schemeClr val="accent1"/>
+          </a:lnRef>
+          <a:fillRef idx="0">
+            <a:schemeClr val="accent1"/>
+          </a:fillRef>
+          <a:effectRef idx="0">
+            <a:schemeClr val="accent1"/>
+          </a:effectRef>
+          <a:fontRef idx="minor">
+            <a:schemeClr val="tx1"/>
+          </a:fontRef>
+        </p:style>
+      </p:cxnSp>
+    </p:spTree>
+    <p:extLst>
+      <p:ext uri="{BB962C8B-B14F-4D97-AF65-F5344CB8AC3E}">
+        <p14:creationId xmlns:p14="http://schemas.microsoft.com/office/powerpoint/2010/main" val="2022138182"/>
+      </p:ext>
+    </p:extLst>
+  </p:cSld>
+  <p:clrMapOvr>
+    <a:masterClrMapping/>
+  </p:clrMapOvr>
+  <p:timing>
+    <p:tnLst>
+      <p:par>
+        <p:cTn id="1" dur="indefinite" restart="never" nodeType="tmRoot"/>
+      </p:par>
+    </p:tnLst>
+  </p:timing>
+</p:sld>
+</file>
+
+<file path=ppt/slides/slide8.xml><?xml version="1.0" encoding="utf-8"?>
+<p:sld xmlns:a="http://schemas.openxmlformats.org/drawingml/2006/main" xmlns:r="http://schemas.openxmlformats.org/officeDocument/2006/relationships" xmlns:p="http://schemas.openxmlformats.org/presentationml/2006/main">
+  <p:cSld>
+    <p:spTree>
+      <p:nvGrpSpPr>
+        <p:cNvPr id="1" name=""/>
+        <p:cNvGrpSpPr/>
+        <p:nvPr/>
+      </p:nvGrpSpPr>
+      <p:grpSpPr>
+        <a:xfrm>
+          <a:off x="0" y="0"/>
+          <a:ext cx="0" cy="0"/>
+          <a:chOff x="0" y="0"/>
+          <a:chExt cx="0" cy="0"/>
+        </a:xfrm>
+      </p:grpSpPr>
+      <p:sp>
+        <p:nvSpPr>
+          <p:cNvPr id="2" name="Title 1"/>
+          <p:cNvSpPr>
+            <a:spLocks noGrp="1"/>
+          </p:cNvSpPr>
+          <p:nvPr>
+            <p:ph type="title"/>
+          </p:nvPr>
+        </p:nvSpPr>
+        <p:spPr>
+          <a:xfrm>
+            <a:off x="795207" y="285509"/>
+            <a:ext cx="10515600" cy="792598"/>
           </a:xfrm>
         </p:spPr>
         <p:txBody>
@@ -6164,7 +8694,7 @@
         </p:nvSpPr>
         <p:spPr>
           <a:xfrm>
-            <a:off x="306705" y="2614446"/>
+            <a:off x="795207" y="1334286"/>
             <a:ext cx="1574673" cy="864156"/>
           </a:xfrm>
           <a:prstGeom prst="rect">
@@ -6211,7 +8741,7 @@
         </p:nvCxnSpPr>
         <p:spPr>
           <a:xfrm flipV="1">
-            <a:off x="1881378" y="3036964"/>
+            <a:off x="2369880" y="1756804"/>
             <a:ext cx="445962" cy="9560"/>
           </a:xfrm>
           <a:prstGeom prst="straightConnector1">
@@ -6238,14 +8768,14 @@
       </p:cxnSp>
       <p:sp>
         <p:nvSpPr>
-          <p:cNvPr id="6" name="Rectangle 5"/>
+          <p:cNvPr id="12" name="Rectangle 11"/>
           <p:cNvSpPr/>
           <p:nvPr/>
         </p:nvSpPr>
         <p:spPr>
           <a:xfrm>
-            <a:off x="4690111" y="3298914"/>
-            <a:ext cx="1994916" cy="1194816"/>
+            <a:off x="5231888" y="1289414"/>
+            <a:ext cx="1804103" cy="953899"/>
           </a:xfrm>
           <a:prstGeom prst="rect">
             <a:avLst/>
@@ -6274,131 +8804,15 @@
             <a:pPr algn="ctr"/>
             <a:r>
               <a:rPr lang="fr-FR" altLang="zh-CN" dirty="0" smtClean="0"/>
-              <a:t>For classes </a:t>
+              <a:t>Click « </a:t>
             </a:r>
             <a:r>
               <a:rPr lang="fr-FR" altLang="zh-CN" dirty="0" err="1" smtClean="0"/>
-              <a:t>joined</a:t>
+              <a:t>apply</a:t>
             </a:r>
             <a:r>
               <a:rPr lang="fr-FR" altLang="zh-CN" dirty="0" smtClean="0"/>
-              <a:t>, show </a:t>
-            </a:r>
-            <a:r>
-              <a:rPr lang="fr-FR" altLang="zh-CN" dirty="0" err="1" smtClean="0"/>
-              <a:t>joined</a:t>
-            </a:r>
-            <a:r>
-              <a:rPr lang="fr-FR" altLang="zh-CN" dirty="0" smtClean="0"/>
-              <a:t> </a:t>
-            </a:r>
-            <a:r>
-              <a:rPr lang="fr-FR" altLang="zh-CN" dirty="0" err="1" smtClean="0"/>
-              <a:t>status</a:t>
-            </a:r>
-            <a:endParaRPr lang="fr-FR" dirty="0"/>
-          </a:p>
-        </p:txBody>
-      </p:sp>
-      <p:cxnSp>
-        <p:nvCxnSpPr>
-          <p:cNvPr id="8" name="Straight Arrow Connector 7"/>
-          <p:cNvCxnSpPr>
-            <a:stCxn id="28" idx="3"/>
-            <a:endCxn id="6" idx="1"/>
-          </p:cNvCxnSpPr>
-          <p:nvPr/>
-        </p:nvCxnSpPr>
-        <p:spPr>
-          <a:xfrm>
-            <a:off x="3894393" y="3036964"/>
-            <a:ext cx="795718" cy="859358"/>
-          </a:xfrm>
-          <a:prstGeom prst="straightConnector1">
-            <a:avLst/>
-          </a:prstGeom>
-          <a:ln>
-            <a:tailEnd type="triangle"/>
-          </a:ln>
-        </p:spPr>
-        <p:style>
-          <a:lnRef idx="1">
-            <a:schemeClr val="accent1"/>
-          </a:lnRef>
-          <a:fillRef idx="0">
-            <a:schemeClr val="accent1"/>
-          </a:fillRef>
-          <a:effectRef idx="0">
-            <a:schemeClr val="accent1"/>
-          </a:effectRef>
-          <a:fontRef idx="minor">
-            <a:schemeClr val="tx1"/>
-          </a:fontRef>
-        </p:style>
-      </p:cxnSp>
-      <p:sp>
-        <p:nvSpPr>
-          <p:cNvPr id="12" name="Rectangle 11"/>
-          <p:cNvSpPr/>
-          <p:nvPr/>
-        </p:nvSpPr>
-        <p:spPr>
-          <a:xfrm>
-            <a:off x="4879278" y="1504897"/>
-            <a:ext cx="1994916" cy="1194816"/>
-          </a:xfrm>
-          <a:prstGeom prst="rect">
-            <a:avLst/>
-          </a:prstGeom>
-        </p:spPr>
-        <p:style>
-          <a:lnRef idx="2">
-            <a:schemeClr val="accent1">
-              <a:shade val="50000"/>
-            </a:schemeClr>
-          </a:lnRef>
-          <a:fillRef idx="1">
-            <a:schemeClr val="accent1"/>
-          </a:fillRef>
-          <a:effectRef idx="0">
-            <a:schemeClr val="accent1"/>
-          </a:effectRef>
-          <a:fontRef idx="minor">
-            <a:schemeClr val="lt1"/>
-          </a:fontRef>
-        </p:style>
-        <p:txBody>
-          <a:bodyPr rtlCol="0" anchor="ctr"/>
-          <a:lstStyle/>
-          <a:p>
-            <a:pPr algn="ctr"/>
-            <a:r>
-              <a:rPr lang="fr-FR" altLang="zh-CN" dirty="0" smtClean="0"/>
-              <a:t>For classes NOT </a:t>
-            </a:r>
-            <a:r>
-              <a:rPr lang="fr-FR" altLang="zh-CN" dirty="0" err="1" smtClean="0"/>
-              <a:t>joined</a:t>
-            </a:r>
-            <a:r>
-              <a:rPr lang="fr-FR" altLang="zh-CN" dirty="0" smtClean="0"/>
-              <a:t>, </a:t>
-            </a:r>
-            <a:r>
-              <a:rPr lang="fr-FR" altLang="zh-CN" dirty="0" err="1" smtClean="0"/>
-              <a:t>ask</a:t>
-            </a:r>
-            <a:r>
-              <a:rPr lang="fr-FR" altLang="zh-CN" dirty="0" smtClean="0"/>
-              <a:t> for </a:t>
-            </a:r>
-            <a:r>
-              <a:rPr lang="fr-FR" altLang="zh-CN" dirty="0" err="1" smtClean="0"/>
-              <a:t>access</a:t>
-            </a:r>
-            <a:r>
-              <a:rPr lang="fr-FR" altLang="zh-CN" dirty="0" smtClean="0"/>
-              <a:t> code</a:t>
+              <a:t> for class »</a:t>
             </a:r>
             <a:endParaRPr lang="fr-FR" dirty="0"/>
           </a:p>
@@ -6414,9 +8828,9 @@
           <p:nvPr/>
         </p:nvCxnSpPr>
         <p:spPr>
-          <a:xfrm flipV="1">
-            <a:off x="3894393" y="2102305"/>
-            <a:ext cx="984885" cy="934659"/>
+          <a:xfrm>
+            <a:off x="4459476" y="1756804"/>
+            <a:ext cx="772412" cy="9560"/>
           </a:xfrm>
           <a:prstGeom prst="straightConnector1">
             <a:avLst/>
@@ -6448,8 +8862,8 @@
         </p:nvSpPr>
         <p:spPr>
           <a:xfrm>
-            <a:off x="2327340" y="2595325"/>
-            <a:ext cx="1567053" cy="883277"/>
+            <a:off x="2815842" y="1315165"/>
+            <a:ext cx="1643634" cy="883277"/>
           </a:xfrm>
           <a:prstGeom prst="rect">
             <a:avLst/>
@@ -6489,12 +8903,24 @@
               <a:t> of </a:t>
             </a:r>
             <a:r>
-              <a:rPr lang="fr-FR" dirty="0" err="1" smtClean="0"/>
-              <a:t>available</a:t>
-            </a:r>
-            <a:r>
-              <a:rPr lang="fr-FR" dirty="0" smtClean="0"/>
-              <a:t> classes</a:t>
+              <a:rPr lang="fr-FR" altLang="zh-CN" dirty="0" err="1" smtClean="0"/>
+              <a:t>joined</a:t>
+            </a:r>
+            <a:r>
+              <a:rPr lang="fr-FR" altLang="zh-CN" dirty="0" smtClean="0"/>
+              <a:t> and </a:t>
+            </a:r>
+            <a:r>
+              <a:rPr lang="fr-FR" altLang="zh-CN" dirty="0" err="1" smtClean="0"/>
+              <a:t>pending</a:t>
+            </a:r>
+            <a:r>
+              <a:rPr lang="fr-FR" altLang="zh-CN" dirty="0" smtClean="0"/>
+              <a:t> </a:t>
+            </a:r>
+            <a:r>
+              <a:rPr lang="fr-FR" dirty="0" smtClean="0"/>
+              <a:t>classes</a:t>
             </a:r>
             <a:endParaRPr lang="fr-FR" dirty="0"/>
           </a:p>
@@ -6508,7 +8934,7 @@
         </p:nvSpPr>
         <p:spPr>
           <a:xfrm>
-            <a:off x="9674545" y="2367816"/>
+            <a:off x="7956679" y="1251027"/>
             <a:ext cx="1816608" cy="1020557"/>
           </a:xfrm>
           <a:prstGeom prst="rect">
@@ -6537,24 +8963,8 @@
           <a:p>
             <a:pPr algn="ctr"/>
             <a:r>
-              <a:rPr lang="fr-FR" dirty="0" err="1" smtClean="0"/>
-              <a:t>Send</a:t>
-            </a:r>
-            <a:r>
-              <a:rPr lang="fr-FR" dirty="0" smtClean="0"/>
-              <a:t> </a:t>
-            </a:r>
-            <a:r>
-              <a:rPr lang="fr-FR" dirty="0" err="1" smtClean="0"/>
-              <a:t>request</a:t>
-            </a:r>
-            <a:r>
-              <a:rPr lang="fr-FR" dirty="0" smtClean="0"/>
-              <a:t> to </a:t>
-            </a:r>
-            <a:r>
-              <a:rPr lang="fr-FR" dirty="0" err="1" smtClean="0"/>
-              <a:t>join</a:t>
+              <a:rPr lang="fr-FR" dirty="0" smtClean="0"/>
+              <a:t>Input class code</a:t>
             </a:r>
             <a:endParaRPr lang="fr-FR" dirty="0">
               <a:solidFill>
@@ -6564,87 +8974,19 @@
           </a:p>
         </p:txBody>
       </p:sp>
-      <p:sp>
-        <p:nvSpPr>
-          <p:cNvPr id="65" name="Rectangle 64"/>
-          <p:cNvSpPr/>
-          <p:nvPr/>
-        </p:nvSpPr>
-        <p:spPr>
-          <a:xfrm>
-            <a:off x="9674545" y="4055752"/>
-            <a:ext cx="1816608" cy="597408"/>
-          </a:xfrm>
-          <a:prstGeom prst="rect">
-            <a:avLst/>
-          </a:prstGeom>
-        </p:spPr>
-        <p:style>
-          <a:lnRef idx="2">
-            <a:schemeClr val="accent1">
-              <a:shade val="50000"/>
-            </a:schemeClr>
-          </a:lnRef>
-          <a:fillRef idx="1">
-            <a:schemeClr val="accent1"/>
-          </a:fillRef>
-          <a:effectRef idx="0">
-            <a:schemeClr val="accent1"/>
-          </a:effectRef>
-          <a:fontRef idx="minor">
-            <a:schemeClr val="lt1"/>
-          </a:fontRef>
-        </p:style>
-        <p:txBody>
-          <a:bodyPr rtlCol="0" anchor="ctr"/>
-          <a:lstStyle/>
-          <a:p>
-            <a:pPr algn="ctr"/>
-            <a:r>
-              <a:rPr lang="fr-FR" dirty="0" smtClean="0"/>
-              <a:t>Teacher </a:t>
-            </a:r>
-            <a:r>
-              <a:rPr lang="fr-FR" dirty="0" err="1" smtClean="0"/>
-              <a:t>approves</a:t>
-            </a:r>
-            <a:r>
-              <a:rPr lang="fr-FR" dirty="0" smtClean="0"/>
-              <a:t> </a:t>
-            </a:r>
-            <a:r>
-              <a:rPr lang="fr-FR" dirty="0" err="1" smtClean="0"/>
-              <a:t>thru</a:t>
-            </a:r>
-            <a:r>
-              <a:rPr lang="fr-FR" dirty="0" smtClean="0"/>
-              <a:t> admin </a:t>
-            </a:r>
-            <a:r>
-              <a:rPr lang="fr-FR" dirty="0" err="1" smtClean="0"/>
-              <a:t>tool</a:t>
-            </a:r>
-            <a:r>
-              <a:rPr lang="fr-FR" dirty="0" smtClean="0"/>
-              <a:t> </a:t>
-            </a:r>
-            <a:endParaRPr lang="fr-FR" dirty="0"/>
-          </a:p>
-        </p:txBody>
-      </p:sp>
       <p:cxnSp>
         <p:nvCxnSpPr>
           <p:cNvPr id="67" name="Straight Arrow Connector 66"/>
           <p:cNvCxnSpPr>
             <a:stCxn id="12" idx="3"/>
-            <a:endCxn id="21" idx="1"/>
+            <a:endCxn id="64" idx="1"/>
           </p:cNvCxnSpPr>
           <p:nvPr/>
         </p:nvCxnSpPr>
         <p:spPr>
           <a:xfrm flipV="1">
-            <a:off x="6874194" y="2074095"/>
-            <a:ext cx="432054" cy="28210"/>
+            <a:off x="7035991" y="1761306"/>
+            <a:ext cx="920688" cy="5058"/>
           </a:xfrm>
           <a:prstGeom prst="straightConnector1">
             <a:avLst/>
@@ -6673,14 +9015,14 @@
           <p:cNvPr id="70" name="Straight Arrow Connector 69"/>
           <p:cNvCxnSpPr>
             <a:stCxn id="64" idx="2"/>
-            <a:endCxn id="65" idx="0"/>
+            <a:endCxn id="21" idx="0"/>
           </p:cNvCxnSpPr>
           <p:nvPr/>
         </p:nvCxnSpPr>
         <p:spPr>
           <a:xfrm>
-            <a:off x="10582849" y="3388373"/>
-            <a:ext cx="0" cy="667379"/>
+            <a:off x="8864983" y="2271584"/>
+            <a:ext cx="0" cy="263530"/>
           </a:xfrm>
           <a:prstGeom prst="straightConnector1">
             <a:avLst/>
@@ -6712,8 +9054,8 @@
         </p:nvSpPr>
         <p:spPr>
           <a:xfrm>
-            <a:off x="7306248" y="1490857"/>
-            <a:ext cx="1732027" cy="1166475"/>
+            <a:off x="7903435" y="2535114"/>
+            <a:ext cx="1923095" cy="1243879"/>
           </a:xfrm>
           <a:prstGeom prst="diamond">
             <a:avLst/>
@@ -6741,20 +9083,16 @@
           <a:p>
             <a:pPr algn="ctr"/>
             <a:r>
-              <a:rPr lang="fr-FR" dirty="0" err="1" smtClean="0"/>
-              <a:t>With</a:t>
-            </a:r>
-            <a:r>
-              <a:rPr lang="fr-FR" dirty="0" smtClean="0"/>
-              <a:t> </a:t>
-            </a:r>
-            <a:r>
-              <a:rPr lang="fr-FR" dirty="0" err="1" smtClean="0"/>
-              <a:t>access</a:t>
-            </a:r>
-            <a:r>
-              <a:rPr lang="fr-FR" dirty="0" smtClean="0"/>
-              <a:t> cde?</a:t>
+              <a:rPr lang="fr-FR" dirty="0" smtClean="0"/>
+              <a:t>Auto-</a:t>
+            </a:r>
+            <a:r>
+              <a:rPr lang="fr-FR" dirty="0" err="1" smtClean="0"/>
+              <a:t>approve</a:t>
+            </a:r>
+            <a:r>
+              <a:rPr lang="fr-FR" dirty="0" smtClean="0"/>
+              <a:t>?</a:t>
             </a:r>
             <a:endParaRPr lang="fr-FR" dirty="0"/>
           </a:p>
@@ -6768,7 +9106,7 @@
         </p:nvSpPr>
         <p:spPr>
           <a:xfrm>
-            <a:off x="9644445" y="832710"/>
+            <a:off x="4916009" y="2535114"/>
             <a:ext cx="1846708" cy="1175478"/>
           </a:xfrm>
           <a:prstGeom prst="rect">
@@ -6826,15 +9164,11 @@
             </a:r>
             <a:r>
               <a:rPr lang="fr-FR" dirty="0" err="1" smtClean="0"/>
-              <a:t>list</a:t>
-            </a:r>
-            <a:r>
-              <a:rPr lang="fr-FR" dirty="0" smtClean="0"/>
-              <a:t> of test </a:t>
-            </a:r>
-            <a:r>
-              <a:rPr lang="fr-FR" dirty="0" err="1" smtClean="0"/>
-              <a:t>titles</a:t>
+              <a:t>inbox</a:t>
+            </a:r>
+            <a:r>
+              <a:rPr lang="fr-FR" dirty="0" smtClean="0"/>
+              <a:t> and test</a:t>
             </a:r>
             <a:endParaRPr lang="fr-FR" dirty="0"/>
           </a:p>
@@ -6844,51 +9178,15 @@
         <p:nvCxnSpPr>
           <p:cNvPr id="36" name="Straight Arrow Connector 35"/>
           <p:cNvCxnSpPr>
-            <a:stCxn id="21" idx="3"/>
-            <a:endCxn id="22" idx="1"/>
+            <a:stCxn id="21" idx="1"/>
+            <a:endCxn id="22" idx="3"/>
           </p:cNvCxnSpPr>
           <p:nvPr/>
         </p:nvCxnSpPr>
         <p:spPr>
-          <a:xfrm flipV="1">
-            <a:off x="9038275" y="1420449"/>
-            <a:ext cx="606170" cy="653646"/>
-          </a:xfrm>
-          <a:prstGeom prst="straightConnector1">
-            <a:avLst/>
-          </a:prstGeom>
-          <a:ln>
-            <a:tailEnd type="triangle"/>
-          </a:ln>
-        </p:spPr>
-        <p:style>
-          <a:lnRef idx="1">
-            <a:schemeClr val="accent1"/>
-          </a:lnRef>
-          <a:fillRef idx="0">
-            <a:schemeClr val="accent1"/>
-          </a:fillRef>
-          <a:effectRef idx="0">
-            <a:schemeClr val="accent1"/>
-          </a:effectRef>
-          <a:fontRef idx="minor">
-            <a:schemeClr val="tx1"/>
-          </a:fontRef>
-        </p:style>
-      </p:cxnSp>
-      <p:cxnSp>
-        <p:nvCxnSpPr>
-          <p:cNvPr id="38" name="Straight Arrow Connector 37"/>
-          <p:cNvCxnSpPr>
-            <a:stCxn id="21" idx="3"/>
-            <a:endCxn id="64" idx="1"/>
-          </p:cNvCxnSpPr>
-          <p:nvPr/>
-        </p:nvCxnSpPr>
-        <p:spPr>
-          <a:xfrm>
-            <a:off x="9038275" y="2074095"/>
-            <a:ext cx="636270" cy="804000"/>
+          <a:xfrm flipH="1" flipV="1">
+            <a:off x="6762717" y="3122853"/>
+            <a:ext cx="1140718" cy="34201"/>
           </a:xfrm>
           <a:prstGeom prst="straightConnector1">
             <a:avLst/>
@@ -6916,19 +9214,19 @@
         <p:nvCxnSpPr>
           <p:cNvPr id="80" name="Elbow Connector 79"/>
           <p:cNvCxnSpPr>
-            <a:stCxn id="65" idx="3"/>
-            <a:endCxn id="22" idx="3"/>
+            <a:stCxn id="77" idx="1"/>
+            <a:endCxn id="22" idx="1"/>
           </p:cNvCxnSpPr>
           <p:nvPr/>
         </p:nvCxnSpPr>
         <p:spPr>
-          <a:xfrm flipV="1">
-            <a:off x="11491153" y="1420449"/>
-            <a:ext cx="12700" cy="2934007"/>
+          <a:xfrm rot="10800000" flipH="1">
+            <a:off x="4631339" y="3122853"/>
+            <a:ext cx="284669" cy="1667204"/>
           </a:xfrm>
           <a:prstGeom prst="bentConnector3">
             <a:avLst>
-              <a:gd name="adj1" fmla="val 1800000"/>
+              <a:gd name="adj1" fmla="val -80304"/>
             </a:avLst>
           </a:prstGeom>
           <a:ln>
@@ -6954,14 +9252,15 @@
         <p:nvCxnSpPr>
           <p:cNvPr id="82" name="Straight Arrow Connector 81"/>
           <p:cNvCxnSpPr>
-            <a:stCxn id="65" idx="2"/>
+            <a:stCxn id="77" idx="1"/>
+            <a:endCxn id="83" idx="3"/>
           </p:cNvCxnSpPr>
           <p:nvPr/>
         </p:nvCxnSpPr>
         <p:spPr>
-          <a:xfrm>
-            <a:off x="10582849" y="4653160"/>
-            <a:ext cx="0" cy="796664"/>
+          <a:xfrm flipH="1" flipV="1">
+            <a:off x="3606862" y="4790056"/>
+            <a:ext cx="1024478" cy="1"/>
           </a:xfrm>
           <a:prstGeom prst="straightConnector1">
             <a:avLst/>
@@ -6993,7 +9292,7 @@
         </p:nvSpPr>
         <p:spPr>
           <a:xfrm>
-            <a:off x="9418513" y="5261584"/>
+            <a:off x="1278190" y="4216202"/>
             <a:ext cx="2328672" cy="1147707"/>
           </a:xfrm>
           <a:prstGeom prst="rect">
@@ -7065,8 +9364,8 @@
         </p:nvSpPr>
         <p:spPr>
           <a:xfrm>
-            <a:off x="7306248" y="3447328"/>
-            <a:ext cx="1881377" cy="1046402"/>
+            <a:off x="8192771" y="4438214"/>
+            <a:ext cx="1344423" cy="703684"/>
           </a:xfrm>
           <a:prstGeom prst="rect">
             <a:avLst/>
@@ -7094,28 +9393,16 @@
           <a:p>
             <a:pPr algn="ctr"/>
             <a:r>
-              <a:rPr lang="fr-FR" dirty="0" smtClean="0"/>
-              <a:t>Class </a:t>
+              <a:rPr lang="fr-FR" dirty="0" err="1" smtClean="0"/>
+              <a:t>Pending</a:t>
+            </a:r>
+            <a:r>
+              <a:rPr lang="fr-FR" dirty="0" smtClean="0"/>
+              <a:t> </a:t>
             </a:r>
             <a:r>
               <a:rPr lang="fr-FR" dirty="0" err="1" smtClean="0"/>
               <a:t>status</a:t>
-            </a:r>
-            <a:r>
-              <a:rPr lang="fr-FR" dirty="0" smtClean="0"/>
-              <a:t> changes to </a:t>
-            </a:r>
-            <a:r>
-              <a:rPr lang="fr-FR" dirty="0" err="1" smtClean="0"/>
-              <a:t>Pending</a:t>
-            </a:r>
-            <a:r>
-              <a:rPr lang="fr-FR" dirty="0" smtClean="0"/>
-              <a:t> </a:t>
-            </a:r>
-            <a:r>
-              <a:rPr lang="fr-FR" dirty="0" err="1" smtClean="0"/>
-              <a:t>approval</a:t>
             </a:r>
             <a:endParaRPr lang="fr-FR" dirty="0"/>
           </a:p>
@@ -7125,15 +9412,15 @@
         <p:nvCxnSpPr>
           <p:cNvPr id="86" name="Straight Arrow Connector 85"/>
           <p:cNvCxnSpPr>
-            <a:stCxn id="64" idx="1"/>
+            <a:stCxn id="21" idx="2"/>
             <a:endCxn id="84" idx="0"/>
           </p:cNvCxnSpPr>
           <p:nvPr/>
         </p:nvCxnSpPr>
         <p:spPr>
-          <a:xfrm flipH="1">
-            <a:off x="8246937" y="2878095"/>
-            <a:ext cx="1427608" cy="569233"/>
+          <a:xfrm>
+            <a:off x="8864983" y="3778993"/>
+            <a:ext cx="0" cy="659221"/>
           </a:xfrm>
           <a:prstGeom prst="straightConnector1">
             <a:avLst/>
@@ -7157,6 +9444,302 @@
           </a:fontRef>
         </p:style>
       </p:cxnSp>
+      <p:sp>
+        <p:nvSpPr>
+          <p:cNvPr id="77" name="Diamond 76"/>
+          <p:cNvSpPr/>
+          <p:nvPr/>
+        </p:nvSpPr>
+        <p:spPr>
+          <a:xfrm>
+            <a:off x="4631340" y="4125979"/>
+            <a:ext cx="2416046" cy="1328155"/>
+          </a:xfrm>
+          <a:prstGeom prst="diamond">
+            <a:avLst/>
+          </a:prstGeom>
+        </p:spPr>
+        <p:style>
+          <a:lnRef idx="2">
+            <a:schemeClr val="accent1">
+              <a:shade val="50000"/>
+            </a:schemeClr>
+          </a:lnRef>
+          <a:fillRef idx="1">
+            <a:schemeClr val="accent1"/>
+          </a:fillRef>
+          <a:effectRef idx="0">
+            <a:schemeClr val="accent1"/>
+          </a:effectRef>
+          <a:fontRef idx="minor">
+            <a:schemeClr val="lt1"/>
+          </a:fontRef>
+        </p:style>
+        <p:txBody>
+          <a:bodyPr rtlCol="0" anchor="ctr"/>
+          <a:lstStyle/>
+          <a:p>
+            <a:pPr algn="ctr"/>
+            <a:r>
+              <a:rPr lang="fr-FR" dirty="0" smtClean="0"/>
+              <a:t>Teacher </a:t>
+            </a:r>
+            <a:r>
+              <a:rPr lang="fr-FR" dirty="0" err="1" smtClean="0"/>
+              <a:t>approve</a:t>
+            </a:r>
+            <a:r>
+              <a:rPr lang="fr-FR" dirty="0" smtClean="0"/>
+              <a:t>?</a:t>
+            </a:r>
+            <a:endParaRPr lang="fr-FR" dirty="0"/>
+          </a:p>
+        </p:txBody>
+      </p:sp>
+      <p:sp>
+        <p:nvSpPr>
+          <p:cNvPr id="117" name="TextBox 116"/>
+          <p:cNvSpPr txBox="1"/>
+          <p:nvPr/>
+        </p:nvSpPr>
+        <p:spPr>
+          <a:xfrm>
+            <a:off x="4388578" y="4240241"/>
+            <a:ext cx="485518" cy="369332"/>
+          </a:xfrm>
+          <a:prstGeom prst="rect">
+            <a:avLst/>
+          </a:prstGeom>
+          <a:noFill/>
+        </p:spPr>
+        <p:txBody>
+          <a:bodyPr wrap="none" rtlCol="0">
+            <a:spAutoFit/>
+          </a:bodyPr>
+          <a:lstStyle/>
+          <a:p>
+            <a:r>
+              <a:rPr lang="fr-FR" dirty="0" err="1" smtClean="0"/>
+              <a:t>Yes</a:t>
+            </a:r>
+            <a:endParaRPr lang="fr-FR" dirty="0"/>
+          </a:p>
+        </p:txBody>
+      </p:sp>
+      <p:cxnSp>
+        <p:nvCxnSpPr>
+          <p:cNvPr id="123" name="Straight Arrow Connector 122"/>
+          <p:cNvCxnSpPr>
+            <a:stCxn id="84" idx="1"/>
+            <a:endCxn id="77" idx="3"/>
+          </p:cNvCxnSpPr>
+          <p:nvPr/>
+        </p:nvCxnSpPr>
+        <p:spPr>
+          <a:xfrm flipH="1">
+            <a:off x="7047386" y="4790056"/>
+            <a:ext cx="1145385" cy="1"/>
+          </a:xfrm>
+          <a:prstGeom prst="straightConnector1">
+            <a:avLst/>
+          </a:prstGeom>
+          <a:ln>
+            <a:tailEnd type="triangle"/>
+          </a:ln>
+        </p:spPr>
+        <p:style>
+          <a:lnRef idx="1">
+            <a:schemeClr val="accent1"/>
+          </a:lnRef>
+          <a:fillRef idx="0">
+            <a:schemeClr val="accent1"/>
+          </a:fillRef>
+          <a:effectRef idx="0">
+            <a:schemeClr val="accent1"/>
+          </a:effectRef>
+          <a:fontRef idx="minor">
+            <a:schemeClr val="tx1"/>
+          </a:fontRef>
+        </p:style>
+      </p:cxnSp>
+      <p:sp>
+        <p:nvSpPr>
+          <p:cNvPr id="127" name="TextBox 126"/>
+          <p:cNvSpPr txBox="1"/>
+          <p:nvPr/>
+        </p:nvSpPr>
+        <p:spPr>
+          <a:xfrm>
+            <a:off x="7105141" y="2734571"/>
+            <a:ext cx="485518" cy="369332"/>
+          </a:xfrm>
+          <a:prstGeom prst="rect">
+            <a:avLst/>
+          </a:prstGeom>
+          <a:noFill/>
+        </p:spPr>
+        <p:txBody>
+          <a:bodyPr wrap="none" rtlCol="0">
+            <a:spAutoFit/>
+          </a:bodyPr>
+          <a:lstStyle/>
+          <a:p>
+            <a:r>
+              <a:rPr lang="fr-FR" dirty="0" err="1" smtClean="0"/>
+              <a:t>Yes</a:t>
+            </a:r>
+            <a:endParaRPr lang="fr-FR" dirty="0"/>
+          </a:p>
+        </p:txBody>
+      </p:sp>
+      <p:sp>
+        <p:nvSpPr>
+          <p:cNvPr id="128" name="TextBox 127"/>
+          <p:cNvSpPr txBox="1"/>
+          <p:nvPr/>
+        </p:nvSpPr>
+        <p:spPr>
+          <a:xfrm>
+            <a:off x="8811257" y="3781625"/>
+            <a:ext cx="455574" cy="369332"/>
+          </a:xfrm>
+          <a:prstGeom prst="rect">
+            <a:avLst/>
+          </a:prstGeom>
+          <a:noFill/>
+        </p:spPr>
+        <p:txBody>
+          <a:bodyPr wrap="none" rtlCol="0">
+            <a:spAutoFit/>
+          </a:bodyPr>
+          <a:lstStyle/>
+          <a:p>
+            <a:r>
+              <a:rPr lang="fr-FR" dirty="0" smtClean="0"/>
+              <a:t>No</a:t>
+            </a:r>
+            <a:endParaRPr lang="fr-FR" dirty="0"/>
+          </a:p>
+        </p:txBody>
+      </p:sp>
+      <p:sp>
+        <p:nvSpPr>
+          <p:cNvPr id="133" name="Rectangle 132"/>
+          <p:cNvSpPr/>
+          <p:nvPr/>
+        </p:nvSpPr>
+        <p:spPr>
+          <a:xfrm>
+            <a:off x="5167151" y="5869521"/>
+            <a:ext cx="1344423" cy="703684"/>
+          </a:xfrm>
+          <a:prstGeom prst="rect">
+            <a:avLst/>
+          </a:prstGeom>
+        </p:spPr>
+        <p:style>
+          <a:lnRef idx="2">
+            <a:schemeClr val="accent1">
+              <a:shade val="50000"/>
+            </a:schemeClr>
+          </a:lnRef>
+          <a:fillRef idx="1">
+            <a:schemeClr val="accent1"/>
+          </a:fillRef>
+          <a:effectRef idx="0">
+            <a:schemeClr val="accent1"/>
+          </a:effectRef>
+          <a:fontRef idx="minor">
+            <a:schemeClr val="lt1"/>
+          </a:fontRef>
+        </p:style>
+        <p:txBody>
+          <a:bodyPr rtlCol="0" anchor="ctr"/>
+          <a:lstStyle/>
+          <a:p>
+            <a:pPr algn="ctr"/>
+            <a:r>
+              <a:rPr lang="fr-FR" dirty="0" err="1" smtClean="0"/>
+              <a:t>Pending</a:t>
+            </a:r>
+            <a:r>
+              <a:rPr lang="fr-FR" dirty="0" smtClean="0"/>
+              <a:t> </a:t>
+            </a:r>
+            <a:r>
+              <a:rPr lang="fr-FR" dirty="0" err="1" smtClean="0"/>
+              <a:t>status</a:t>
+            </a:r>
+            <a:endParaRPr lang="fr-FR" dirty="0"/>
+          </a:p>
+        </p:txBody>
+      </p:sp>
+      <p:cxnSp>
+        <p:nvCxnSpPr>
+          <p:cNvPr id="135" name="Straight Arrow Connector 134"/>
+          <p:cNvCxnSpPr>
+            <a:stCxn id="77" idx="2"/>
+            <a:endCxn id="133" idx="0"/>
+          </p:cNvCxnSpPr>
+          <p:nvPr/>
+        </p:nvCxnSpPr>
+        <p:spPr>
+          <a:xfrm>
+            <a:off x="5839363" y="5454134"/>
+            <a:ext cx="0" cy="415387"/>
+          </a:xfrm>
+          <a:prstGeom prst="straightConnector1">
+            <a:avLst/>
+          </a:prstGeom>
+          <a:ln>
+            <a:tailEnd type="triangle"/>
+          </a:ln>
+        </p:spPr>
+        <p:style>
+          <a:lnRef idx="1">
+            <a:schemeClr val="accent1"/>
+          </a:lnRef>
+          <a:fillRef idx="0">
+            <a:schemeClr val="accent1"/>
+          </a:fillRef>
+          <a:effectRef idx="0">
+            <a:schemeClr val="accent1"/>
+          </a:effectRef>
+          <a:fontRef idx="minor">
+            <a:schemeClr val="tx1"/>
+          </a:fontRef>
+        </p:style>
+      </p:cxnSp>
+      <p:sp>
+        <p:nvSpPr>
+          <p:cNvPr id="136" name="TextBox 135"/>
+          <p:cNvSpPr txBox="1"/>
+          <p:nvPr/>
+        </p:nvSpPr>
+        <p:spPr>
+          <a:xfrm>
+            <a:off x="5906152" y="5454134"/>
+            <a:ext cx="455574" cy="369332"/>
+          </a:xfrm>
+          <a:prstGeom prst="rect">
+            <a:avLst/>
+          </a:prstGeom>
+          <a:noFill/>
+        </p:spPr>
+        <p:txBody>
+          <a:bodyPr wrap="none" rtlCol="0">
+            <a:spAutoFit/>
+          </a:bodyPr>
+          <a:lstStyle/>
+          <a:p>
+            <a:r>
+              <a:rPr lang="fr-FR" dirty="0" smtClean="0"/>
+              <a:t>No</a:t>
+            </a:r>
+            <a:endParaRPr lang="fr-FR" dirty="0"/>
+          </a:p>
+        </p:txBody>
+      </p:sp>
     </p:spTree>
     <p:extLst>
       <p:ext uri="{BB962C8B-B14F-4D97-AF65-F5344CB8AC3E}">
@@ -7177,7 +9760,7 @@
 </p:sld>
 </file>
 
-<file path=ppt/slides/slide7.xml><?xml version="1.0" encoding="utf-8"?>
+<file path=ppt/slides/slide9.xml><?xml version="1.0" encoding="utf-8"?>
 <p:sld xmlns:a="http://schemas.openxmlformats.org/drawingml/2006/main" xmlns:r="http://schemas.openxmlformats.org/officeDocument/2006/relationships" xmlns:p="http://schemas.openxmlformats.org/presentationml/2006/main">
   <p:cSld>
     <p:spTree>
